--- a/presentations/Phantom.pptx
+++ b/presentations/Phantom.pptx
@@ -23,37 +23,41 @@
     <p:sldMasterId id="2147483684" r:id="rId20"/>
     <p:sldMasterId id="2147483686" r:id="rId21"/>
     <p:sldMasterId id="2147483688" r:id="rId22"/>
-    <p:sldMasterId id="2147483694" r:id="rId23"/>
-    <p:sldMasterId id="2147483696" r:id="rId24"/>
-    <p:sldMasterId id="2147483698" r:id="rId25"/>
-    <p:sldMasterId id="2147483700" r:id="rId26"/>
+    <p:sldMasterId id="2147483690" r:id="rId23"/>
+    <p:sldMasterId id="2147483692" r:id="rId24"/>
+    <p:sldMasterId id="2147483694" r:id="rId25"/>
+    <p:sldMasterId id="2147483696" r:id="rId26"/>
     <p:sldMasterId id="2147483702" r:id="rId27"/>
     <p:sldMasterId id="2147483704" r:id="rId28"/>
     <p:sldMasterId id="2147483706" r:id="rId29"/>
     <p:sldMasterId id="2147483708" r:id="rId30"/>
+    <p:sldMasterId id="2147483710" r:id="rId31"/>
+    <p:sldMasterId id="2147483712" r:id="rId32"/>
+    <p:sldMasterId id="2147483714" r:id="rId33"/>
+    <p:sldMasterId id="2147483716" r:id="rId34"/>
   </p:sldMasterIdLst>
   <p:notesMasterIdLst>
-    <p:notesMasterId r:id="rId31"/>
+    <p:notesMasterId r:id="rId35"/>
   </p:notesMasterIdLst>
   <p:sldIdLst>
-    <p:sldId id="256" r:id="rId32"/>
-    <p:sldId id="257" r:id="rId33"/>
-    <p:sldId id="258" r:id="rId34"/>
-    <p:sldId id="259" r:id="rId35"/>
-    <p:sldId id="260" r:id="rId36"/>
-    <p:sldId id="261" r:id="rId37"/>
-    <p:sldId id="262" r:id="rId38"/>
-    <p:sldId id="263" r:id="rId39"/>
-    <p:sldId id="264" r:id="rId40"/>
-    <p:sldId id="265" r:id="rId41"/>
-    <p:sldId id="266" r:id="rId42"/>
-    <p:sldId id="267" r:id="rId43"/>
-    <p:sldId id="268" r:id="rId44"/>
-    <p:sldId id="269" r:id="rId45"/>
-    <p:sldId id="270" r:id="rId46"/>
-    <p:sldId id="271" r:id="rId47"/>
-    <p:sldId id="272" r:id="rId48"/>
-    <p:sldId id="273" r:id="rId49"/>
+    <p:sldId id="256" r:id="rId36"/>
+    <p:sldId id="257" r:id="rId37"/>
+    <p:sldId id="258" r:id="rId38"/>
+    <p:sldId id="259" r:id="rId39"/>
+    <p:sldId id="260" r:id="rId40"/>
+    <p:sldId id="261" r:id="rId41"/>
+    <p:sldId id="262" r:id="rId42"/>
+    <p:sldId id="263" r:id="rId43"/>
+    <p:sldId id="264" r:id="rId44"/>
+    <p:sldId id="265" r:id="rId45"/>
+    <p:sldId id="266" r:id="rId46"/>
+    <p:sldId id="267" r:id="rId47"/>
+    <p:sldId id="268" r:id="rId48"/>
+    <p:sldId id="269" r:id="rId49"/>
+    <p:sldId id="270" r:id="rId50"/>
+    <p:sldId id="271" r:id="rId51"/>
+    <p:sldId id="272" r:id="rId52"/>
+    <p:sldId id="273" r:id="rId53"/>
   </p:sldIdLst>
   <p:sldSz cx="9144000" cy="5143500"/>
   <p:notesSz cx="6858000" cy="9144000"/>
@@ -79,7 +83,7 @@
       </p:grpSpPr>
       <p:sp>
         <p:nvSpPr>
-          <p:cNvPr id="121" name="PlaceHolder 1"/>
+          <p:cNvPr id="140" name="PlaceHolder 1"/>
           <p:cNvSpPr>
             <a:spLocks noGrp="1"/>
           </p:cNvSpPr>
@@ -128,7 +132,7 @@
       </p:sp>
       <p:sp>
         <p:nvSpPr>
-          <p:cNvPr id="122" name="PlaceHolder 2"/>
+          <p:cNvPr id="141" name="PlaceHolder 2"/>
           <p:cNvSpPr>
             <a:spLocks noGrp="1"/>
           </p:cNvSpPr>
@@ -179,7 +183,7 @@
       </p:sp>
       <p:sp>
         <p:nvSpPr>
-          <p:cNvPr id="123" name="PlaceHolder 3"/>
+          <p:cNvPr id="142" name="PlaceHolder 3"/>
           <p:cNvSpPr>
             <a:spLocks noGrp="1"/>
           </p:cNvSpPr>
@@ -230,12 +234,12 @@
       </p:sp>
       <p:sp>
         <p:nvSpPr>
-          <p:cNvPr id="124" name="PlaceHolder 4"/>
+          <p:cNvPr id="143" name="PlaceHolder 4"/>
           <p:cNvSpPr>
             <a:spLocks noGrp="1"/>
           </p:cNvSpPr>
           <p:nvPr>
-            <p:ph type="dt" idx="30"/>
+            <p:ph type="dt" idx="34"/>
           </p:nvPr>
         </p:nvSpPr>
         <p:spPr>
@@ -293,12 +297,12 @@
       </p:sp>
       <p:sp>
         <p:nvSpPr>
-          <p:cNvPr id="125" name="PlaceHolder 5"/>
+          <p:cNvPr id="144" name="PlaceHolder 5"/>
           <p:cNvSpPr>
             <a:spLocks noGrp="1"/>
           </p:cNvSpPr>
           <p:nvPr>
-            <p:ph type="ftr" idx="31"/>
+            <p:ph type="ftr" idx="35"/>
           </p:nvPr>
         </p:nvSpPr>
         <p:spPr>
@@ -356,12 +360,12 @@
       </p:sp>
       <p:sp>
         <p:nvSpPr>
-          <p:cNvPr id="126" name="PlaceHolder 6"/>
+          <p:cNvPr id="145" name="PlaceHolder 6"/>
           <p:cNvSpPr>
             <a:spLocks noGrp="1"/>
           </p:cNvSpPr>
           <p:nvPr>
-            <p:ph type="sldNum" idx="32"/>
+            <p:ph type="sldNum" idx="36"/>
           </p:nvPr>
         </p:nvSpPr>
         <p:spPr>
@@ -397,7 +401,7 @@
             <a:pPr indent="0" algn="r">
               <a:buNone/>
             </a:pPr>
-            <a:fld id="{786B8584-639C-49EF-A062-3FD714234840}" type="slidenum">
+            <a:fld id="{A92C1CC4-9012-43F9-9218-850CE3197A80}" type="slidenum">
               <a:rPr b="0" lang="en-US" sz="1400" strike="noStrike" u="none">
                 <a:solidFill>
                   <a:srgbClr val="000000"/>
@@ -442,7 +446,7 @@
       </p:grpSpPr>
       <p:sp>
         <p:nvSpPr>
-          <p:cNvPr id="246" name="PlaceHolder 1"/>
+          <p:cNvPr id="265" name="PlaceHolder 1"/>
           <p:cNvSpPr>
             <a:spLocks noGrp="1"/>
           </p:cNvSpPr>
@@ -453,7 +457,7 @@
         <p:spPr>
           <a:xfrm>
             <a:off x="685080" y="1143000"/>
-            <a:ext cx="5477040" cy="3075480"/>
+            <a:ext cx="5476680" cy="3075120"/>
           </a:xfrm>
           <a:prstGeom prst="rect">
             <a:avLst/>
@@ -465,7 +469,7 @@
       </p:sp>
       <p:sp>
         <p:nvSpPr>
-          <p:cNvPr id="247" name="PlaceHolder 2"/>
+          <p:cNvPr id="266" name="PlaceHolder 2"/>
           <p:cNvSpPr>
             <a:spLocks noGrp="1"/>
           </p:cNvSpPr>
@@ -476,7 +480,7 @@
         <p:spPr>
           <a:xfrm>
             <a:off x="685800" y="4400640"/>
-            <a:ext cx="5475600" cy="3589560"/>
+            <a:ext cx="5475240" cy="3589200"/>
           </a:xfrm>
           <a:prstGeom prst="rect">
             <a:avLst/>
@@ -506,18 +510,18 @@
       </p:sp>
       <p:sp>
         <p:nvSpPr>
-          <p:cNvPr id="248" name="PlaceHolder 3"/>
+          <p:cNvPr id="267" name="PlaceHolder 3"/>
           <p:cNvSpPr>
             <a:spLocks noGrp="1"/>
           </p:cNvSpPr>
           <p:nvPr>
-            <p:ph type="sldNum" idx="51"/>
+            <p:ph type="sldNum" idx="55"/>
           </p:nvPr>
         </p:nvSpPr>
         <p:spPr>
           <a:xfrm>
             <a:off x="3884760" y="8685360"/>
-            <a:ext cx="2961000" cy="447840"/>
+            <a:ext cx="2960640" cy="447480"/>
           </a:xfrm>
           <a:prstGeom prst="rect">
             <a:avLst/>
@@ -560,7 +564,7 @@
                 <a:tab algn="l" pos="0"/>
               </a:tabLst>
             </a:pPr>
-            <a:fld id="{C7A8C389-0189-48D9-9647-75412E204F31}" type="slidenum">
+            <a:fld id="{83E68AD9-41E6-4651-977A-5A4E77471800}" type="slidenum">
               <a:rPr b="0" lang="en" sz="1200" strike="noStrike" u="none">
                 <a:solidFill>
                   <a:srgbClr val="000000"/>
@@ -569,7 +573,7 @@
                 <a:latin typeface="Times New Roman"/>
                 <a:ea typeface="Times New Roman"/>
               </a:rPr>
-              <a:t>18</a:t>
+              <a:t>&lt;number&gt;</a:t>
             </a:fld>
             <a:endParaRPr b="0" lang="en-US" sz="1200" strike="noStrike" u="none">
               <a:solidFill>
@@ -605,7 +609,7 @@
       </p:grpSpPr>
       <p:sp>
         <p:nvSpPr>
-          <p:cNvPr id="273" name="PlaceHolder 1"/>
+          <p:cNvPr id="292" name="PlaceHolder 1"/>
           <p:cNvSpPr>
             <a:spLocks noGrp="1"/>
           </p:cNvSpPr>
@@ -616,7 +620,7 @@
         <p:spPr>
           <a:xfrm>
             <a:off x="685080" y="1143000"/>
-            <a:ext cx="5477040" cy="3075480"/>
+            <a:ext cx="5476680" cy="3075120"/>
           </a:xfrm>
           <a:prstGeom prst="rect">
             <a:avLst/>
@@ -628,7 +632,7 @@
       </p:sp>
       <p:sp>
         <p:nvSpPr>
-          <p:cNvPr id="274" name="PlaceHolder 2"/>
+          <p:cNvPr id="293" name="PlaceHolder 2"/>
           <p:cNvSpPr>
             <a:spLocks noGrp="1"/>
           </p:cNvSpPr>
@@ -639,7 +643,7 @@
         <p:spPr>
           <a:xfrm>
             <a:off x="685800" y="4400640"/>
-            <a:ext cx="5475600" cy="3589560"/>
+            <a:ext cx="5475240" cy="3589200"/>
           </a:xfrm>
           <a:prstGeom prst="rect">
             <a:avLst/>
@@ -669,18 +673,18 @@
       </p:sp>
       <p:sp>
         <p:nvSpPr>
-          <p:cNvPr id="275" name="PlaceHolder 3"/>
+          <p:cNvPr id="294" name="PlaceHolder 3"/>
           <p:cNvSpPr>
             <a:spLocks noGrp="1"/>
           </p:cNvSpPr>
           <p:nvPr>
-            <p:ph type="sldNum" idx="60"/>
+            <p:ph type="sldNum" idx="64"/>
           </p:nvPr>
         </p:nvSpPr>
         <p:spPr>
           <a:xfrm>
             <a:off x="3884760" y="8685360"/>
-            <a:ext cx="2961000" cy="447840"/>
+            <a:ext cx="2960640" cy="447480"/>
           </a:xfrm>
           <a:prstGeom prst="rect">
             <a:avLst/>
@@ -723,7 +727,7 @@
                 <a:tab algn="l" pos="0"/>
               </a:tabLst>
             </a:pPr>
-            <a:fld id="{3E5DE44C-D6B4-40F4-B7B2-3E1654C10C54}" type="slidenum">
+            <a:fld id="{61D06352-3BF2-4A9C-ABED-394E860C974C}" type="slidenum">
               <a:rPr b="0" lang="en" sz="1200" strike="noStrike" u="none">
                 <a:solidFill>
                   <a:srgbClr val="000000"/>
@@ -768,7 +772,7 @@
       </p:grpSpPr>
       <p:sp>
         <p:nvSpPr>
-          <p:cNvPr id="276" name="PlaceHolder 1"/>
+          <p:cNvPr id="295" name="PlaceHolder 1"/>
           <p:cNvSpPr>
             <a:spLocks noGrp="1"/>
           </p:cNvSpPr>
@@ -779,7 +783,7 @@
         <p:spPr>
           <a:xfrm>
             <a:off x="685080" y="1143000"/>
-            <a:ext cx="5477040" cy="3075480"/>
+            <a:ext cx="5476680" cy="3075120"/>
           </a:xfrm>
           <a:prstGeom prst="rect">
             <a:avLst/>
@@ -791,7 +795,7 @@
       </p:sp>
       <p:sp>
         <p:nvSpPr>
-          <p:cNvPr id="277" name="PlaceHolder 2"/>
+          <p:cNvPr id="296" name="PlaceHolder 2"/>
           <p:cNvSpPr>
             <a:spLocks noGrp="1"/>
           </p:cNvSpPr>
@@ -802,7 +806,7 @@
         <p:spPr>
           <a:xfrm>
             <a:off x="685800" y="4400640"/>
-            <a:ext cx="5475600" cy="3589560"/>
+            <a:ext cx="5475240" cy="3589200"/>
           </a:xfrm>
           <a:prstGeom prst="rect">
             <a:avLst/>
@@ -832,18 +836,18 @@
       </p:sp>
       <p:sp>
         <p:nvSpPr>
-          <p:cNvPr id="278" name="PlaceHolder 3"/>
+          <p:cNvPr id="297" name="PlaceHolder 3"/>
           <p:cNvSpPr>
             <a:spLocks noGrp="1"/>
           </p:cNvSpPr>
           <p:nvPr>
-            <p:ph type="sldNum" idx="61"/>
+            <p:ph type="sldNum" idx="65"/>
           </p:nvPr>
         </p:nvSpPr>
         <p:spPr>
           <a:xfrm>
             <a:off x="3884760" y="8685360"/>
-            <a:ext cx="2961000" cy="447840"/>
+            <a:ext cx="2960640" cy="447480"/>
           </a:xfrm>
           <a:prstGeom prst="rect">
             <a:avLst/>
@@ -886,7 +890,7 @@
                 <a:tab algn="l" pos="0"/>
               </a:tabLst>
             </a:pPr>
-            <a:fld id="{B9A8C51D-4A07-4B62-BEB6-2BAAF293FF72}" type="slidenum">
+            <a:fld id="{680CE472-7519-49C5-833D-8E2F420B488E}" type="slidenum">
               <a:rPr b="0" lang="en" sz="1200" strike="noStrike" u="none">
                 <a:solidFill>
                   <a:srgbClr val="000000"/>
@@ -931,7 +935,7 @@
       </p:grpSpPr>
       <p:sp>
         <p:nvSpPr>
-          <p:cNvPr id="279" name="PlaceHolder 1"/>
+          <p:cNvPr id="298" name="PlaceHolder 1"/>
           <p:cNvSpPr>
             <a:spLocks noGrp="1"/>
           </p:cNvSpPr>
@@ -942,7 +946,7 @@
         <p:spPr>
           <a:xfrm>
             <a:off x="685080" y="1143000"/>
-            <a:ext cx="5477040" cy="3075480"/>
+            <a:ext cx="5476680" cy="3075120"/>
           </a:xfrm>
           <a:prstGeom prst="rect">
             <a:avLst/>
@@ -954,7 +958,7 @@
       </p:sp>
       <p:sp>
         <p:nvSpPr>
-          <p:cNvPr id="280" name="PlaceHolder 2"/>
+          <p:cNvPr id="299" name="PlaceHolder 2"/>
           <p:cNvSpPr>
             <a:spLocks noGrp="1"/>
           </p:cNvSpPr>
@@ -965,7 +969,7 @@
         <p:spPr>
           <a:xfrm>
             <a:off x="685800" y="4400640"/>
-            <a:ext cx="5475600" cy="3589560"/>
+            <a:ext cx="5475240" cy="3589200"/>
           </a:xfrm>
           <a:prstGeom prst="rect">
             <a:avLst/>
@@ -995,18 +999,18 @@
       </p:sp>
       <p:sp>
         <p:nvSpPr>
-          <p:cNvPr id="281" name="PlaceHolder 3"/>
+          <p:cNvPr id="300" name="PlaceHolder 3"/>
           <p:cNvSpPr>
             <a:spLocks noGrp="1"/>
           </p:cNvSpPr>
           <p:nvPr>
-            <p:ph type="sldNum" idx="62"/>
+            <p:ph type="sldNum" idx="66"/>
           </p:nvPr>
         </p:nvSpPr>
         <p:spPr>
           <a:xfrm>
             <a:off x="3884760" y="8685360"/>
-            <a:ext cx="2961000" cy="447840"/>
+            <a:ext cx="2960640" cy="447480"/>
           </a:xfrm>
           <a:prstGeom prst="rect">
             <a:avLst/>
@@ -1049,7 +1053,7 @@
                 <a:tab algn="l" pos="0"/>
               </a:tabLst>
             </a:pPr>
-            <a:fld id="{98641126-B031-4624-AA01-FDF8792C0F51}" type="slidenum">
+            <a:fld id="{89D3AEA9-3FAF-4514-865A-B57F319AA70E}" type="slidenum">
               <a:rPr b="0" lang="en" sz="1200" strike="noStrike" u="none">
                 <a:solidFill>
                   <a:srgbClr val="000000"/>
@@ -1094,7 +1098,7 @@
       </p:grpSpPr>
       <p:sp>
         <p:nvSpPr>
-          <p:cNvPr id="282" name="PlaceHolder 1"/>
+          <p:cNvPr id="301" name="PlaceHolder 1"/>
           <p:cNvSpPr>
             <a:spLocks noGrp="1"/>
           </p:cNvSpPr>
@@ -1105,7 +1109,7 @@
         <p:spPr>
           <a:xfrm>
             <a:off x="685080" y="1143000"/>
-            <a:ext cx="5477040" cy="3075480"/>
+            <a:ext cx="5476680" cy="3075120"/>
           </a:xfrm>
           <a:prstGeom prst="rect">
             <a:avLst/>
@@ -1117,7 +1121,7 @@
       </p:sp>
       <p:sp>
         <p:nvSpPr>
-          <p:cNvPr id="283" name="PlaceHolder 2"/>
+          <p:cNvPr id="302" name="PlaceHolder 2"/>
           <p:cNvSpPr>
             <a:spLocks noGrp="1"/>
           </p:cNvSpPr>
@@ -1128,7 +1132,7 @@
         <p:spPr>
           <a:xfrm>
             <a:off x="685800" y="4400640"/>
-            <a:ext cx="5475600" cy="3589560"/>
+            <a:ext cx="5475240" cy="3589200"/>
           </a:xfrm>
           <a:prstGeom prst="rect">
             <a:avLst/>
@@ -1158,18 +1162,18 @@
       </p:sp>
       <p:sp>
         <p:nvSpPr>
-          <p:cNvPr id="284" name="PlaceHolder 3"/>
+          <p:cNvPr id="303" name="PlaceHolder 3"/>
           <p:cNvSpPr>
             <a:spLocks noGrp="1"/>
           </p:cNvSpPr>
           <p:nvPr>
-            <p:ph type="sldNum" idx="63"/>
+            <p:ph type="sldNum" idx="67"/>
           </p:nvPr>
         </p:nvSpPr>
         <p:spPr>
           <a:xfrm>
             <a:off x="3884760" y="8685360"/>
-            <a:ext cx="2961000" cy="447840"/>
+            <a:ext cx="2960640" cy="447480"/>
           </a:xfrm>
           <a:prstGeom prst="rect">
             <a:avLst/>
@@ -1212,7 +1216,7 @@
                 <a:tab algn="l" pos="0"/>
               </a:tabLst>
             </a:pPr>
-            <a:fld id="{6D0D72E8-B25F-4D9A-8905-3D277CD11EA4}" type="slidenum">
+            <a:fld id="{F19B67D2-C79D-4CAD-B200-C473908DEAAC}" type="slidenum">
               <a:rPr b="0" lang="en" sz="1200" strike="noStrike" u="none">
                 <a:solidFill>
                   <a:srgbClr val="000000"/>
@@ -1257,7 +1261,7 @@
       </p:grpSpPr>
       <p:sp>
         <p:nvSpPr>
-          <p:cNvPr id="285" name="PlaceHolder 1"/>
+          <p:cNvPr id="304" name="PlaceHolder 1"/>
           <p:cNvSpPr>
             <a:spLocks noGrp="1"/>
           </p:cNvSpPr>
@@ -1268,7 +1272,7 @@
         <p:spPr>
           <a:xfrm>
             <a:off x="685080" y="1143000"/>
-            <a:ext cx="5477040" cy="3075480"/>
+            <a:ext cx="5476680" cy="3075120"/>
           </a:xfrm>
           <a:prstGeom prst="rect">
             <a:avLst/>
@@ -1280,7 +1284,7 @@
       </p:sp>
       <p:sp>
         <p:nvSpPr>
-          <p:cNvPr id="286" name="PlaceHolder 2"/>
+          <p:cNvPr id="305" name="PlaceHolder 2"/>
           <p:cNvSpPr>
             <a:spLocks noGrp="1"/>
           </p:cNvSpPr>
@@ -1291,7 +1295,7 @@
         <p:spPr>
           <a:xfrm>
             <a:off x="685800" y="4400640"/>
-            <a:ext cx="5475600" cy="3589560"/>
+            <a:ext cx="5475240" cy="3589200"/>
           </a:xfrm>
           <a:prstGeom prst="rect">
             <a:avLst/>
@@ -1321,18 +1325,18 @@
       </p:sp>
       <p:sp>
         <p:nvSpPr>
-          <p:cNvPr id="287" name="PlaceHolder 3"/>
+          <p:cNvPr id="306" name="PlaceHolder 3"/>
           <p:cNvSpPr>
             <a:spLocks noGrp="1"/>
           </p:cNvSpPr>
           <p:nvPr>
-            <p:ph type="sldNum" idx="64"/>
+            <p:ph type="sldNum" idx="68"/>
           </p:nvPr>
         </p:nvSpPr>
         <p:spPr>
           <a:xfrm>
             <a:off x="3884760" y="8685360"/>
-            <a:ext cx="2961000" cy="447840"/>
+            <a:ext cx="2960640" cy="447480"/>
           </a:xfrm>
           <a:prstGeom prst="rect">
             <a:avLst/>
@@ -1375,7 +1379,7 @@
                 <a:tab algn="l" pos="0"/>
               </a:tabLst>
             </a:pPr>
-            <a:fld id="{669B103B-FB51-4265-A567-FAAB0ADBD141}" type="slidenum">
+            <a:fld id="{9176C83B-3FAA-451D-A5C5-26467601869D}" type="slidenum">
               <a:rPr b="0" lang="en" sz="1200" strike="noStrike" u="none">
                 <a:solidFill>
                   <a:srgbClr val="000000"/>
@@ -1420,7 +1424,7 @@
       </p:grpSpPr>
       <p:sp>
         <p:nvSpPr>
-          <p:cNvPr id="288" name="PlaceHolder 1"/>
+          <p:cNvPr id="307" name="PlaceHolder 1"/>
           <p:cNvSpPr>
             <a:spLocks noGrp="1"/>
           </p:cNvSpPr>
@@ -1431,7 +1435,7 @@
         <p:spPr>
           <a:xfrm>
             <a:off x="685080" y="1143000"/>
-            <a:ext cx="5477040" cy="3075480"/>
+            <a:ext cx="5476680" cy="3075120"/>
           </a:xfrm>
           <a:prstGeom prst="rect">
             <a:avLst/>
@@ -1443,7 +1447,7 @@
       </p:sp>
       <p:sp>
         <p:nvSpPr>
-          <p:cNvPr id="289" name="PlaceHolder 2"/>
+          <p:cNvPr id="308" name="PlaceHolder 2"/>
           <p:cNvSpPr>
             <a:spLocks noGrp="1"/>
           </p:cNvSpPr>
@@ -1454,7 +1458,7 @@
         <p:spPr>
           <a:xfrm>
             <a:off x="685800" y="4400640"/>
-            <a:ext cx="5475600" cy="3589560"/>
+            <a:ext cx="5475240" cy="3589200"/>
           </a:xfrm>
           <a:prstGeom prst="rect">
             <a:avLst/>
@@ -1484,18 +1488,18 @@
       </p:sp>
       <p:sp>
         <p:nvSpPr>
-          <p:cNvPr id="290" name="PlaceHolder 3"/>
+          <p:cNvPr id="309" name="PlaceHolder 3"/>
           <p:cNvSpPr>
             <a:spLocks noGrp="1"/>
           </p:cNvSpPr>
           <p:nvPr>
-            <p:ph type="sldNum" idx="65"/>
+            <p:ph type="sldNum" idx="69"/>
           </p:nvPr>
         </p:nvSpPr>
         <p:spPr>
           <a:xfrm>
             <a:off x="3884760" y="8685360"/>
-            <a:ext cx="2961000" cy="447840"/>
+            <a:ext cx="2960640" cy="447480"/>
           </a:xfrm>
           <a:prstGeom prst="rect">
             <a:avLst/>
@@ -1538,7 +1542,7 @@
                 <a:tab algn="l" pos="0"/>
               </a:tabLst>
             </a:pPr>
-            <a:fld id="{40115D35-E1FA-4AA8-9164-A39071B7D75A}" type="slidenum">
+            <a:fld id="{8C544D2B-1DE7-483B-B802-32EA623E3B5A}" type="slidenum">
               <a:rPr b="0" lang="en" sz="1200" strike="noStrike" u="none">
                 <a:solidFill>
                   <a:srgbClr val="000000"/>
@@ -1583,7 +1587,7 @@
       </p:grpSpPr>
       <p:sp>
         <p:nvSpPr>
-          <p:cNvPr id="291" name="PlaceHolder 1"/>
+          <p:cNvPr id="310" name="PlaceHolder 1"/>
           <p:cNvSpPr>
             <a:spLocks noGrp="1"/>
           </p:cNvSpPr>
@@ -1594,7 +1598,7 @@
         <p:spPr>
           <a:xfrm>
             <a:off x="685080" y="1143000"/>
-            <a:ext cx="5477040" cy="3075480"/>
+            <a:ext cx="5476680" cy="3075120"/>
           </a:xfrm>
           <a:prstGeom prst="rect">
             <a:avLst/>
@@ -1606,7 +1610,7 @@
       </p:sp>
       <p:sp>
         <p:nvSpPr>
-          <p:cNvPr id="292" name="PlaceHolder 2"/>
+          <p:cNvPr id="311" name="PlaceHolder 2"/>
           <p:cNvSpPr>
             <a:spLocks noGrp="1"/>
           </p:cNvSpPr>
@@ -1617,7 +1621,7 @@
         <p:spPr>
           <a:xfrm>
             <a:off x="685800" y="4400640"/>
-            <a:ext cx="5475600" cy="3589560"/>
+            <a:ext cx="5475240" cy="3589200"/>
           </a:xfrm>
           <a:prstGeom prst="rect">
             <a:avLst/>
@@ -1647,18 +1651,18 @@
       </p:sp>
       <p:sp>
         <p:nvSpPr>
-          <p:cNvPr id="293" name="PlaceHolder 3"/>
+          <p:cNvPr id="312" name="PlaceHolder 3"/>
           <p:cNvSpPr>
             <a:spLocks noGrp="1"/>
           </p:cNvSpPr>
           <p:nvPr>
-            <p:ph type="sldNum" idx="66"/>
+            <p:ph type="sldNum" idx="70"/>
           </p:nvPr>
         </p:nvSpPr>
         <p:spPr>
           <a:xfrm>
             <a:off x="3884760" y="8685360"/>
-            <a:ext cx="2961000" cy="447840"/>
+            <a:ext cx="2960640" cy="447480"/>
           </a:xfrm>
           <a:prstGeom prst="rect">
             <a:avLst/>
@@ -1701,7 +1705,7 @@
                 <a:tab algn="l" pos="0"/>
               </a:tabLst>
             </a:pPr>
-            <a:fld id="{187E53E9-E6CB-4FDC-ACA7-009C701E90CA}" type="slidenum">
+            <a:fld id="{C4E15DDE-845F-4745-A899-9B5A5673AE70}" type="slidenum">
               <a:rPr b="0" lang="en" sz="1200" strike="noStrike" u="none">
                 <a:solidFill>
                   <a:srgbClr val="000000"/>
@@ -1746,7 +1750,7 @@
       </p:grpSpPr>
       <p:sp>
         <p:nvSpPr>
-          <p:cNvPr id="294" name="PlaceHolder 1"/>
+          <p:cNvPr id="313" name="PlaceHolder 1"/>
           <p:cNvSpPr>
             <a:spLocks noGrp="1"/>
           </p:cNvSpPr>
@@ -1757,7 +1761,7 @@
         <p:spPr>
           <a:xfrm>
             <a:off x="685080" y="1143000"/>
-            <a:ext cx="5477040" cy="3075480"/>
+            <a:ext cx="5476680" cy="3075120"/>
           </a:xfrm>
           <a:prstGeom prst="rect">
             <a:avLst/>
@@ -1769,7 +1773,7 @@
       </p:sp>
       <p:sp>
         <p:nvSpPr>
-          <p:cNvPr id="295" name="PlaceHolder 2"/>
+          <p:cNvPr id="314" name="PlaceHolder 2"/>
           <p:cNvSpPr>
             <a:spLocks noGrp="1"/>
           </p:cNvSpPr>
@@ -1780,7 +1784,7 @@
         <p:spPr>
           <a:xfrm>
             <a:off x="685800" y="4400640"/>
-            <a:ext cx="5475600" cy="3589560"/>
+            <a:ext cx="5475240" cy="3589200"/>
           </a:xfrm>
           <a:prstGeom prst="rect">
             <a:avLst/>
@@ -1810,18 +1814,18 @@
       </p:sp>
       <p:sp>
         <p:nvSpPr>
-          <p:cNvPr id="296" name="PlaceHolder 3"/>
+          <p:cNvPr id="315" name="PlaceHolder 3"/>
           <p:cNvSpPr>
             <a:spLocks noGrp="1"/>
           </p:cNvSpPr>
           <p:nvPr>
-            <p:ph type="sldNum" idx="67"/>
+            <p:ph type="sldNum" idx="71"/>
           </p:nvPr>
         </p:nvSpPr>
         <p:spPr>
           <a:xfrm>
             <a:off x="3884760" y="8685360"/>
-            <a:ext cx="2961000" cy="447840"/>
+            <a:ext cx="2960640" cy="447480"/>
           </a:xfrm>
           <a:prstGeom prst="rect">
             <a:avLst/>
@@ -1864,7 +1868,7 @@
                 <a:tab algn="l" pos="0"/>
               </a:tabLst>
             </a:pPr>
-            <a:fld id="{36D45417-596B-4B93-BCC4-15FA413C72D8}" type="slidenum">
+            <a:fld id="{40B058AE-ECB1-4C0A-B6FC-1C437BB7EAE5}" type="slidenum">
               <a:rPr b="0" lang="en" sz="1200" strike="noStrike" u="none">
                 <a:solidFill>
                   <a:srgbClr val="000000"/>
@@ -1909,7 +1913,7 @@
       </p:grpSpPr>
       <p:sp>
         <p:nvSpPr>
-          <p:cNvPr id="297" name="PlaceHolder 1"/>
+          <p:cNvPr id="316" name="PlaceHolder 1"/>
           <p:cNvSpPr>
             <a:spLocks noGrp="1"/>
           </p:cNvSpPr>
@@ -1920,7 +1924,7 @@
         <p:spPr>
           <a:xfrm>
             <a:off x="685080" y="1143000"/>
-            <a:ext cx="5477040" cy="3075480"/>
+            <a:ext cx="5476680" cy="3075120"/>
           </a:xfrm>
           <a:prstGeom prst="rect">
             <a:avLst/>
@@ -1932,7 +1936,7 @@
       </p:sp>
       <p:sp>
         <p:nvSpPr>
-          <p:cNvPr id="298" name="PlaceHolder 2"/>
+          <p:cNvPr id="317" name="PlaceHolder 2"/>
           <p:cNvSpPr>
             <a:spLocks noGrp="1"/>
           </p:cNvSpPr>
@@ -1943,7 +1947,7 @@
         <p:spPr>
           <a:xfrm>
             <a:off x="685800" y="4400640"/>
-            <a:ext cx="5475600" cy="3589560"/>
+            <a:ext cx="5475240" cy="3589200"/>
           </a:xfrm>
           <a:prstGeom prst="rect">
             <a:avLst/>
@@ -1973,18 +1977,18 @@
       </p:sp>
       <p:sp>
         <p:nvSpPr>
-          <p:cNvPr id="299" name="PlaceHolder 3"/>
+          <p:cNvPr id="318" name="PlaceHolder 3"/>
           <p:cNvSpPr>
             <a:spLocks noGrp="1"/>
           </p:cNvSpPr>
           <p:nvPr>
-            <p:ph type="sldNum" idx="68"/>
+            <p:ph type="sldNum" idx="72"/>
           </p:nvPr>
         </p:nvSpPr>
         <p:spPr>
           <a:xfrm>
             <a:off x="3884760" y="8685360"/>
-            <a:ext cx="2961000" cy="447840"/>
+            <a:ext cx="2960640" cy="447480"/>
           </a:xfrm>
           <a:prstGeom prst="rect">
             <a:avLst/>
@@ -2027,7 +2031,7 @@
                 <a:tab algn="l" pos="0"/>
               </a:tabLst>
             </a:pPr>
-            <a:fld id="{A49BFBA6-8D44-4787-A3BA-1B1E7C36A36B}" type="slidenum">
+            <a:fld id="{A6BACA70-25E7-4A67-AA9B-8EFF3316D3F0}" type="slidenum">
               <a:rPr b="0" lang="en" sz="1200" strike="noStrike" u="none">
                 <a:solidFill>
                   <a:srgbClr val="000000"/>
@@ -2072,7 +2076,7 @@
       </p:grpSpPr>
       <p:sp>
         <p:nvSpPr>
-          <p:cNvPr id="249" name="PlaceHolder 1"/>
+          <p:cNvPr id="268" name="PlaceHolder 1"/>
           <p:cNvSpPr>
             <a:spLocks noGrp="1"/>
           </p:cNvSpPr>
@@ -2083,7 +2087,7 @@
         <p:spPr>
           <a:xfrm>
             <a:off x="685080" y="1143000"/>
-            <a:ext cx="5477040" cy="3075480"/>
+            <a:ext cx="5476680" cy="3075120"/>
           </a:xfrm>
           <a:prstGeom prst="rect">
             <a:avLst/>
@@ -2095,7 +2099,7 @@
       </p:sp>
       <p:sp>
         <p:nvSpPr>
-          <p:cNvPr id="250" name="PlaceHolder 2"/>
+          <p:cNvPr id="269" name="PlaceHolder 2"/>
           <p:cNvSpPr>
             <a:spLocks noGrp="1"/>
           </p:cNvSpPr>
@@ -2106,7 +2110,7 @@
         <p:spPr>
           <a:xfrm>
             <a:off x="685800" y="4400640"/>
-            <a:ext cx="5475600" cy="3589560"/>
+            <a:ext cx="5475240" cy="3589200"/>
           </a:xfrm>
           <a:prstGeom prst="rect">
             <a:avLst/>
@@ -2136,18 +2140,18 @@
       </p:sp>
       <p:sp>
         <p:nvSpPr>
-          <p:cNvPr id="251" name="PlaceHolder 3"/>
+          <p:cNvPr id="270" name="PlaceHolder 3"/>
           <p:cNvSpPr>
             <a:spLocks noGrp="1"/>
           </p:cNvSpPr>
           <p:nvPr>
-            <p:ph type="sldNum" idx="52"/>
+            <p:ph type="sldNum" idx="56"/>
           </p:nvPr>
         </p:nvSpPr>
         <p:spPr>
           <a:xfrm>
             <a:off x="3884760" y="8685360"/>
-            <a:ext cx="2961000" cy="447840"/>
+            <a:ext cx="2960640" cy="447480"/>
           </a:xfrm>
           <a:prstGeom prst="rect">
             <a:avLst/>
@@ -2190,7 +2194,7 @@
                 <a:tab algn="l" pos="0"/>
               </a:tabLst>
             </a:pPr>
-            <a:fld id="{8C2F7DF2-0521-4CA9-BB57-DEBAC30F8636}" type="slidenum">
+            <a:fld id="{AF570170-77EB-49CF-80C9-56CCC1C245F0}" type="slidenum">
               <a:rPr b="0" lang="en" sz="1200" strike="noStrike" u="none">
                 <a:solidFill>
                   <a:srgbClr val="000000"/>
@@ -2199,7 +2203,7 @@
                 <a:latin typeface="Times New Roman"/>
                 <a:ea typeface="Times New Roman"/>
               </a:rPr>
-              <a:t>18</a:t>
+              <a:t>&lt;number&gt;</a:t>
             </a:fld>
             <a:endParaRPr b="0" lang="en-US" sz="1200" strike="noStrike" u="none">
               <a:solidFill>
@@ -2235,7 +2239,7 @@
       </p:grpSpPr>
       <p:sp>
         <p:nvSpPr>
-          <p:cNvPr id="252" name="PlaceHolder 1"/>
+          <p:cNvPr id="271" name="PlaceHolder 1"/>
           <p:cNvSpPr>
             <a:spLocks noGrp="1"/>
           </p:cNvSpPr>
@@ -2246,7 +2250,7 @@
         <p:spPr>
           <a:xfrm>
             <a:off x="685080" y="1143000"/>
-            <a:ext cx="5477040" cy="3075480"/>
+            <a:ext cx="5476680" cy="3075120"/>
           </a:xfrm>
           <a:prstGeom prst="rect">
             <a:avLst/>
@@ -2258,7 +2262,7 @@
       </p:sp>
       <p:sp>
         <p:nvSpPr>
-          <p:cNvPr id="253" name="PlaceHolder 2"/>
+          <p:cNvPr id="272" name="PlaceHolder 2"/>
           <p:cNvSpPr>
             <a:spLocks noGrp="1"/>
           </p:cNvSpPr>
@@ -2269,7 +2273,7 @@
         <p:spPr>
           <a:xfrm>
             <a:off x="685800" y="4400640"/>
-            <a:ext cx="5475600" cy="3589560"/>
+            <a:ext cx="5475240" cy="3589200"/>
           </a:xfrm>
           <a:prstGeom prst="rect">
             <a:avLst/>
@@ -2299,18 +2303,18 @@
       </p:sp>
       <p:sp>
         <p:nvSpPr>
-          <p:cNvPr id="254" name="PlaceHolder 3"/>
+          <p:cNvPr id="273" name="PlaceHolder 3"/>
           <p:cNvSpPr>
             <a:spLocks noGrp="1"/>
           </p:cNvSpPr>
           <p:nvPr>
-            <p:ph type="sldNum" idx="53"/>
+            <p:ph type="sldNum" idx="57"/>
           </p:nvPr>
         </p:nvSpPr>
         <p:spPr>
           <a:xfrm>
             <a:off x="3884760" y="8685360"/>
-            <a:ext cx="2961000" cy="447840"/>
+            <a:ext cx="2960640" cy="447480"/>
           </a:xfrm>
           <a:prstGeom prst="rect">
             <a:avLst/>
@@ -2353,7 +2357,7 @@
                 <a:tab algn="l" pos="0"/>
               </a:tabLst>
             </a:pPr>
-            <a:fld id="{567D595B-5866-4CAD-9797-9C44144855C9}" type="slidenum">
+            <a:fld id="{8BF5845D-920D-457A-9AB9-863B995F34F7}" type="slidenum">
               <a:rPr b="0" lang="en" sz="1200" strike="noStrike" u="none">
                 <a:solidFill>
                   <a:srgbClr val="000000"/>
@@ -2362,7 +2366,7 @@
                 <a:latin typeface="Times New Roman"/>
                 <a:ea typeface="Times New Roman"/>
               </a:rPr>
-              <a:t>18</a:t>
+              <a:t>&lt;number&gt;</a:t>
             </a:fld>
             <a:endParaRPr b="0" lang="en-US" sz="1200" strike="noStrike" u="none">
               <a:solidFill>
@@ -2398,7 +2402,7 @@
       </p:grpSpPr>
       <p:sp>
         <p:nvSpPr>
-          <p:cNvPr id="255" name="PlaceHolder 1"/>
+          <p:cNvPr id="274" name="PlaceHolder 1"/>
           <p:cNvSpPr>
             <a:spLocks noGrp="1"/>
           </p:cNvSpPr>
@@ -2409,7 +2413,7 @@
         <p:spPr>
           <a:xfrm>
             <a:off x="685080" y="1143000"/>
-            <a:ext cx="5477040" cy="3075480"/>
+            <a:ext cx="5476680" cy="3075120"/>
           </a:xfrm>
           <a:prstGeom prst="rect">
             <a:avLst/>
@@ -2421,7 +2425,7 @@
       </p:sp>
       <p:sp>
         <p:nvSpPr>
-          <p:cNvPr id="256" name="PlaceHolder 2"/>
+          <p:cNvPr id="275" name="PlaceHolder 2"/>
           <p:cNvSpPr>
             <a:spLocks noGrp="1"/>
           </p:cNvSpPr>
@@ -2432,7 +2436,7 @@
         <p:spPr>
           <a:xfrm>
             <a:off x="685800" y="4400640"/>
-            <a:ext cx="5475600" cy="3589560"/>
+            <a:ext cx="5475240" cy="3589200"/>
           </a:xfrm>
           <a:prstGeom prst="rect">
             <a:avLst/>
@@ -2462,18 +2466,18 @@
       </p:sp>
       <p:sp>
         <p:nvSpPr>
-          <p:cNvPr id="257" name="PlaceHolder 3"/>
+          <p:cNvPr id="276" name="PlaceHolder 3"/>
           <p:cNvSpPr>
             <a:spLocks noGrp="1"/>
           </p:cNvSpPr>
           <p:nvPr>
-            <p:ph type="sldNum" idx="54"/>
+            <p:ph type="sldNum" idx="58"/>
           </p:nvPr>
         </p:nvSpPr>
         <p:spPr>
           <a:xfrm>
             <a:off x="3884760" y="8685360"/>
-            <a:ext cx="2961000" cy="447840"/>
+            <a:ext cx="2960640" cy="447480"/>
           </a:xfrm>
           <a:prstGeom prst="rect">
             <a:avLst/>
@@ -2516,7 +2520,7 @@
                 <a:tab algn="l" pos="0"/>
               </a:tabLst>
             </a:pPr>
-            <a:fld id="{DB9BEB81-6D77-48E5-BD6B-D4D7E83C9598}" type="slidenum">
+            <a:fld id="{8DE24488-4D26-42B5-99F7-075F77940012}" type="slidenum">
               <a:rPr b="0" lang="en" sz="1200" strike="noStrike" u="none">
                 <a:solidFill>
                   <a:srgbClr val="000000"/>
@@ -2525,7 +2529,7 @@
                 <a:latin typeface="Times New Roman"/>
                 <a:ea typeface="Times New Roman"/>
               </a:rPr>
-              <a:t>18</a:t>
+              <a:t>&lt;number&gt;</a:t>
             </a:fld>
             <a:endParaRPr b="0" lang="en-US" sz="1200" strike="noStrike" u="none">
               <a:solidFill>
@@ -2561,7 +2565,7 @@
       </p:grpSpPr>
       <p:sp>
         <p:nvSpPr>
-          <p:cNvPr id="258" name="PlaceHolder 1"/>
+          <p:cNvPr id="277" name="PlaceHolder 1"/>
           <p:cNvSpPr>
             <a:spLocks noGrp="1"/>
           </p:cNvSpPr>
@@ -2572,7 +2576,7 @@
         <p:spPr>
           <a:xfrm>
             <a:off x="685080" y="1143000"/>
-            <a:ext cx="5477040" cy="3075480"/>
+            <a:ext cx="5476680" cy="3075120"/>
           </a:xfrm>
           <a:prstGeom prst="rect">
             <a:avLst/>
@@ -2584,7 +2588,7 @@
       </p:sp>
       <p:sp>
         <p:nvSpPr>
-          <p:cNvPr id="259" name="PlaceHolder 2"/>
+          <p:cNvPr id="278" name="PlaceHolder 2"/>
           <p:cNvSpPr>
             <a:spLocks noGrp="1"/>
           </p:cNvSpPr>
@@ -2595,7 +2599,7 @@
         <p:spPr>
           <a:xfrm>
             <a:off x="685800" y="4400640"/>
-            <a:ext cx="5475600" cy="3589560"/>
+            <a:ext cx="5475240" cy="3589200"/>
           </a:xfrm>
           <a:prstGeom prst="rect">
             <a:avLst/>
@@ -2625,18 +2629,18 @@
       </p:sp>
       <p:sp>
         <p:nvSpPr>
-          <p:cNvPr id="260" name="PlaceHolder 3"/>
+          <p:cNvPr id="279" name="PlaceHolder 3"/>
           <p:cNvSpPr>
             <a:spLocks noGrp="1"/>
           </p:cNvSpPr>
           <p:nvPr>
-            <p:ph type="sldNum" idx="55"/>
+            <p:ph type="sldNum" idx="59"/>
           </p:nvPr>
         </p:nvSpPr>
         <p:spPr>
           <a:xfrm>
             <a:off x="3884760" y="8685360"/>
-            <a:ext cx="2961000" cy="447840"/>
+            <a:ext cx="2960640" cy="447480"/>
           </a:xfrm>
           <a:prstGeom prst="rect">
             <a:avLst/>
@@ -2679,7 +2683,7 @@
                 <a:tab algn="l" pos="0"/>
               </a:tabLst>
             </a:pPr>
-            <a:fld id="{120E064A-04DC-4BD9-92CF-1C6E4745F80F}" type="slidenum">
+            <a:fld id="{4BEDF973-3B24-4CCC-B822-0816BDD26AFC}" type="slidenum">
               <a:rPr b="0" lang="en" sz="1200" strike="noStrike" u="none">
                 <a:solidFill>
                   <a:srgbClr val="000000"/>
@@ -2688,7 +2692,7 @@
                 <a:latin typeface="Times New Roman"/>
                 <a:ea typeface="Times New Roman"/>
               </a:rPr>
-              <a:t>18</a:t>
+              <a:t>&lt;number&gt;</a:t>
             </a:fld>
             <a:endParaRPr b="0" lang="en-US" sz="1200" strike="noStrike" u="none">
               <a:solidFill>
@@ -2724,7 +2728,7 @@
       </p:grpSpPr>
       <p:sp>
         <p:nvSpPr>
-          <p:cNvPr id="261" name="PlaceHolder 1"/>
+          <p:cNvPr id="280" name="PlaceHolder 1"/>
           <p:cNvSpPr>
             <a:spLocks noGrp="1"/>
           </p:cNvSpPr>
@@ -2735,7 +2739,7 @@
         <p:spPr>
           <a:xfrm>
             <a:off x="685080" y="1143000"/>
-            <a:ext cx="5477040" cy="3075480"/>
+            <a:ext cx="5476680" cy="3075120"/>
           </a:xfrm>
           <a:prstGeom prst="rect">
             <a:avLst/>
@@ -2747,7 +2751,7 @@
       </p:sp>
       <p:sp>
         <p:nvSpPr>
-          <p:cNvPr id="262" name="PlaceHolder 2"/>
+          <p:cNvPr id="281" name="PlaceHolder 2"/>
           <p:cNvSpPr>
             <a:spLocks noGrp="1"/>
           </p:cNvSpPr>
@@ -2758,7 +2762,7 @@
         <p:spPr>
           <a:xfrm>
             <a:off x="685800" y="4400640"/>
-            <a:ext cx="5475600" cy="3589560"/>
+            <a:ext cx="5475240" cy="3589200"/>
           </a:xfrm>
           <a:prstGeom prst="rect">
             <a:avLst/>
@@ -2788,18 +2792,18 @@
       </p:sp>
       <p:sp>
         <p:nvSpPr>
-          <p:cNvPr id="263" name="PlaceHolder 3"/>
+          <p:cNvPr id="282" name="PlaceHolder 3"/>
           <p:cNvSpPr>
             <a:spLocks noGrp="1"/>
           </p:cNvSpPr>
           <p:nvPr>
-            <p:ph type="sldNum" idx="56"/>
+            <p:ph type="sldNum" idx="60"/>
           </p:nvPr>
         </p:nvSpPr>
         <p:spPr>
           <a:xfrm>
             <a:off x="3884760" y="8685360"/>
-            <a:ext cx="2961000" cy="447840"/>
+            <a:ext cx="2960640" cy="447480"/>
           </a:xfrm>
           <a:prstGeom prst="rect">
             <a:avLst/>
@@ -2842,7 +2846,7 @@
                 <a:tab algn="l" pos="0"/>
               </a:tabLst>
             </a:pPr>
-            <a:fld id="{6927421A-698A-4B33-BED9-24A48947AD4E}" type="slidenum">
+            <a:fld id="{199B39FF-7809-4D08-B1D7-98F3F8136417}" type="slidenum">
               <a:rPr b="0" lang="en" sz="1200" strike="noStrike" u="none">
                 <a:solidFill>
                   <a:srgbClr val="000000"/>
@@ -2851,7 +2855,7 @@
                 <a:latin typeface="Times New Roman"/>
                 <a:ea typeface="Times New Roman"/>
               </a:rPr>
-              <a:t>18</a:t>
+              <a:t>&lt;number&gt;</a:t>
             </a:fld>
             <a:endParaRPr b="0" lang="en-US" sz="1200" strike="noStrike" u="none">
               <a:solidFill>
@@ -2887,7 +2891,7 @@
       </p:grpSpPr>
       <p:sp>
         <p:nvSpPr>
-          <p:cNvPr id="264" name="PlaceHolder 1"/>
+          <p:cNvPr id="283" name="PlaceHolder 1"/>
           <p:cNvSpPr>
             <a:spLocks noGrp="1"/>
           </p:cNvSpPr>
@@ -2898,7 +2902,7 @@
         <p:spPr>
           <a:xfrm>
             <a:off x="685080" y="1143000"/>
-            <a:ext cx="5477040" cy="3075480"/>
+            <a:ext cx="5476680" cy="3075120"/>
           </a:xfrm>
           <a:prstGeom prst="rect">
             <a:avLst/>
@@ -2910,7 +2914,7 @@
       </p:sp>
       <p:sp>
         <p:nvSpPr>
-          <p:cNvPr id="265" name="PlaceHolder 2"/>
+          <p:cNvPr id="284" name="PlaceHolder 2"/>
           <p:cNvSpPr>
             <a:spLocks noGrp="1"/>
           </p:cNvSpPr>
@@ -2921,7 +2925,7 @@
         <p:spPr>
           <a:xfrm>
             <a:off x="685800" y="4400640"/>
-            <a:ext cx="5475600" cy="3589560"/>
+            <a:ext cx="5475240" cy="3589200"/>
           </a:xfrm>
           <a:prstGeom prst="rect">
             <a:avLst/>
@@ -2951,18 +2955,18 @@
       </p:sp>
       <p:sp>
         <p:nvSpPr>
-          <p:cNvPr id="266" name="PlaceHolder 3"/>
+          <p:cNvPr id="285" name="PlaceHolder 3"/>
           <p:cNvSpPr>
             <a:spLocks noGrp="1"/>
           </p:cNvSpPr>
           <p:nvPr>
-            <p:ph type="sldNum" idx="57"/>
+            <p:ph type="sldNum" idx="61"/>
           </p:nvPr>
         </p:nvSpPr>
         <p:spPr>
           <a:xfrm>
             <a:off x="3884760" y="8685360"/>
-            <a:ext cx="2961000" cy="447840"/>
+            <a:ext cx="2960640" cy="447480"/>
           </a:xfrm>
           <a:prstGeom prst="rect">
             <a:avLst/>
@@ -3005,7 +3009,7 @@
                 <a:tab algn="l" pos="0"/>
               </a:tabLst>
             </a:pPr>
-            <a:fld id="{8151FEFD-7E8E-4B1E-92FC-FB3633F52C0D}" type="slidenum">
+            <a:fld id="{ACA2E8A1-99D5-49EC-AB77-23C92D98CABD}" type="slidenum">
               <a:rPr b="0" lang="en" sz="1200" strike="noStrike" u="none">
                 <a:solidFill>
                   <a:srgbClr val="000000"/>
@@ -3050,7 +3054,7 @@
       </p:grpSpPr>
       <p:sp>
         <p:nvSpPr>
-          <p:cNvPr id="267" name="PlaceHolder 1"/>
+          <p:cNvPr id="286" name="PlaceHolder 1"/>
           <p:cNvSpPr>
             <a:spLocks noGrp="1"/>
           </p:cNvSpPr>
@@ -3061,7 +3065,7 @@
         <p:spPr>
           <a:xfrm>
             <a:off x="685080" y="1143000"/>
-            <a:ext cx="5477040" cy="3075480"/>
+            <a:ext cx="5476680" cy="3075120"/>
           </a:xfrm>
           <a:prstGeom prst="rect">
             <a:avLst/>
@@ -3073,7 +3077,7 @@
       </p:sp>
       <p:sp>
         <p:nvSpPr>
-          <p:cNvPr id="268" name="PlaceHolder 2"/>
+          <p:cNvPr id="287" name="PlaceHolder 2"/>
           <p:cNvSpPr>
             <a:spLocks noGrp="1"/>
           </p:cNvSpPr>
@@ -3084,7 +3088,7 @@
         <p:spPr>
           <a:xfrm>
             <a:off x="685800" y="4400640"/>
-            <a:ext cx="5475600" cy="3589560"/>
+            <a:ext cx="5475240" cy="3589200"/>
           </a:xfrm>
           <a:prstGeom prst="rect">
             <a:avLst/>
@@ -3114,18 +3118,18 @@
       </p:sp>
       <p:sp>
         <p:nvSpPr>
-          <p:cNvPr id="269" name="PlaceHolder 3"/>
+          <p:cNvPr id="288" name="PlaceHolder 3"/>
           <p:cNvSpPr>
             <a:spLocks noGrp="1"/>
           </p:cNvSpPr>
           <p:nvPr>
-            <p:ph type="sldNum" idx="58"/>
+            <p:ph type="sldNum" idx="62"/>
           </p:nvPr>
         </p:nvSpPr>
         <p:spPr>
           <a:xfrm>
             <a:off x="3884760" y="8685360"/>
-            <a:ext cx="2961000" cy="447840"/>
+            <a:ext cx="2960640" cy="447480"/>
           </a:xfrm>
           <a:prstGeom prst="rect">
             <a:avLst/>
@@ -3168,7 +3172,7 @@
                 <a:tab algn="l" pos="0"/>
               </a:tabLst>
             </a:pPr>
-            <a:fld id="{203D77A2-D12C-4FF8-965D-9C3F65A5DE6C}" type="slidenum">
+            <a:fld id="{DA555B3D-A36B-4197-B9EE-34B4CEB6F991}" type="slidenum">
               <a:rPr b="0" lang="en" sz="1200" strike="noStrike" u="none">
                 <a:solidFill>
                   <a:srgbClr val="000000"/>
@@ -3213,7 +3217,7 @@
       </p:grpSpPr>
       <p:sp>
         <p:nvSpPr>
-          <p:cNvPr id="270" name="PlaceHolder 1"/>
+          <p:cNvPr id="289" name="PlaceHolder 1"/>
           <p:cNvSpPr>
             <a:spLocks noGrp="1"/>
           </p:cNvSpPr>
@@ -3224,7 +3228,7 @@
         <p:spPr>
           <a:xfrm>
             <a:off x="685080" y="1143000"/>
-            <a:ext cx="5477040" cy="3075480"/>
+            <a:ext cx="5476680" cy="3075120"/>
           </a:xfrm>
           <a:prstGeom prst="rect">
             <a:avLst/>
@@ -3236,7 +3240,7 @@
       </p:sp>
       <p:sp>
         <p:nvSpPr>
-          <p:cNvPr id="271" name="PlaceHolder 2"/>
+          <p:cNvPr id="290" name="PlaceHolder 2"/>
           <p:cNvSpPr>
             <a:spLocks noGrp="1"/>
           </p:cNvSpPr>
@@ -3247,7 +3251,7 @@
         <p:spPr>
           <a:xfrm>
             <a:off x="685800" y="4400640"/>
-            <a:ext cx="5475600" cy="3589560"/>
+            <a:ext cx="5475240" cy="3589200"/>
           </a:xfrm>
           <a:prstGeom prst="rect">
             <a:avLst/>
@@ -3277,18 +3281,18 @@
       </p:sp>
       <p:sp>
         <p:nvSpPr>
-          <p:cNvPr id="272" name="PlaceHolder 3"/>
+          <p:cNvPr id="291" name="PlaceHolder 3"/>
           <p:cNvSpPr>
             <a:spLocks noGrp="1"/>
           </p:cNvSpPr>
           <p:nvPr>
-            <p:ph type="sldNum" idx="59"/>
+            <p:ph type="sldNum" idx="63"/>
           </p:nvPr>
         </p:nvSpPr>
         <p:spPr>
           <a:xfrm>
             <a:off x="3884760" y="8685360"/>
-            <a:ext cx="2961000" cy="447840"/>
+            <a:ext cx="2960640" cy="447480"/>
           </a:xfrm>
           <a:prstGeom prst="rect">
             <a:avLst/>
@@ -3331,7 +3335,7 @@
                 <a:tab algn="l" pos="0"/>
               </a:tabLst>
             </a:pPr>
-            <a:fld id="{A27C7A09-0303-4B01-B82A-19A728B59A20}" type="slidenum">
+            <a:fld id="{F0230C24-BC89-4FE2-A5B7-767CDC5DF37B}" type="slidenum">
               <a:rPr b="0" lang="en" sz="1200" strike="noStrike" u="none">
                 <a:solidFill>
                   <a:srgbClr val="000000"/>
@@ -3470,7 +3474,7 @@
         <p:txBody>
           <a:bodyPr/>
           <a:p>
-            <a:fld id="{208E9AFB-9309-4B8C-A6F4-14019726376D}" type="slidenum">
+            <a:fld id="{2F0E5674-5BD9-4E59-8A0F-B2EBA04BC97A}" type="slidenum">
               <a:t>&lt;#&gt;</a:t>
             </a:fld>
           </a:p>
@@ -3641,7 +3645,7 @@
         <p:txBody>
           <a:bodyPr/>
           <a:p>
-            <a:fld id="{638CA06E-8F8F-46FA-AC78-152515323CD7}" type="slidenum">
+            <a:fld id="{7C4F51C6-947E-4149-BFE2-6D19769055E7}" type="slidenum">
               <a:t>&lt;#&gt;</a:t>
             </a:fld>
           </a:p>
@@ -3724,7 +3728,7 @@
         <p:txBody>
           <a:bodyPr/>
           <a:p>
-            <a:fld id="{D9CF73CF-BF5D-4510-95F1-9463F156971B}" type="slidenum">
+            <a:fld id="{0DAF5401-78FD-4898-94D3-8747EF8DA6A0}" type="slidenum">
               <a:t>&lt;#&gt;</a:t>
             </a:fld>
           </a:p>
@@ -3848,7 +3852,7 @@
         <p:txBody>
           <a:bodyPr/>
           <a:p>
-            <a:fld id="{9E5D5F44-876C-4FE5-94DF-2739BD8A8D46}" type="slidenum">
+            <a:fld id="{B7C262A0-D2CE-4E69-9696-FAC4A96A44BC}" type="slidenum">
               <a:t>&lt;#&gt;</a:t>
             </a:fld>
           </a:p>
@@ -3975,7 +3979,7 @@
         <p:txBody>
           <a:bodyPr/>
           <a:p>
-            <a:fld id="{26B8FF69-508C-4C7C-83E1-1341C61D44CA}" type="slidenum">
+            <a:fld id="{4CB8FD80-9BDD-42D4-ADC3-B5667FEEEF69}" type="slidenum">
               <a:t>&lt;#&gt;</a:t>
             </a:fld>
           </a:p>
@@ -4146,7 +4150,7 @@
         <p:txBody>
           <a:bodyPr/>
           <a:p>
-            <a:fld id="{F34482B7-77C2-47C1-A2DF-13CCA037EB26}" type="slidenum">
+            <a:fld id="{08C1CA49-853F-47D5-8BB7-6EEFC892276B}" type="slidenum">
               <a:t>&lt;#&gt;</a:t>
             </a:fld>
           </a:p>
@@ -4229,7 +4233,7 @@
         <p:txBody>
           <a:bodyPr/>
           <a:p>
-            <a:fld id="{375942A6-CE83-4A8E-AE2C-E01F7CF3C7D3}" type="slidenum">
+            <a:fld id="{56D25343-DD9D-4AF2-8426-A53F746A77E2}" type="slidenum">
               <a:t>&lt;#&gt;</a:t>
             </a:fld>
           </a:p>
@@ -4353,7 +4357,7 @@
         <p:txBody>
           <a:bodyPr/>
           <a:p>
-            <a:fld id="{34538BDD-9D66-4DB0-9B1C-66A5EBE63B7C}" type="slidenum">
+            <a:fld id="{15923844-4E4D-43D0-89F9-5A1862D1B4C1}" type="slidenum">
               <a:t>&lt;#&gt;</a:t>
             </a:fld>
           </a:p>
@@ -4480,7 +4484,7 @@
         <p:txBody>
           <a:bodyPr/>
           <a:p>
-            <a:fld id="{DB779759-D79F-4048-B8CF-B6B609735DFF}" type="slidenum">
+            <a:fld id="{CC0E98A3-27FA-4F4B-A8A5-F777F11A489B}" type="slidenum">
               <a:t>&lt;#&gt;</a:t>
             </a:fld>
           </a:p>
@@ -4651,7 +4655,7 @@
         <p:txBody>
           <a:bodyPr/>
           <a:p>
-            <a:fld id="{24B490CA-A994-4073-A26E-8574545265DF}" type="slidenum">
+            <a:fld id="{3D9C0F8A-3094-412D-B378-AABDD2BE014D}" type="slidenum">
               <a:t>&lt;#&gt;</a:t>
             </a:fld>
           </a:p>
@@ -4734,7 +4738,7 @@
         <p:txBody>
           <a:bodyPr/>
           <a:p>
-            <a:fld id="{56E2C014-97E5-45BD-8CBE-9217A77FA386}" type="slidenum">
+            <a:fld id="{7DEE413D-815A-4B9E-BFC2-36B5226B96E6}" type="slidenum">
               <a:t>&lt;#&gt;</a:t>
             </a:fld>
           </a:p>
@@ -4776,7 +4780,7 @@
         <p:txBody>
           <a:bodyPr/>
           <a:p>
-            <a:fld id="{38E772BF-1EB3-4C73-B91D-FFD63B213E4C}" type="slidenum">
+            <a:fld id="{1F11E174-EC14-4345-B9F5-89326E0FA722}" type="slidenum">
               <a:t>&lt;#&gt;</a:t>
             </a:fld>
           </a:p>
@@ -4900,7 +4904,7 @@
         <p:txBody>
           <a:bodyPr/>
           <a:p>
-            <a:fld id="{D41117BE-7084-45C0-BCC6-09E233D5747D}" type="slidenum">
+            <a:fld id="{F6217727-28D0-448A-8E0A-E85E5179D47D}" type="slidenum">
               <a:t>&lt;#&gt;</a:t>
             </a:fld>
           </a:p>
@@ -4930,7 +4934,7 @@
       </p:grpSpPr>
       <p:sp>
         <p:nvSpPr>
-          <p:cNvPr id="92" name="PlaceHolder 1"/>
+          <p:cNvPr id="91" name="PlaceHolder 1"/>
           <p:cNvSpPr>
             <a:spLocks noGrp="1"/>
           </p:cNvSpPr>
@@ -4983,7 +4987,7 @@
         <p:txBody>
           <a:bodyPr/>
           <a:p>
-            <a:fld id="{2A3227B1-4C85-4756-B905-90DCFF812B91}" type="slidenum">
+            <a:fld id="{BBB4B961-D029-4F18-8ECD-47608F43F699}" type="slidenum">
               <a:t>&lt;#&gt;</a:t>
             </a:fld>
           </a:p>
@@ -4996,7 +5000,7 @@
 
 <file path=ppt/slideLayouts/slideLayout22.xml><?xml version="1.0" encoding="utf-8"?>
 <p:sldLayout xmlns:a="http://schemas.openxmlformats.org/drawingml/2006/main" xmlns:p="http://schemas.openxmlformats.org/presentationml/2006/main" xmlns:r="http://schemas.openxmlformats.org/officeDocument/2006/relationships" xmlns:p14="http://schemas.microsoft.com/office/powerpoint/2010/main" xmlns:p15="http://schemas.microsoft.com/office/powerpoint/2012/main" xmlns:mc="http://schemas.openxmlformats.org/markup-compatibility/2006" type="twoObj" preserve="1">
-  <p:cSld name="Default 17">
+  <p:cSld name="Default 18">
     <p:spTree>
       <p:nvGrpSpPr>
         <p:cNvPr id="1" name=""/>
@@ -5013,7 +5017,7 @@
       </p:grpSpPr>
       <p:sp>
         <p:nvSpPr>
-          <p:cNvPr id="93" name="PlaceHolder 1"/>
+          <p:cNvPr id="96" name="PlaceHolder 1"/>
           <p:cNvSpPr>
             <a:spLocks noGrp="1"/>
           </p:cNvSpPr>
@@ -5054,7 +5058,7 @@
       </p:sp>
       <p:sp>
         <p:nvSpPr>
-          <p:cNvPr id="94" name="PlaceHolder 2"/>
+          <p:cNvPr id="97" name="PlaceHolder 2"/>
           <p:cNvSpPr>
             <a:spLocks noGrp="1"/>
           </p:cNvSpPr>
@@ -5098,7 +5102,7 @@
       </p:sp>
       <p:sp>
         <p:nvSpPr>
-          <p:cNvPr id="95" name="PlaceHolder 3"/>
+          <p:cNvPr id="98" name="PlaceHolder 3"/>
           <p:cNvSpPr>
             <a:spLocks noGrp="1"/>
           </p:cNvSpPr>
@@ -5147,14 +5151,14 @@
             <a:spLocks noGrp="1"/>
           </p:cNvSpPr>
           <p:nvPr>
-            <p:ph type="sldNum" idx="21"/>
+            <p:ph type="sldNum" idx="22"/>
           </p:nvPr>
         </p:nvSpPr>
         <p:spPr/>
         <p:txBody>
           <a:bodyPr/>
           <a:p>
-            <a:fld id="{3F22609B-F896-45B5-82A8-F825F8457656}" type="slidenum">
+            <a:fld id="{2E9099D5-2FF0-41DF-B5BA-26EAFF2C2307}" type="slidenum">
               <a:t>&lt;#&gt;</a:t>
             </a:fld>
           </a:p>
@@ -5167,7 +5171,7 @@
 
 <file path=ppt/slideLayouts/slideLayout23.xml><?xml version="1.0" encoding="utf-8"?>
 <p:sldLayout xmlns:a="http://schemas.openxmlformats.org/drawingml/2006/main" xmlns:p="http://schemas.openxmlformats.org/presentationml/2006/main" xmlns:r="http://schemas.openxmlformats.org/officeDocument/2006/relationships" xmlns:p14="http://schemas.microsoft.com/office/powerpoint/2010/main" xmlns:p15="http://schemas.microsoft.com/office/powerpoint/2012/main" xmlns:mc="http://schemas.openxmlformats.org/markup-compatibility/2006" type="tx" preserve="1">
-  <p:cSld name="Default 17">
+  <p:cSld name="Default 19">
     <p:spTree>
       <p:nvGrpSpPr>
         <p:cNvPr id="1" name=""/>
@@ -5184,7 +5188,7 @@
       </p:grpSpPr>
       <p:sp>
         <p:nvSpPr>
-          <p:cNvPr id="96" name="PlaceHolder 1"/>
+          <p:cNvPr id="102" name="PlaceHolder 1"/>
           <p:cNvSpPr>
             <a:spLocks noGrp="1"/>
           </p:cNvSpPr>
@@ -5225,7 +5229,7 @@
       </p:sp>
       <p:sp>
         <p:nvSpPr>
-          <p:cNvPr id="97" name="PlaceHolder 2"/>
+          <p:cNvPr id="103" name="PlaceHolder 2"/>
           <p:cNvSpPr>
             <a:spLocks noGrp="1"/>
           </p:cNvSpPr>
@@ -5274,14 +5278,14 @@
             <a:spLocks noGrp="1"/>
           </p:cNvSpPr>
           <p:nvPr>
-            <p:ph type="sldNum" idx="21"/>
+            <p:ph type="sldNum" idx="23"/>
           </p:nvPr>
         </p:nvSpPr>
         <p:spPr/>
         <p:txBody>
           <a:bodyPr/>
           <a:p>
-            <a:fld id="{44438123-D5DF-4945-8D96-331C6CF1BE38}" type="slidenum">
+            <a:fld id="{138EA73E-8DF1-4036-B2B9-DD276E2E58BE}" type="slidenum">
               <a:t>&lt;#&gt;</a:t>
             </a:fld>
           </a:p>
@@ -5294,7 +5298,7 @@
 
 <file path=ppt/slideLayouts/slideLayout24.xml><?xml version="1.0" encoding="utf-8"?>
 <p:sldLayout xmlns:a="http://schemas.openxmlformats.org/drawingml/2006/main" xmlns:p="http://schemas.openxmlformats.org/presentationml/2006/main" xmlns:r="http://schemas.openxmlformats.org/officeDocument/2006/relationships" xmlns:p14="http://schemas.microsoft.com/office/powerpoint/2010/main" xmlns:p15="http://schemas.microsoft.com/office/powerpoint/2012/main" xmlns:mc="http://schemas.openxmlformats.org/markup-compatibility/2006" type="title" preserve="1">
-  <p:cSld name="Default 17">
+  <p:cSld name="Default 20">
     <p:spTree>
       <p:nvGrpSpPr>
         <p:cNvPr id="1" name=""/>
@@ -5311,7 +5315,7 @@
       </p:grpSpPr>
       <p:sp>
         <p:nvSpPr>
-          <p:cNvPr id="98" name="PlaceHolder 1"/>
+          <p:cNvPr id="106" name="PlaceHolder 1"/>
           <p:cNvSpPr>
             <a:spLocks noGrp="1"/>
           </p:cNvSpPr>
@@ -5352,7 +5356,7 @@
       </p:sp>
       <p:sp>
         <p:nvSpPr>
-          <p:cNvPr id="99" name="PlaceHolder 2"/>
+          <p:cNvPr id="107" name="PlaceHolder 2"/>
           <p:cNvSpPr>
             <a:spLocks noGrp="1"/>
           </p:cNvSpPr>
@@ -5398,14 +5402,14 @@
             <a:spLocks noGrp="1"/>
           </p:cNvSpPr>
           <p:nvPr>
-            <p:ph type="sldNum" idx="21"/>
+            <p:ph type="sldNum" idx="24"/>
           </p:nvPr>
         </p:nvSpPr>
         <p:spPr/>
         <p:txBody>
           <a:bodyPr/>
           <a:p>
-            <a:fld id="{5A08DD46-94F8-4555-A1D2-5CEBBC88B68E}" type="slidenum">
+            <a:fld id="{C2E76F50-D88F-449C-A065-BAEE3EB34380}" type="slidenum">
               <a:t>&lt;#&gt;</a:t>
             </a:fld>
           </a:p>
@@ -5417,8 +5421,8 @@
 </file>
 
 <file path=ppt/slideLayouts/slideLayout25.xml><?xml version="1.0" encoding="utf-8"?>
-<p:sldLayout xmlns:a="http://schemas.openxmlformats.org/drawingml/2006/main" xmlns:p="http://schemas.openxmlformats.org/presentationml/2006/main" xmlns:r="http://schemas.openxmlformats.org/officeDocument/2006/relationships" xmlns:p14="http://schemas.microsoft.com/office/powerpoint/2010/main" xmlns:p15="http://schemas.microsoft.com/office/powerpoint/2012/main" xmlns:mc="http://schemas.openxmlformats.org/markup-compatibility/2006" type="blank" preserve="1">
-  <p:cSld name="Default 17">
+<p:sldLayout xmlns:a="http://schemas.openxmlformats.org/drawingml/2006/main" xmlns:p="http://schemas.openxmlformats.org/presentationml/2006/main" xmlns:r="http://schemas.openxmlformats.org/officeDocument/2006/relationships" xmlns:p14="http://schemas.microsoft.com/office/powerpoint/2010/main" xmlns:p15="http://schemas.microsoft.com/office/powerpoint/2012/main" xmlns:mc="http://schemas.openxmlformats.org/markup-compatibility/2006" type="tx" preserve="1">
+  <p:cSld name="Default 21">
     <p:spTree>
       <p:nvGrpSpPr>
         <p:cNvPr id="1" name=""/>
@@ -5435,91 +5439,7 @@
       </p:grpSpPr>
       <p:sp>
         <p:nvSpPr>
-          <p:cNvPr id="2" name="PlaceHolder 1"/>
-          <p:cNvSpPr>
-            <a:spLocks noGrp="1"/>
-          </p:cNvSpPr>
-          <p:nvPr>
-            <p:ph type="sldNum" idx="21"/>
-          </p:nvPr>
-        </p:nvSpPr>
-        <p:spPr/>
-        <p:txBody>
-          <a:bodyPr/>
-          <a:p>
-            <a:fld id="{FC3D4371-B984-4EA6-A012-46D4E365B636}" type="slidenum">
-              <a:t>&lt;#&gt;</a:t>
-            </a:fld>
-          </a:p>
-        </p:txBody>
-      </p:sp>
-    </p:spTree>
-  </p:cSld>
-</p:sldLayout>
-</file>
-
-<file path=ppt/slideLayouts/slideLayout26.xml><?xml version="1.0" encoding="utf-8"?>
-<p:sldLayout xmlns:a="http://schemas.openxmlformats.org/drawingml/2006/main" xmlns:p="http://schemas.openxmlformats.org/presentationml/2006/main" xmlns:r="http://schemas.openxmlformats.org/officeDocument/2006/relationships" xmlns:p14="http://schemas.microsoft.com/office/powerpoint/2010/main" xmlns:p15="http://schemas.microsoft.com/office/powerpoint/2012/main" xmlns:mc="http://schemas.openxmlformats.org/markup-compatibility/2006" type="blank" preserve="1">
-  <p:cSld name="SECTION_HEADER">
-    <p:spTree>
-      <p:nvGrpSpPr>
-        <p:cNvPr id="1" name=""/>
-        <p:cNvGrpSpPr/>
-        <p:nvPr/>
-      </p:nvGrpSpPr>
-      <p:grpSpPr>
-        <a:xfrm>
-          <a:off x="0" y="0"/>
-          <a:ext cx="0" cy="0"/>
-          <a:chOff x="0" y="0"/>
-          <a:chExt cx="0" cy="0"/>
-        </a:xfrm>
-      </p:grpSpPr>
-      <p:sp>
-        <p:nvSpPr>
-          <p:cNvPr id="2" name="PlaceHolder 1"/>
-          <p:cNvSpPr>
-            <a:spLocks noGrp="1"/>
-          </p:cNvSpPr>
-          <p:nvPr>
-            <p:ph type="sldNum" idx="22"/>
-          </p:nvPr>
-        </p:nvSpPr>
-        <p:spPr/>
-        <p:txBody>
-          <a:bodyPr/>
-          <a:p>
-            <a:fld id="{67FD2C77-9690-464C-B212-32F0F46DF55F}" type="slidenum">
-              <a:t>&lt;#&gt;</a:t>
-            </a:fld>
-          </a:p>
-        </p:txBody>
-      </p:sp>
-    </p:spTree>
-  </p:cSld>
-</p:sldLayout>
-</file>
-
-<file path=ppt/slideLayouts/slideLayout27.xml><?xml version="1.0" encoding="utf-8"?>
-<p:sldLayout xmlns:a="http://schemas.openxmlformats.org/drawingml/2006/main" xmlns:p="http://schemas.openxmlformats.org/presentationml/2006/main" xmlns:r="http://schemas.openxmlformats.org/officeDocument/2006/relationships" xmlns:p14="http://schemas.microsoft.com/office/powerpoint/2010/main" xmlns:p15="http://schemas.microsoft.com/office/powerpoint/2012/main" xmlns:mc="http://schemas.openxmlformats.org/markup-compatibility/2006" type="tx" preserve="1">
-  <p:cSld name="TITLE_AND_BODY">
-    <p:spTree>
-      <p:nvGrpSpPr>
-        <p:cNvPr id="1" name=""/>
-        <p:cNvGrpSpPr/>
-        <p:nvPr/>
-      </p:nvGrpSpPr>
-      <p:grpSpPr>
-        <a:xfrm>
-          <a:off x="0" y="0"/>
-          <a:ext cx="0" cy="0"/>
-          <a:chOff x="0" y="0"/>
-          <a:chExt cx="0" cy="0"/>
-        </a:xfrm>
-      </p:grpSpPr>
-      <p:sp>
-        <p:nvSpPr>
-          <p:cNvPr id="104" name="PlaceHolder 1"/>
+          <p:cNvPr id="111" name="PlaceHolder 1"/>
           <p:cNvSpPr>
             <a:spLocks noGrp="1"/>
           </p:cNvSpPr>
@@ -5560,7 +5480,7 @@
       </p:sp>
       <p:sp>
         <p:nvSpPr>
-          <p:cNvPr id="105" name="PlaceHolder 2"/>
+          <p:cNvPr id="112" name="PlaceHolder 2"/>
           <p:cNvSpPr>
             <a:spLocks noGrp="1"/>
           </p:cNvSpPr>
@@ -5609,14 +5529,14 @@
             <a:spLocks noGrp="1"/>
           </p:cNvSpPr>
           <p:nvPr>
-            <p:ph type="sldNum" idx="23"/>
+            <p:ph type="sldNum" idx="25"/>
           </p:nvPr>
         </p:nvSpPr>
         <p:spPr/>
         <p:txBody>
           <a:bodyPr/>
           <a:p>
-            <a:fld id="{86397F4D-AE78-43C3-89F3-57CF1FF740EB}" type="slidenum">
+            <a:fld id="{6E6858C1-9D4C-467B-AA40-110EB3FAD3C2}" type="slidenum">
               <a:t>&lt;#&gt;</a:t>
             </a:fld>
           </a:p>
@@ -5627,9 +5547,9 @@
 </p:sldLayout>
 </file>
 
-<file path=ppt/slideLayouts/slideLayout28.xml><?xml version="1.0" encoding="utf-8"?>
+<file path=ppt/slideLayouts/slideLayout26.xml><?xml version="1.0" encoding="utf-8"?>
 <p:sldLayout xmlns:a="http://schemas.openxmlformats.org/drawingml/2006/main" xmlns:p="http://schemas.openxmlformats.org/presentationml/2006/main" xmlns:r="http://schemas.openxmlformats.org/officeDocument/2006/relationships" xmlns:p14="http://schemas.microsoft.com/office/powerpoint/2010/main" xmlns:p15="http://schemas.microsoft.com/office/powerpoint/2012/main" xmlns:mc="http://schemas.openxmlformats.org/markup-compatibility/2006" type="twoObj" preserve="1">
-  <p:cSld name="TITLE_AND_TWO_COLUMNS">
+  <p:cSld name="Default 21">
     <p:spTree>
       <p:nvGrpSpPr>
         <p:cNvPr id="1" name=""/>
@@ -5646,7 +5566,7 @@
       </p:grpSpPr>
       <p:sp>
         <p:nvSpPr>
-          <p:cNvPr id="110" name="PlaceHolder 1"/>
+          <p:cNvPr id="113" name="PlaceHolder 1"/>
           <p:cNvSpPr>
             <a:spLocks noGrp="1"/>
           </p:cNvSpPr>
@@ -5687,7 +5607,7 @@
       </p:sp>
       <p:sp>
         <p:nvSpPr>
-          <p:cNvPr id="111" name="PlaceHolder 2"/>
+          <p:cNvPr id="114" name="PlaceHolder 2"/>
           <p:cNvSpPr>
             <a:spLocks noGrp="1"/>
           </p:cNvSpPr>
@@ -5731,7 +5651,7 @@
       </p:sp>
       <p:sp>
         <p:nvSpPr>
-          <p:cNvPr id="112" name="PlaceHolder 3"/>
+          <p:cNvPr id="115" name="PlaceHolder 3"/>
           <p:cNvSpPr>
             <a:spLocks noGrp="1"/>
           </p:cNvSpPr>
@@ -5780,14 +5700,14 @@
             <a:spLocks noGrp="1"/>
           </p:cNvSpPr>
           <p:nvPr>
-            <p:ph type="sldNum" idx="24"/>
+            <p:ph type="sldNum" idx="25"/>
           </p:nvPr>
         </p:nvSpPr>
         <p:spPr/>
         <p:txBody>
           <a:bodyPr/>
           <a:p>
-            <a:fld id="{03A8BA4C-B721-4367-B887-1A4B5254D9D2}" type="slidenum">
+            <a:fld id="{468F44E1-BB8C-4D95-A5AE-705D71D2791F}" type="slidenum">
               <a:t>&lt;#&gt;</a:t>
             </a:fld>
           </a:p>
@@ -5798,9 +5718,9 @@
 </p:sldLayout>
 </file>
 
-<file path=ppt/slideLayouts/slideLayout29.xml><?xml version="1.0" encoding="utf-8"?>
+<file path=ppt/slideLayouts/slideLayout27.xml><?xml version="1.0" encoding="utf-8"?>
 <p:sldLayout xmlns:a="http://schemas.openxmlformats.org/drawingml/2006/main" xmlns:p="http://schemas.openxmlformats.org/presentationml/2006/main" xmlns:r="http://schemas.openxmlformats.org/officeDocument/2006/relationships" xmlns:p14="http://schemas.microsoft.com/office/powerpoint/2010/main" xmlns:p15="http://schemas.microsoft.com/office/powerpoint/2012/main" xmlns:mc="http://schemas.openxmlformats.org/markup-compatibility/2006" type="titleOnly" preserve="1">
-  <p:cSld name="TITLE_ONLY">
+  <p:cSld name="Default 21">
     <p:spTree>
       <p:nvGrpSpPr>
         <p:cNvPr id="1" name=""/>
@@ -5817,7 +5737,7 @@
       </p:grpSpPr>
       <p:sp>
         <p:nvSpPr>
-          <p:cNvPr id="115" name="PlaceHolder 1"/>
+          <p:cNvPr id="116" name="PlaceHolder 1"/>
           <p:cNvSpPr>
             <a:spLocks noGrp="1"/>
           </p:cNvSpPr>
@@ -5870,7 +5790,173 @@
         <p:txBody>
           <a:bodyPr/>
           <a:p>
-            <a:fld id="{DF0C3A02-1FAB-48B8-8364-57AE81B1AB9B}" type="slidenum">
+            <a:fld id="{BFF362D8-1339-44AC-81AF-3AE49F362AA0}" type="slidenum">
+              <a:t>&lt;#&gt;</a:t>
+            </a:fld>
+          </a:p>
+        </p:txBody>
+      </p:sp>
+    </p:spTree>
+  </p:cSld>
+</p:sldLayout>
+</file>
+
+<file path=ppt/slideLayouts/slideLayout28.xml><?xml version="1.0" encoding="utf-8"?>
+<p:sldLayout xmlns:a="http://schemas.openxmlformats.org/drawingml/2006/main" xmlns:p="http://schemas.openxmlformats.org/presentationml/2006/main" xmlns:r="http://schemas.openxmlformats.org/officeDocument/2006/relationships" xmlns:p14="http://schemas.microsoft.com/office/powerpoint/2010/main" xmlns:p15="http://schemas.microsoft.com/office/powerpoint/2012/main" xmlns:mc="http://schemas.openxmlformats.org/markup-compatibility/2006" type="title" preserve="1">
+  <p:cSld name="Default 21">
+    <p:spTree>
+      <p:nvGrpSpPr>
+        <p:cNvPr id="1" name=""/>
+        <p:cNvGrpSpPr/>
+        <p:nvPr/>
+      </p:nvGrpSpPr>
+      <p:grpSpPr>
+        <a:xfrm>
+          <a:off x="0" y="0"/>
+          <a:ext cx="0" cy="0"/>
+          <a:chOff x="0" y="0"/>
+          <a:chExt cx="0" cy="0"/>
+        </a:xfrm>
+      </p:grpSpPr>
+      <p:sp>
+        <p:nvSpPr>
+          <p:cNvPr id="117" name="PlaceHolder 1"/>
+          <p:cNvSpPr>
+            <a:spLocks noGrp="1"/>
+          </p:cNvSpPr>
+          <p:nvPr>
+            <p:ph type="title"/>
+          </p:nvPr>
+        </p:nvSpPr>
+        <p:spPr>
+          <a:xfrm>
+            <a:off x="457200" y="205200"/>
+            <a:ext cx="8229240" cy="858600"/>
+          </a:xfrm>
+          <a:prstGeom prst="rect">
+            <a:avLst/>
+          </a:prstGeom>
+          <a:noFill/>
+          <a:ln w="0">
+            <a:noFill/>
+          </a:ln>
+        </p:spPr>
+        <p:txBody>
+          <a:bodyPr lIns="0" rIns="0" tIns="0" bIns="0" anchor="ctr">
+            <a:noAutofit/>
+          </a:bodyPr>
+          <a:p>
+            <a:pPr indent="0" algn="ctr">
+              <a:buNone/>
+            </a:pPr>
+            <a:endParaRPr b="0" lang="en-US" sz="4400" strike="noStrike" u="none">
+              <a:solidFill>
+                <a:srgbClr val="000000"/>
+              </a:solidFill>
+              <a:uFillTx/>
+              <a:latin typeface="Arial"/>
+            </a:endParaRPr>
+          </a:p>
+        </p:txBody>
+      </p:sp>
+      <p:sp>
+        <p:nvSpPr>
+          <p:cNvPr id="118" name="PlaceHolder 2"/>
+          <p:cNvSpPr>
+            <a:spLocks noGrp="1"/>
+          </p:cNvSpPr>
+          <p:nvPr>
+            <p:ph type="subTitle"/>
+          </p:nvPr>
+        </p:nvSpPr>
+        <p:spPr>
+          <a:xfrm>
+            <a:off x="457200" y="1203480"/>
+            <a:ext cx="8229240" cy="2982960"/>
+          </a:xfrm>
+          <a:prstGeom prst="rect">
+            <a:avLst/>
+          </a:prstGeom>
+          <a:noFill/>
+          <a:ln w="0">
+            <a:noFill/>
+          </a:ln>
+        </p:spPr>
+        <p:txBody>
+          <a:bodyPr lIns="0" rIns="0" tIns="0" bIns="0" anchor="ctr">
+            <a:noAutofit/>
+          </a:bodyPr>
+          <a:p>
+            <a:pPr indent="0" algn="ctr">
+              <a:buNone/>
+            </a:pPr>
+            <a:endParaRPr b="0" lang="en-US" sz="3200" strike="noStrike" u="none">
+              <a:solidFill>
+                <a:srgbClr val="000000"/>
+              </a:solidFill>
+              <a:uFillTx/>
+              <a:latin typeface="Arial"/>
+            </a:endParaRPr>
+          </a:p>
+        </p:txBody>
+      </p:sp>
+      <p:sp>
+        <p:nvSpPr>
+          <p:cNvPr id="4" name="PlaceHolder 3"/>
+          <p:cNvSpPr>
+            <a:spLocks noGrp="1"/>
+          </p:cNvSpPr>
+          <p:nvPr>
+            <p:ph type="sldNum" idx="25"/>
+          </p:nvPr>
+        </p:nvSpPr>
+        <p:spPr/>
+        <p:txBody>
+          <a:bodyPr/>
+          <a:p>
+            <a:fld id="{85810ED8-24A5-4B78-A618-359B25E99A30}" type="slidenum">
+              <a:t>&lt;#&gt;</a:t>
+            </a:fld>
+          </a:p>
+        </p:txBody>
+      </p:sp>
+    </p:spTree>
+  </p:cSld>
+</p:sldLayout>
+</file>
+
+<file path=ppt/slideLayouts/slideLayout29.xml><?xml version="1.0" encoding="utf-8"?>
+<p:sldLayout xmlns:a="http://schemas.openxmlformats.org/drawingml/2006/main" xmlns:p="http://schemas.openxmlformats.org/presentationml/2006/main" xmlns:r="http://schemas.openxmlformats.org/officeDocument/2006/relationships" xmlns:p14="http://schemas.microsoft.com/office/powerpoint/2010/main" xmlns:p15="http://schemas.microsoft.com/office/powerpoint/2012/main" xmlns:mc="http://schemas.openxmlformats.org/markup-compatibility/2006" type="blank" preserve="1">
+  <p:cSld name="Default 21">
+    <p:spTree>
+      <p:nvGrpSpPr>
+        <p:cNvPr id="1" name=""/>
+        <p:cNvGrpSpPr/>
+        <p:nvPr/>
+      </p:nvGrpSpPr>
+      <p:grpSpPr>
+        <a:xfrm>
+          <a:off x="0" y="0"/>
+          <a:ext cx="0" cy="0"/>
+          <a:chOff x="0" y="0"/>
+          <a:chExt cx="0" cy="0"/>
+        </a:xfrm>
+      </p:grpSpPr>
+      <p:sp>
+        <p:nvSpPr>
+          <p:cNvPr id="2" name="PlaceHolder 1"/>
+          <p:cNvSpPr>
+            <a:spLocks noGrp="1"/>
+          </p:cNvSpPr>
+          <p:nvPr>
+            <p:ph type="sldNum" idx="25"/>
+          </p:nvPr>
+        </p:nvSpPr>
+        <p:spPr/>
+        <p:txBody>
+          <a:bodyPr/>
+          <a:p>
+            <a:fld id="{E6AA54B6-0E18-452A-AC00-7A892BD59CFB}" type="slidenum">
               <a:t>&lt;#&gt;</a:t>
             </a:fld>
           </a:p>
@@ -5994,7 +6080,7 @@
         <p:txBody>
           <a:bodyPr/>
           <a:p>
-            <a:fld id="{5F65647D-A114-4828-8EBE-161EC512423B}" type="slidenum">
+            <a:fld id="{E186E16D-9167-4EFD-A6FB-B770B1F8F875}" type="slidenum">
               <a:t>&lt;#&gt;</a:t>
             </a:fld>
           </a:p>
@@ -6006,6 +6092,429 @@
 </file>
 
 <file path=ppt/slideLayouts/slideLayout30.xml><?xml version="1.0" encoding="utf-8"?>
+<p:sldLayout xmlns:a="http://schemas.openxmlformats.org/drawingml/2006/main" xmlns:p="http://schemas.openxmlformats.org/presentationml/2006/main" xmlns:r="http://schemas.openxmlformats.org/officeDocument/2006/relationships" xmlns:p14="http://schemas.microsoft.com/office/powerpoint/2010/main" xmlns:p15="http://schemas.microsoft.com/office/powerpoint/2012/main" xmlns:mc="http://schemas.openxmlformats.org/markup-compatibility/2006" type="blank" preserve="1">
+  <p:cSld name="SECTION_HEADER">
+    <p:spTree>
+      <p:nvGrpSpPr>
+        <p:cNvPr id="1" name=""/>
+        <p:cNvGrpSpPr/>
+        <p:nvPr/>
+      </p:nvGrpSpPr>
+      <p:grpSpPr>
+        <a:xfrm>
+          <a:off x="0" y="0"/>
+          <a:ext cx="0" cy="0"/>
+          <a:chOff x="0" y="0"/>
+          <a:chExt cx="0" cy="0"/>
+        </a:xfrm>
+      </p:grpSpPr>
+      <p:sp>
+        <p:nvSpPr>
+          <p:cNvPr id="2" name="PlaceHolder 1"/>
+          <p:cNvSpPr>
+            <a:spLocks noGrp="1"/>
+          </p:cNvSpPr>
+          <p:nvPr>
+            <p:ph type="sldNum" idx="26"/>
+          </p:nvPr>
+        </p:nvSpPr>
+        <p:spPr/>
+        <p:txBody>
+          <a:bodyPr/>
+          <a:p>
+            <a:fld id="{58637FDA-5EDE-4527-B780-64F9C3BEA13E}" type="slidenum">
+              <a:t>&lt;#&gt;</a:t>
+            </a:fld>
+          </a:p>
+        </p:txBody>
+      </p:sp>
+    </p:spTree>
+  </p:cSld>
+</p:sldLayout>
+</file>
+
+<file path=ppt/slideLayouts/slideLayout31.xml><?xml version="1.0" encoding="utf-8"?>
+<p:sldLayout xmlns:a="http://schemas.openxmlformats.org/drawingml/2006/main" xmlns:p="http://schemas.openxmlformats.org/presentationml/2006/main" xmlns:r="http://schemas.openxmlformats.org/officeDocument/2006/relationships" xmlns:p14="http://schemas.microsoft.com/office/powerpoint/2010/main" xmlns:p15="http://schemas.microsoft.com/office/powerpoint/2012/main" xmlns:mc="http://schemas.openxmlformats.org/markup-compatibility/2006" type="tx" preserve="1">
+  <p:cSld name="TITLE_AND_BODY">
+    <p:spTree>
+      <p:nvGrpSpPr>
+        <p:cNvPr id="1" name=""/>
+        <p:cNvGrpSpPr/>
+        <p:nvPr/>
+      </p:nvGrpSpPr>
+      <p:grpSpPr>
+        <a:xfrm>
+          <a:off x="0" y="0"/>
+          <a:ext cx="0" cy="0"/>
+          <a:chOff x="0" y="0"/>
+          <a:chExt cx="0" cy="0"/>
+        </a:xfrm>
+      </p:grpSpPr>
+      <p:sp>
+        <p:nvSpPr>
+          <p:cNvPr id="123" name="PlaceHolder 1"/>
+          <p:cNvSpPr>
+            <a:spLocks noGrp="1"/>
+          </p:cNvSpPr>
+          <p:nvPr>
+            <p:ph type="title"/>
+          </p:nvPr>
+        </p:nvSpPr>
+        <p:spPr>
+          <a:xfrm>
+            <a:off x="457200" y="205200"/>
+            <a:ext cx="8229240" cy="858600"/>
+          </a:xfrm>
+          <a:prstGeom prst="rect">
+            <a:avLst/>
+          </a:prstGeom>
+          <a:noFill/>
+          <a:ln w="0">
+            <a:noFill/>
+          </a:ln>
+        </p:spPr>
+        <p:txBody>
+          <a:bodyPr lIns="0" rIns="0" tIns="0" bIns="0" anchor="ctr">
+            <a:noAutofit/>
+          </a:bodyPr>
+          <a:p>
+            <a:pPr indent="0" algn="ctr">
+              <a:buNone/>
+            </a:pPr>
+            <a:endParaRPr b="0" lang="en-US" sz="4400" strike="noStrike" u="none">
+              <a:solidFill>
+                <a:srgbClr val="000000"/>
+              </a:solidFill>
+              <a:uFillTx/>
+              <a:latin typeface="Arial"/>
+            </a:endParaRPr>
+          </a:p>
+        </p:txBody>
+      </p:sp>
+      <p:sp>
+        <p:nvSpPr>
+          <p:cNvPr id="124" name="PlaceHolder 2"/>
+          <p:cNvSpPr>
+            <a:spLocks noGrp="1"/>
+          </p:cNvSpPr>
+          <p:nvPr>
+            <p:ph/>
+          </p:nvPr>
+        </p:nvSpPr>
+        <p:spPr>
+          <a:xfrm>
+            <a:off x="457200" y="1203480"/>
+            <a:ext cx="8229240" cy="2982960"/>
+          </a:xfrm>
+          <a:prstGeom prst="rect">
+            <a:avLst/>
+          </a:prstGeom>
+          <a:noFill/>
+          <a:ln w="0">
+            <a:noFill/>
+          </a:ln>
+        </p:spPr>
+        <p:txBody>
+          <a:bodyPr lIns="0" rIns="0" tIns="0" bIns="0" anchor="t">
+            <a:normAutofit/>
+          </a:bodyPr>
+          <a:p>
+            <a:pPr indent="0">
+              <a:spcBef>
+                <a:spcPts val="1417"/>
+              </a:spcBef>
+              <a:buNone/>
+            </a:pPr>
+            <a:endParaRPr b="0" lang="en-US" sz="3200" strike="noStrike" u="none">
+              <a:solidFill>
+                <a:srgbClr val="000000"/>
+              </a:solidFill>
+              <a:uFillTx/>
+              <a:latin typeface="Arial"/>
+            </a:endParaRPr>
+          </a:p>
+        </p:txBody>
+      </p:sp>
+      <p:sp>
+        <p:nvSpPr>
+          <p:cNvPr id="4" name="PlaceHolder 3"/>
+          <p:cNvSpPr>
+            <a:spLocks noGrp="1"/>
+          </p:cNvSpPr>
+          <p:nvPr>
+            <p:ph type="sldNum" idx="27"/>
+          </p:nvPr>
+        </p:nvSpPr>
+        <p:spPr/>
+        <p:txBody>
+          <a:bodyPr/>
+          <a:p>
+            <a:fld id="{1B2B68EF-39EA-4FF2-B8A0-FFFD1D631EE3}" type="slidenum">
+              <a:t>&lt;#&gt;</a:t>
+            </a:fld>
+          </a:p>
+        </p:txBody>
+      </p:sp>
+    </p:spTree>
+  </p:cSld>
+</p:sldLayout>
+</file>
+
+<file path=ppt/slideLayouts/slideLayout32.xml><?xml version="1.0" encoding="utf-8"?>
+<p:sldLayout xmlns:a="http://schemas.openxmlformats.org/drawingml/2006/main" xmlns:p="http://schemas.openxmlformats.org/presentationml/2006/main" xmlns:r="http://schemas.openxmlformats.org/officeDocument/2006/relationships" xmlns:p14="http://schemas.microsoft.com/office/powerpoint/2010/main" xmlns:p15="http://schemas.microsoft.com/office/powerpoint/2012/main" xmlns:mc="http://schemas.openxmlformats.org/markup-compatibility/2006" type="twoObj" preserve="1">
+  <p:cSld name="TITLE_AND_TWO_COLUMNS">
+    <p:spTree>
+      <p:nvGrpSpPr>
+        <p:cNvPr id="1" name=""/>
+        <p:cNvGrpSpPr/>
+        <p:nvPr/>
+      </p:nvGrpSpPr>
+      <p:grpSpPr>
+        <a:xfrm>
+          <a:off x="0" y="0"/>
+          <a:ext cx="0" cy="0"/>
+          <a:chOff x="0" y="0"/>
+          <a:chExt cx="0" cy="0"/>
+        </a:xfrm>
+      </p:grpSpPr>
+      <p:sp>
+        <p:nvSpPr>
+          <p:cNvPr id="129" name="PlaceHolder 1"/>
+          <p:cNvSpPr>
+            <a:spLocks noGrp="1"/>
+          </p:cNvSpPr>
+          <p:nvPr>
+            <p:ph type="title"/>
+          </p:nvPr>
+        </p:nvSpPr>
+        <p:spPr>
+          <a:xfrm>
+            <a:off x="457200" y="205200"/>
+            <a:ext cx="8229240" cy="858600"/>
+          </a:xfrm>
+          <a:prstGeom prst="rect">
+            <a:avLst/>
+          </a:prstGeom>
+          <a:noFill/>
+          <a:ln w="0">
+            <a:noFill/>
+          </a:ln>
+        </p:spPr>
+        <p:txBody>
+          <a:bodyPr lIns="0" rIns="0" tIns="0" bIns="0" anchor="ctr">
+            <a:noAutofit/>
+          </a:bodyPr>
+          <a:p>
+            <a:pPr indent="0" algn="ctr">
+              <a:buNone/>
+            </a:pPr>
+            <a:endParaRPr b="0" lang="en-US" sz="4400" strike="noStrike" u="none">
+              <a:solidFill>
+                <a:srgbClr val="000000"/>
+              </a:solidFill>
+              <a:uFillTx/>
+              <a:latin typeface="Arial"/>
+            </a:endParaRPr>
+          </a:p>
+        </p:txBody>
+      </p:sp>
+      <p:sp>
+        <p:nvSpPr>
+          <p:cNvPr id="130" name="PlaceHolder 2"/>
+          <p:cNvSpPr>
+            <a:spLocks noGrp="1"/>
+          </p:cNvSpPr>
+          <p:nvPr>
+            <p:ph/>
+          </p:nvPr>
+        </p:nvSpPr>
+        <p:spPr>
+          <a:xfrm>
+            <a:off x="457200" y="1203480"/>
+            <a:ext cx="4015800" cy="2982960"/>
+          </a:xfrm>
+          <a:prstGeom prst="rect">
+            <a:avLst/>
+          </a:prstGeom>
+          <a:noFill/>
+          <a:ln w="0">
+            <a:noFill/>
+          </a:ln>
+        </p:spPr>
+        <p:txBody>
+          <a:bodyPr lIns="0" rIns="0" tIns="0" bIns="0" anchor="t">
+            <a:normAutofit/>
+          </a:bodyPr>
+          <a:p>
+            <a:pPr indent="0">
+              <a:spcBef>
+                <a:spcPts val="1417"/>
+              </a:spcBef>
+              <a:buNone/>
+            </a:pPr>
+            <a:endParaRPr b="0" lang="en-US" sz="3200" strike="noStrike" u="none">
+              <a:solidFill>
+                <a:srgbClr val="000000"/>
+              </a:solidFill>
+              <a:uFillTx/>
+              <a:latin typeface="Arial"/>
+            </a:endParaRPr>
+          </a:p>
+        </p:txBody>
+      </p:sp>
+      <p:sp>
+        <p:nvSpPr>
+          <p:cNvPr id="131" name="PlaceHolder 3"/>
+          <p:cNvSpPr>
+            <a:spLocks noGrp="1"/>
+          </p:cNvSpPr>
+          <p:nvPr>
+            <p:ph/>
+          </p:nvPr>
+        </p:nvSpPr>
+        <p:spPr>
+          <a:xfrm>
+            <a:off x="4674240" y="1203480"/>
+            <a:ext cx="4015800" cy="2982960"/>
+          </a:xfrm>
+          <a:prstGeom prst="rect">
+            <a:avLst/>
+          </a:prstGeom>
+          <a:noFill/>
+          <a:ln w="0">
+            <a:noFill/>
+          </a:ln>
+        </p:spPr>
+        <p:txBody>
+          <a:bodyPr lIns="0" rIns="0" tIns="0" bIns="0" anchor="t">
+            <a:normAutofit/>
+          </a:bodyPr>
+          <a:p>
+            <a:pPr indent="0">
+              <a:spcBef>
+                <a:spcPts val="1417"/>
+              </a:spcBef>
+              <a:buNone/>
+            </a:pPr>
+            <a:endParaRPr b="0" lang="en-US" sz="3200" strike="noStrike" u="none">
+              <a:solidFill>
+                <a:srgbClr val="000000"/>
+              </a:solidFill>
+              <a:uFillTx/>
+              <a:latin typeface="Arial"/>
+            </a:endParaRPr>
+          </a:p>
+        </p:txBody>
+      </p:sp>
+      <p:sp>
+        <p:nvSpPr>
+          <p:cNvPr id="5" name="PlaceHolder 4"/>
+          <p:cNvSpPr>
+            <a:spLocks noGrp="1"/>
+          </p:cNvSpPr>
+          <p:nvPr>
+            <p:ph type="sldNum" idx="28"/>
+          </p:nvPr>
+        </p:nvSpPr>
+        <p:spPr/>
+        <p:txBody>
+          <a:bodyPr/>
+          <a:p>
+            <a:fld id="{6B35AA1E-C6BF-4EC6-AD3A-1E1AC0A8EC3C}" type="slidenum">
+              <a:t>&lt;#&gt;</a:t>
+            </a:fld>
+          </a:p>
+        </p:txBody>
+      </p:sp>
+    </p:spTree>
+  </p:cSld>
+</p:sldLayout>
+</file>
+
+<file path=ppt/slideLayouts/slideLayout33.xml><?xml version="1.0" encoding="utf-8"?>
+<p:sldLayout xmlns:a="http://schemas.openxmlformats.org/drawingml/2006/main" xmlns:p="http://schemas.openxmlformats.org/presentationml/2006/main" xmlns:r="http://schemas.openxmlformats.org/officeDocument/2006/relationships" xmlns:p14="http://schemas.microsoft.com/office/powerpoint/2010/main" xmlns:p15="http://schemas.microsoft.com/office/powerpoint/2012/main" xmlns:mc="http://schemas.openxmlformats.org/markup-compatibility/2006" type="titleOnly" preserve="1">
+  <p:cSld name="TITLE_ONLY">
+    <p:spTree>
+      <p:nvGrpSpPr>
+        <p:cNvPr id="1" name=""/>
+        <p:cNvGrpSpPr/>
+        <p:nvPr/>
+      </p:nvGrpSpPr>
+      <p:grpSpPr>
+        <a:xfrm>
+          <a:off x="0" y="0"/>
+          <a:ext cx="0" cy="0"/>
+          <a:chOff x="0" y="0"/>
+          <a:chExt cx="0" cy="0"/>
+        </a:xfrm>
+      </p:grpSpPr>
+      <p:sp>
+        <p:nvSpPr>
+          <p:cNvPr id="134" name="PlaceHolder 1"/>
+          <p:cNvSpPr>
+            <a:spLocks noGrp="1"/>
+          </p:cNvSpPr>
+          <p:nvPr>
+            <p:ph type="title"/>
+          </p:nvPr>
+        </p:nvSpPr>
+        <p:spPr>
+          <a:xfrm>
+            <a:off x="457200" y="205200"/>
+            <a:ext cx="8229240" cy="858600"/>
+          </a:xfrm>
+          <a:prstGeom prst="rect">
+            <a:avLst/>
+          </a:prstGeom>
+          <a:noFill/>
+          <a:ln w="0">
+            <a:noFill/>
+          </a:ln>
+        </p:spPr>
+        <p:txBody>
+          <a:bodyPr lIns="0" rIns="0" tIns="0" bIns="0" anchor="ctr">
+            <a:noAutofit/>
+          </a:bodyPr>
+          <a:p>
+            <a:pPr indent="0" algn="ctr">
+              <a:buNone/>
+            </a:pPr>
+            <a:endParaRPr b="0" lang="en-US" sz="4400" strike="noStrike" u="none">
+              <a:solidFill>
+                <a:srgbClr val="000000"/>
+              </a:solidFill>
+              <a:uFillTx/>
+              <a:latin typeface="Arial"/>
+            </a:endParaRPr>
+          </a:p>
+        </p:txBody>
+      </p:sp>
+      <p:sp>
+        <p:nvSpPr>
+          <p:cNvPr id="3" name="PlaceHolder 2"/>
+          <p:cNvSpPr>
+            <a:spLocks noGrp="1"/>
+          </p:cNvSpPr>
+          <p:nvPr>
+            <p:ph type="sldNum" idx="29"/>
+          </p:nvPr>
+        </p:nvSpPr>
+        <p:spPr/>
+        <p:txBody>
+          <a:bodyPr/>
+          <a:p>
+            <a:fld id="{6B9E2205-B7FF-458D-B98A-D1F3E5E3A9D7}" type="slidenum">
+              <a:t>&lt;#&gt;</a:t>
+            </a:fld>
+          </a:p>
+        </p:txBody>
+      </p:sp>
+    </p:spTree>
+  </p:cSld>
+</p:sldLayout>
+</file>
+
+<file path=ppt/slideLayouts/slideLayout34.xml><?xml version="1.0" encoding="utf-8"?>
 <p:sldLayout xmlns:a="http://schemas.openxmlformats.org/drawingml/2006/main" xmlns:p="http://schemas.openxmlformats.org/presentationml/2006/main" xmlns:r="http://schemas.openxmlformats.org/officeDocument/2006/relationships" xmlns:p14="http://schemas.microsoft.com/office/powerpoint/2010/main" xmlns:p15="http://schemas.microsoft.com/office/powerpoint/2012/main" xmlns:mc="http://schemas.openxmlformats.org/markup-compatibility/2006" type="blank" preserve="1">
   <p:cSld name="ONE_COLUMN_TEXT">
     <p:spTree>
@@ -6029,14 +6538,14 @@
             <a:spLocks noGrp="1"/>
           </p:cNvSpPr>
           <p:nvPr>
-            <p:ph type="sldNum" idx="26"/>
+            <p:ph type="sldNum" idx="30"/>
           </p:nvPr>
         </p:nvSpPr>
         <p:spPr/>
         <p:txBody>
           <a:bodyPr/>
           <a:p>
-            <a:fld id="{E686BC02-AECC-428F-95F8-3289288D1A78}" type="slidenum">
+            <a:fld id="{5FF943A7-0372-4348-BF89-0DEF28A05D8A}" type="slidenum">
               <a:t>&lt;#&gt;</a:t>
             </a:fld>
           </a:p>
@@ -6047,7 +6556,7 @@
 </p:sldLayout>
 </file>
 
-<file path=ppt/slideLayouts/slideLayout31.xml><?xml version="1.0" encoding="utf-8"?>
+<file path=ppt/slideLayouts/slideLayout35.xml><?xml version="1.0" encoding="utf-8"?>
 <p:sldLayout xmlns:a="http://schemas.openxmlformats.org/drawingml/2006/main" xmlns:p="http://schemas.openxmlformats.org/presentationml/2006/main" xmlns:r="http://schemas.openxmlformats.org/officeDocument/2006/relationships" xmlns:p14="http://schemas.microsoft.com/office/powerpoint/2010/main" xmlns:p15="http://schemas.microsoft.com/office/powerpoint/2012/main" xmlns:mc="http://schemas.openxmlformats.org/markup-compatibility/2006" type="blank" preserve="1">
   <p:cSld name="MAIN_POINT">
     <p:spTree>
@@ -6071,14 +6580,14 @@
             <a:spLocks noGrp="1"/>
           </p:cNvSpPr>
           <p:nvPr>
-            <p:ph type="sldNum" idx="27"/>
+            <p:ph type="sldNum" idx="31"/>
           </p:nvPr>
         </p:nvSpPr>
         <p:spPr/>
         <p:txBody>
           <a:bodyPr/>
           <a:p>
-            <a:fld id="{D4B90422-5B88-46E6-BB68-AA13309309C6}" type="slidenum">
+            <a:fld id="{69DBF4F2-2471-4E4F-ABCB-FB501657AF35}" type="slidenum">
               <a:t>&lt;#&gt;</a:t>
             </a:fld>
           </a:p>
@@ -6089,7 +6598,7 @@
 </p:sldLayout>
 </file>
 
-<file path=ppt/slideLayouts/slideLayout32.xml><?xml version="1.0" encoding="utf-8"?>
+<file path=ppt/slideLayouts/slideLayout36.xml><?xml version="1.0" encoding="utf-8"?>
 <p:sldLayout xmlns:a="http://schemas.openxmlformats.org/drawingml/2006/main" xmlns:p="http://schemas.openxmlformats.org/presentationml/2006/main" xmlns:r="http://schemas.openxmlformats.org/officeDocument/2006/relationships" xmlns:p14="http://schemas.microsoft.com/office/powerpoint/2010/main" xmlns:p15="http://schemas.microsoft.com/office/powerpoint/2012/main" xmlns:mc="http://schemas.openxmlformats.org/markup-compatibility/2006" type="blank" preserve="1">
   <p:cSld name="SECTION_TITLE_AND_DESCRIPTION">
     <p:spTree>
@@ -6113,14 +6622,14 @@
             <a:spLocks noGrp="1"/>
           </p:cNvSpPr>
           <p:nvPr>
-            <p:ph type="sldNum" idx="28"/>
+            <p:ph type="sldNum" idx="32"/>
           </p:nvPr>
         </p:nvSpPr>
         <p:spPr/>
         <p:txBody>
           <a:bodyPr/>
           <a:p>
-            <a:fld id="{C371C683-0212-4670-BDDA-595BE7A17EA8}" type="slidenum">
+            <a:fld id="{EF323527-6676-4436-8EB8-49D6DD670BCB}" type="slidenum">
               <a:t>&lt;#&gt;</a:t>
             </a:fld>
           </a:p>
@@ -6131,7 +6640,7 @@
 </p:sldLayout>
 </file>
 
-<file path=ppt/slideLayouts/slideLayout33.xml><?xml version="1.0" encoding="utf-8"?>
+<file path=ppt/slideLayouts/slideLayout37.xml><?xml version="1.0" encoding="utf-8"?>
 <p:sldLayout xmlns:a="http://schemas.openxmlformats.org/drawingml/2006/main" xmlns:p="http://schemas.openxmlformats.org/presentationml/2006/main" xmlns:r="http://schemas.openxmlformats.org/officeDocument/2006/relationships" xmlns:p14="http://schemas.microsoft.com/office/powerpoint/2010/main" xmlns:p15="http://schemas.microsoft.com/office/powerpoint/2012/main" xmlns:mc="http://schemas.openxmlformats.org/markup-compatibility/2006" type="blank" preserve="1">
   <p:cSld name="CAPTION_ONLY">
     <p:spTree>
@@ -6155,14 +6664,14 @@
             <a:spLocks noGrp="1"/>
           </p:cNvSpPr>
           <p:nvPr>
-            <p:ph type="sldNum" idx="29"/>
+            <p:ph type="sldNum" idx="33"/>
           </p:nvPr>
         </p:nvSpPr>
         <p:spPr/>
         <p:txBody>
           <a:bodyPr/>
           <a:p>
-            <a:fld id="{DDF05C2E-C33E-44E6-B82F-E277871156C9}" type="slidenum">
+            <a:fld id="{9F42AE01-FA3D-4738-B932-C892AFFB2378}" type="slidenum">
               <a:t>&lt;#&gt;</a:t>
             </a:fld>
           </a:p>
@@ -6286,7 +6795,7 @@
         <p:txBody>
           <a:bodyPr/>
           <a:p>
-            <a:fld id="{1D31E03C-ABEF-452F-AD89-502BE662658B}" type="slidenum">
+            <a:fld id="{CFC62F5A-5666-4C3F-9A88-928AB896A292}" type="slidenum">
               <a:t>&lt;#&gt;</a:t>
             </a:fld>
           </a:p>
@@ -6369,7 +6878,7 @@
         <p:txBody>
           <a:bodyPr/>
           <a:p>
-            <a:fld id="{B980A100-BF25-4763-8E58-3EDF8228AA84}" type="slidenum">
+            <a:fld id="{E79C54AB-DA7B-4B98-983A-991FF109F9A9}" type="slidenum">
               <a:t>&lt;#&gt;</a:t>
             </a:fld>
           </a:p>
@@ -6540,7 +7049,7 @@
         <p:txBody>
           <a:bodyPr/>
           <a:p>
-            <a:fld id="{EF5C428C-CB1C-4733-A6DE-505F05F37034}" type="slidenum">
+            <a:fld id="{86878CEF-11AB-4016-9663-E6BC5C8398A6}" type="slidenum">
               <a:t>&lt;#&gt;</a:t>
             </a:fld>
           </a:p>
@@ -6667,7 +7176,7 @@
         <p:txBody>
           <a:bodyPr/>
           <a:p>
-            <a:fld id="{CC08982D-BDD5-4B1F-A3A5-7D87B61A0305}" type="slidenum">
+            <a:fld id="{BF4C19E5-AC72-406F-821C-7348137A2F0F}" type="slidenum">
               <a:t>&lt;#&gt;</a:t>
             </a:fld>
           </a:p>
@@ -6791,7 +7300,7 @@
         <p:txBody>
           <a:bodyPr/>
           <a:p>
-            <a:fld id="{18277758-05EA-40E2-9118-787DCA3A8FE5}" type="slidenum">
+            <a:fld id="{C0A97289-4FA7-4BF9-B03C-A01D58A17400}" type="slidenum">
               <a:t>&lt;#&gt;</a:t>
             </a:fld>
           </a:p>
@@ -6918,7 +7427,7 @@
         <p:txBody>
           <a:bodyPr/>
           <a:p>
-            <a:fld id="{5190F26E-5C01-4C54-BD4E-F59895A01805}" type="slidenum">
+            <a:fld id="{4E79C034-A10A-4FBF-8184-53295922B771}" type="slidenum">
               <a:t>&lt;#&gt;</a:t>
             </a:fld>
           </a:p>
@@ -7017,7 +7526,7 @@
         <p:spPr>
           <a:xfrm>
             <a:off x="8472600" y="4663080"/>
-            <a:ext cx="544320" cy="389160"/>
+            <a:ext cx="543960" cy="388800"/>
           </a:xfrm>
           <a:prstGeom prst="rect">
             <a:avLst/>
@@ -7060,7 +7569,7 @@
                 <a:tab algn="l" pos="0"/>
               </a:tabLst>
             </a:pPr>
-            <a:fld id="{EBE56037-9DC0-44AF-A56D-48238FEBCB7E}" type="slidenum">
+            <a:fld id="{983F32EF-2BAB-46DC-8BA2-A7354DB054A7}" type="slidenum">
               <a:rPr b="0" lang="en" sz="1000" strike="noStrike" u="none">
                 <a:solidFill>
                   <a:schemeClr val="dk2"/>
@@ -7656,7 +8165,7 @@
         <p:spPr>
           <a:xfrm>
             <a:off x="8472600" y="4663080"/>
-            <a:ext cx="544320" cy="389160"/>
+            <a:ext cx="543960" cy="388800"/>
           </a:xfrm>
           <a:prstGeom prst="rect">
             <a:avLst/>
@@ -7699,7 +8208,7 @@
                 <a:tab algn="l" pos="0"/>
               </a:tabLst>
             </a:pPr>
-            <a:fld id="{B39D700F-B5AF-457C-8A58-D33514D32263}" type="slidenum">
+            <a:fld id="{74C448E3-3AE3-4F9A-8852-72206ABCEED3}" type="slidenum">
               <a:rPr b="0" lang="en" sz="1000" strike="noStrike" u="none">
                 <a:solidFill>
                   <a:schemeClr val="dk2"/>
@@ -7817,7 +8326,7 @@
         <p:spPr>
           <a:xfrm>
             <a:off x="8472600" y="4663080"/>
-            <a:ext cx="544320" cy="389160"/>
+            <a:ext cx="543960" cy="388800"/>
           </a:xfrm>
           <a:prstGeom prst="rect">
             <a:avLst/>
@@ -7860,7 +8369,7 @@
                 <a:tab algn="l" pos="0"/>
               </a:tabLst>
             </a:pPr>
-            <a:fld id="{6F2FE52B-63A4-4C4C-BE70-45B494CDCD7E}" type="slidenum">
+            <a:fld id="{F6A46183-6DB2-4450-9337-BE2D94F7BA98}" type="slidenum">
               <a:rPr b="0" lang="en" sz="1000" strike="noStrike" u="none">
                 <a:solidFill>
                   <a:schemeClr val="dk2"/>
@@ -7978,7 +8487,7 @@
         <p:spPr>
           <a:xfrm>
             <a:off x="8472600" y="4663080"/>
-            <a:ext cx="544320" cy="389160"/>
+            <a:ext cx="543960" cy="388800"/>
           </a:xfrm>
           <a:prstGeom prst="rect">
             <a:avLst/>
@@ -8021,7 +8530,7 @@
                 <a:tab algn="l" pos="0"/>
               </a:tabLst>
             </a:pPr>
-            <a:fld id="{DC4924F1-772E-4ED5-B2BC-1F1DE348BECC}" type="slidenum">
+            <a:fld id="{9143AA7D-750B-47CA-A241-959AE4DD3101}" type="slidenum">
               <a:rPr b="0" lang="en" sz="1000" strike="noStrike" u="none">
                 <a:solidFill>
                   <a:schemeClr val="dk2"/>
@@ -8378,7 +8887,7 @@
         <p:spPr>
           <a:xfrm>
             <a:off x="8472600" y="4663080"/>
-            <a:ext cx="544320" cy="389160"/>
+            <a:ext cx="543960" cy="388800"/>
           </a:xfrm>
           <a:prstGeom prst="rect">
             <a:avLst/>
@@ -8421,7 +8930,7 @@
                 <a:tab algn="l" pos="0"/>
               </a:tabLst>
             </a:pPr>
-            <a:fld id="{BD24F650-A369-44E8-8DDA-A829663C527B}" type="slidenum">
+            <a:fld id="{1906DF03-FE51-4EDA-81F6-395AF86D7229}" type="slidenum">
               <a:rPr b="0" lang="en" sz="1000" strike="noStrike" u="none">
                 <a:solidFill>
                   <a:schemeClr val="dk2"/>
@@ -9017,7 +9526,7 @@
         <p:spPr>
           <a:xfrm>
             <a:off x="8472600" y="4663080"/>
-            <a:ext cx="544320" cy="389160"/>
+            <a:ext cx="543960" cy="388800"/>
           </a:xfrm>
           <a:prstGeom prst="rect">
             <a:avLst/>
@@ -9060,7 +9569,7 @@
                 <a:tab algn="l" pos="0"/>
               </a:tabLst>
             </a:pPr>
-            <a:fld id="{930E0947-69F5-47C3-AA4A-AEDD9FDF6E57}" type="slidenum">
+            <a:fld id="{7D7E244B-7E9E-4071-A5A2-4804173D9391}" type="slidenum">
               <a:rPr b="0" lang="en" sz="1000" strike="noStrike" u="none">
                 <a:solidFill>
                   <a:schemeClr val="dk2"/>
@@ -9178,7 +9687,7 @@
         <p:spPr>
           <a:xfrm>
             <a:off x="8472600" y="4663080"/>
-            <a:ext cx="544320" cy="389160"/>
+            <a:ext cx="543960" cy="388800"/>
           </a:xfrm>
           <a:prstGeom prst="rect">
             <a:avLst/>
@@ -9221,7 +9730,7 @@
                 <a:tab algn="l" pos="0"/>
               </a:tabLst>
             </a:pPr>
-            <a:fld id="{C64EA8D4-E8F8-42BF-970A-9C6FD805FD87}" type="slidenum">
+            <a:fld id="{1E47AC62-0646-4756-AE69-FD47C89ADB27}" type="slidenum">
               <a:rPr b="0" lang="en" sz="1000" strike="noStrike" u="none">
                 <a:solidFill>
                   <a:schemeClr val="dk2"/>
@@ -9339,7 +9848,7 @@
         <p:spPr>
           <a:xfrm>
             <a:off x="8472600" y="4663080"/>
-            <a:ext cx="544320" cy="389160"/>
+            <a:ext cx="543960" cy="388800"/>
           </a:xfrm>
           <a:prstGeom prst="rect">
             <a:avLst/>
@@ -9382,7 +9891,7 @@
                 <a:tab algn="l" pos="0"/>
               </a:tabLst>
             </a:pPr>
-            <a:fld id="{10318FEA-4561-42D1-A51E-1D36DEFC4066}" type="slidenum">
+            <a:fld id="{263E00B7-D413-4B39-A296-095DCF536FEA}" type="slidenum">
               <a:rPr b="0" lang="en" sz="1000" strike="noStrike" u="none">
                 <a:solidFill>
                   <a:schemeClr val="dk2"/>
@@ -9739,7 +10248,7 @@
         <p:spPr>
           <a:xfrm>
             <a:off x="8472600" y="4663080"/>
-            <a:ext cx="544320" cy="389160"/>
+            <a:ext cx="543960" cy="388800"/>
           </a:xfrm>
           <a:prstGeom prst="rect">
             <a:avLst/>
@@ -9782,7 +10291,7 @@
                 <a:tab algn="l" pos="0"/>
               </a:tabLst>
             </a:pPr>
-            <a:fld id="{B41AC6E3-BAFB-489D-8978-9665B3EC1C8C}" type="slidenum">
+            <a:fld id="{2C3BE4BC-4457-4048-8F1C-A52A5FE131DF}" type="slidenum">
               <a:rPr b="0" lang="en" sz="1000" strike="noStrike" u="none">
                 <a:solidFill>
                   <a:schemeClr val="dk2"/>
@@ -10378,7 +10887,7 @@
         <p:spPr>
           <a:xfrm>
             <a:off x="8472600" y="4663080"/>
-            <a:ext cx="544320" cy="389160"/>
+            <a:ext cx="543960" cy="388800"/>
           </a:xfrm>
           <a:prstGeom prst="rect">
             <a:avLst/>
@@ -10421,7 +10930,7 @@
                 <a:tab algn="l" pos="0"/>
               </a:tabLst>
             </a:pPr>
-            <a:fld id="{231FFB51-38D9-4FA1-9844-6B4861E0EBCD}" type="slidenum">
+            <a:fld id="{1B44C2A1-9A6C-480D-AA43-323BBD335A00}" type="slidenum">
               <a:rPr b="0" lang="en" sz="1000" strike="noStrike" u="none">
                 <a:solidFill>
                   <a:schemeClr val="dk2"/>
@@ -10539,7 +11048,7 @@
         <p:spPr>
           <a:xfrm>
             <a:off x="8472600" y="4663080"/>
-            <a:ext cx="544320" cy="389160"/>
+            <a:ext cx="543960" cy="388800"/>
           </a:xfrm>
           <a:prstGeom prst="rect">
             <a:avLst/>
@@ -10582,7 +11091,7 @@
                 <a:tab algn="l" pos="0"/>
               </a:tabLst>
             </a:pPr>
-            <a:fld id="{0F36EC89-1436-49DE-92BE-BA622176A73A}" type="slidenum">
+            <a:fld id="{A8CC23BE-1E8F-481C-B664-8332B340D941}" type="slidenum">
               <a:rPr b="0" lang="en" sz="1000" strike="noStrike" u="none">
                 <a:solidFill>
                   <a:schemeClr val="dk2"/>
@@ -10649,7 +11158,7 @@
         <p:spPr>
           <a:xfrm>
             <a:off x="8472600" y="4663080"/>
-            <a:ext cx="544320" cy="389160"/>
+            <a:ext cx="543960" cy="388800"/>
           </a:xfrm>
           <a:prstGeom prst="rect">
             <a:avLst/>
@@ -10692,7 +11201,7 @@
                 <a:tab algn="l" pos="0"/>
               </a:tabLst>
             </a:pPr>
-            <a:fld id="{8B23BC5F-8A90-46C8-BAFE-488A5824B919}" type="slidenum">
+            <a:fld id="{381961F9-8540-44F5-ABAB-895409C353D0}" type="slidenum">
               <a:rPr b="0" lang="en" sz="1000" strike="noStrike" u="none">
                 <a:solidFill>
                   <a:schemeClr val="dk2"/>
@@ -10810,7 +11319,7 @@
         <p:spPr>
           <a:xfrm>
             <a:off x="8472600" y="4663080"/>
-            <a:ext cx="544320" cy="389160"/>
+            <a:ext cx="543960" cy="388800"/>
           </a:xfrm>
           <a:prstGeom prst="rect">
             <a:avLst/>
@@ -10853,7 +11362,7 @@
                 <a:tab algn="l" pos="0"/>
               </a:tabLst>
             </a:pPr>
-            <a:fld id="{FA067BA6-5462-4050-86AD-E66877E17A02}" type="slidenum">
+            <a:fld id="{F41A877E-4A06-46AA-B028-F6DF26C8DE9E}" type="slidenum">
               <a:rPr b="0" lang="en" sz="1000" strike="noStrike" u="none">
                 <a:solidFill>
                   <a:schemeClr val="dk2"/>
@@ -10914,13 +11423,64 @@
             <a:spLocks noGrp="1"/>
           </p:cNvSpPr>
           <p:nvPr>
+            <p:ph type="title"/>
+          </p:nvPr>
+        </p:nvSpPr>
+        <p:spPr>
+          <a:xfrm>
+            <a:off x="457200" y="205200"/>
+            <a:ext cx="8228880" cy="858240"/>
+          </a:xfrm>
+          <a:prstGeom prst="rect">
+            <a:avLst/>
+          </a:prstGeom>
+          <a:noFill/>
+          <a:ln w="0">
+            <a:noFill/>
+          </a:ln>
+        </p:spPr>
+        <p:txBody>
+          <a:bodyPr lIns="0" rIns="0" tIns="0" bIns="0" anchor="ctr">
+            <a:noAutofit/>
+          </a:bodyPr>
+          <a:p>
+            <a:pPr indent="0">
+              <a:buNone/>
+            </a:pPr>
+            <a:r>
+              <a:rPr b="0" lang="en-US" sz="1800" strike="noStrike" u="none">
+                <a:solidFill>
+                  <a:srgbClr val="000000"/>
+                </a:solidFill>
+                <a:uFillTx/>
+                <a:latin typeface="Arial"/>
+              </a:rPr>
+              <a:t>Click to edit the title text format</a:t>
+            </a:r>
+            <a:endParaRPr b="0" lang="en-US" sz="1800" strike="noStrike" u="none">
+              <a:solidFill>
+                <a:srgbClr val="000000"/>
+              </a:solidFill>
+              <a:uFillTx/>
+              <a:latin typeface="Arial"/>
+            </a:endParaRPr>
+          </a:p>
+        </p:txBody>
+      </p:sp>
+      <p:sp>
+        <p:nvSpPr>
+          <p:cNvPr id="90" name="PlaceHolder 2"/>
+          <p:cNvSpPr>
+            <a:spLocks noGrp="1"/>
+          </p:cNvSpPr>
+          <p:nvPr>
             <p:ph type="sldNum" idx="21"/>
           </p:nvPr>
         </p:nvSpPr>
         <p:spPr>
           <a:xfrm>
             <a:off x="8472600" y="4663080"/>
-            <a:ext cx="544320" cy="389160"/>
+            <a:ext cx="543960" cy="388800"/>
           </a:xfrm>
           <a:prstGeom prst="rect">
             <a:avLst/>
@@ -10963,7 +11523,7 @@
                 <a:tab algn="l" pos="0"/>
               </a:tabLst>
             </a:pPr>
-            <a:fld id="{7F66E9AF-BAB7-4723-BB97-9B5A8D280EC6}" type="slidenum">
+            <a:fld id="{6C88A9A8-F06A-4BBC-BA6D-7857A2AA1351}" type="slidenum">
               <a:rPr b="0" lang="en" sz="1000" strike="noStrike" u="none">
                 <a:solidFill>
                   <a:schemeClr val="dk2"/>
@@ -10980,296 +11540,6 @@
               </a:solidFill>
               <a:uFillTx/>
               <a:latin typeface="Times New Roman"/>
-            </a:endParaRPr>
-          </a:p>
-        </p:txBody>
-      </p:sp>
-      <p:sp>
-        <p:nvSpPr>
-          <p:cNvPr id="90" name="PlaceHolder 2"/>
-          <p:cNvSpPr>
-            <a:spLocks noGrp="1"/>
-          </p:cNvSpPr>
-          <p:nvPr>
-            <p:ph type="title"/>
-          </p:nvPr>
-        </p:nvSpPr>
-        <p:spPr>
-          <a:xfrm>
-            <a:off x="457200" y="205200"/>
-            <a:ext cx="8229240" cy="858600"/>
-          </a:xfrm>
-          <a:prstGeom prst="rect">
-            <a:avLst/>
-          </a:prstGeom>
-          <a:noFill/>
-          <a:ln w="0">
-            <a:noFill/>
-          </a:ln>
-        </p:spPr>
-        <p:txBody>
-          <a:bodyPr lIns="0" rIns="0" tIns="0" bIns="0" anchor="ctr">
-            <a:noAutofit/>
-          </a:bodyPr>
-          <a:p>
-            <a:pPr indent="0" algn="ctr">
-              <a:buNone/>
-            </a:pPr>
-            <a:r>
-              <a:rPr b="0" lang="en-US" sz="4400" strike="noStrike" u="none">
-                <a:solidFill>
-                  <a:srgbClr val="000000"/>
-                </a:solidFill>
-                <a:uFillTx/>
-                <a:latin typeface="Arial"/>
-              </a:rPr>
-              <a:t>Click to edit the title text format</a:t>
-            </a:r>
-            <a:endParaRPr b="0" lang="en-US" sz="4400" strike="noStrike" u="none">
-              <a:solidFill>
-                <a:srgbClr val="000000"/>
-              </a:solidFill>
-              <a:uFillTx/>
-              <a:latin typeface="Arial"/>
-            </a:endParaRPr>
-          </a:p>
-        </p:txBody>
-      </p:sp>
-      <p:sp>
-        <p:nvSpPr>
-          <p:cNvPr id="91" name="PlaceHolder 3"/>
-          <p:cNvSpPr>
-            <a:spLocks noGrp="1"/>
-          </p:cNvSpPr>
-          <p:nvPr>
-            <p:ph type="body"/>
-          </p:nvPr>
-        </p:nvSpPr>
-        <p:spPr>
-          <a:xfrm>
-            <a:off x="457200" y="1203480"/>
-            <a:ext cx="8229240" cy="2982960"/>
-          </a:xfrm>
-          <a:prstGeom prst="rect">
-            <a:avLst/>
-          </a:prstGeom>
-          <a:noFill/>
-          <a:ln w="0">
-            <a:noFill/>
-          </a:ln>
-        </p:spPr>
-        <p:txBody>
-          <a:bodyPr lIns="0" rIns="0" tIns="0" bIns="0" anchor="t">
-            <a:normAutofit/>
-          </a:bodyPr>
-          <a:p>
-            <a:pPr marL="432000" indent="-324000">
-              <a:spcBef>
-                <a:spcPts val="1417"/>
-              </a:spcBef>
-              <a:buClr>
-                <a:srgbClr val="000000"/>
-              </a:buClr>
-              <a:buSzPct val="45000"/>
-              <a:buFont typeface="Wingdings" charset="2"/>
-              <a:buChar char=""/>
-            </a:pPr>
-            <a:r>
-              <a:rPr b="0" lang="en-US" sz="3200" strike="noStrike" u="none">
-                <a:solidFill>
-                  <a:srgbClr val="000000"/>
-                </a:solidFill>
-                <a:uFillTx/>
-                <a:latin typeface="Arial"/>
-              </a:rPr>
-              <a:t>Click to edit the outline text format</a:t>
-            </a:r>
-            <a:endParaRPr b="0" lang="en-US" sz="3200" strike="noStrike" u="none">
-              <a:solidFill>
-                <a:srgbClr val="000000"/>
-              </a:solidFill>
-              <a:uFillTx/>
-              <a:latin typeface="Arial"/>
-            </a:endParaRPr>
-          </a:p>
-          <a:p>
-            <a:pPr lvl="1" marL="864000" indent="-324000">
-              <a:spcBef>
-                <a:spcPts val="1134"/>
-              </a:spcBef>
-              <a:buClr>
-                <a:srgbClr val="000000"/>
-              </a:buClr>
-              <a:buSzPct val="75000"/>
-              <a:buFont typeface="Symbol" charset="2"/>
-              <a:buChar char=""/>
-            </a:pPr>
-            <a:r>
-              <a:rPr b="0" lang="en-US" sz="2800" strike="noStrike" u="none">
-                <a:solidFill>
-                  <a:srgbClr val="000000"/>
-                </a:solidFill>
-                <a:uFillTx/>
-                <a:latin typeface="Arial"/>
-              </a:rPr>
-              <a:t>Second Outline Level</a:t>
-            </a:r>
-            <a:endParaRPr b="0" lang="en-US" sz="2800" strike="noStrike" u="none">
-              <a:solidFill>
-                <a:srgbClr val="000000"/>
-              </a:solidFill>
-              <a:uFillTx/>
-              <a:latin typeface="Arial"/>
-            </a:endParaRPr>
-          </a:p>
-          <a:p>
-            <a:pPr lvl="2" marL="1296000" indent="-288000">
-              <a:spcBef>
-                <a:spcPts val="850"/>
-              </a:spcBef>
-              <a:buClr>
-                <a:srgbClr val="000000"/>
-              </a:buClr>
-              <a:buSzPct val="45000"/>
-              <a:buFont typeface="Wingdings" charset="2"/>
-              <a:buChar char=""/>
-            </a:pPr>
-            <a:r>
-              <a:rPr b="0" lang="en-US" sz="2400" strike="noStrike" u="none">
-                <a:solidFill>
-                  <a:srgbClr val="000000"/>
-                </a:solidFill>
-                <a:uFillTx/>
-                <a:latin typeface="Arial"/>
-              </a:rPr>
-              <a:t>Third Outline Level</a:t>
-            </a:r>
-            <a:endParaRPr b="0" lang="en-US" sz="2400" strike="noStrike" u="none">
-              <a:solidFill>
-                <a:srgbClr val="000000"/>
-              </a:solidFill>
-              <a:uFillTx/>
-              <a:latin typeface="Arial"/>
-            </a:endParaRPr>
-          </a:p>
-          <a:p>
-            <a:pPr lvl="3" marL="1728000" indent="-216000">
-              <a:spcBef>
-                <a:spcPts val="567"/>
-              </a:spcBef>
-              <a:buClr>
-                <a:srgbClr val="000000"/>
-              </a:buClr>
-              <a:buSzPct val="75000"/>
-              <a:buFont typeface="Symbol" charset="2"/>
-              <a:buChar char=""/>
-            </a:pPr>
-            <a:r>
-              <a:rPr b="0" lang="en-US" sz="2000" strike="noStrike" u="none">
-                <a:solidFill>
-                  <a:srgbClr val="000000"/>
-                </a:solidFill>
-                <a:uFillTx/>
-                <a:latin typeface="Arial"/>
-              </a:rPr>
-              <a:t>Fourth Outline Level</a:t>
-            </a:r>
-            <a:endParaRPr b="0" lang="en-US" sz="2000" strike="noStrike" u="none">
-              <a:solidFill>
-                <a:srgbClr val="000000"/>
-              </a:solidFill>
-              <a:uFillTx/>
-              <a:latin typeface="Arial"/>
-            </a:endParaRPr>
-          </a:p>
-          <a:p>
-            <a:pPr lvl="4" marL="2160000" indent="-216000">
-              <a:spcBef>
-                <a:spcPts val="283"/>
-              </a:spcBef>
-              <a:buClr>
-                <a:srgbClr val="000000"/>
-              </a:buClr>
-              <a:buSzPct val="45000"/>
-              <a:buFont typeface="Wingdings" charset="2"/>
-              <a:buChar char=""/>
-            </a:pPr>
-            <a:r>
-              <a:rPr b="0" lang="en-US" sz="2000" strike="noStrike" u="none">
-                <a:solidFill>
-                  <a:srgbClr val="000000"/>
-                </a:solidFill>
-                <a:uFillTx/>
-                <a:latin typeface="Arial"/>
-              </a:rPr>
-              <a:t>Fifth Outline Level</a:t>
-            </a:r>
-            <a:endParaRPr b="0" lang="en-US" sz="2000" strike="noStrike" u="none">
-              <a:solidFill>
-                <a:srgbClr val="000000"/>
-              </a:solidFill>
-              <a:uFillTx/>
-              <a:latin typeface="Arial"/>
-            </a:endParaRPr>
-          </a:p>
-          <a:p>
-            <a:pPr lvl="5" marL="2592000" indent="-216000">
-              <a:spcBef>
-                <a:spcPts val="283"/>
-              </a:spcBef>
-              <a:buClr>
-                <a:srgbClr val="000000"/>
-              </a:buClr>
-              <a:buSzPct val="45000"/>
-              <a:buFont typeface="Wingdings" charset="2"/>
-              <a:buChar char=""/>
-            </a:pPr>
-            <a:r>
-              <a:rPr b="0" lang="en-US" sz="2000" strike="noStrike" u="none">
-                <a:solidFill>
-                  <a:srgbClr val="000000"/>
-                </a:solidFill>
-                <a:uFillTx/>
-                <a:latin typeface="Arial"/>
-              </a:rPr>
-              <a:t>Sixth Outline Level</a:t>
-            </a:r>
-            <a:endParaRPr b="0" lang="en-US" sz="2000" strike="noStrike" u="none">
-              <a:solidFill>
-                <a:srgbClr val="000000"/>
-              </a:solidFill>
-              <a:uFillTx/>
-              <a:latin typeface="Arial"/>
-            </a:endParaRPr>
-          </a:p>
-          <a:p>
-            <a:pPr lvl="6" marL="3024000" indent="-216000">
-              <a:spcBef>
-                <a:spcPts val="283"/>
-              </a:spcBef>
-              <a:buClr>
-                <a:srgbClr val="000000"/>
-              </a:buClr>
-              <a:buSzPct val="45000"/>
-              <a:buFont typeface="Wingdings" charset="2"/>
-              <a:buChar char=""/>
-            </a:pPr>
-            <a:r>
-              <a:rPr b="0" lang="en-US" sz="2000" strike="noStrike" u="none">
-                <a:solidFill>
-                  <a:srgbClr val="000000"/>
-                </a:solidFill>
-                <a:uFillTx/>
-                <a:latin typeface="Arial"/>
-              </a:rPr>
-              <a:t>Seventh Outline Level</a:t>
-            </a:r>
-            <a:endParaRPr b="0" lang="en-US" sz="2000" strike="noStrike" u="none">
-              <a:solidFill>
-                <a:srgbClr val="000000"/>
-              </a:solidFill>
-              <a:uFillTx/>
-              <a:latin typeface="Arial"/>
             </a:endParaRPr>
           </a:p>
         </p:txBody>
@@ -11279,10 +11549,6 @@
   <p:clrMap bg1="lt1" tx1="dk1" bg2="lt2" tx2="dk2" accent1="accent1" accent2="accent2" accent3="accent3" accent4="accent4" accent5="accent5" accent6="accent6" hlink="hlink" folHlink="folHlink"/>
   <p:sldLayoutIdLst>
     <p:sldLayoutId id="2147483689" r:id="rId2"/>
-    <p:sldLayoutId id="2147483690" r:id="rId3"/>
-    <p:sldLayoutId id="2147483691" r:id="rId4"/>
-    <p:sldLayoutId id="2147483692" r:id="rId5"/>
-    <p:sldLayoutId id="2147483693" r:id="rId6"/>
   </p:sldLayoutIdLst>
 </p:sldMaster>
 </file>
@@ -11313,7 +11579,536 @@
       </p:grpSpPr>
       <p:sp>
         <p:nvSpPr>
-          <p:cNvPr id="100" name="PlaceHolder 1"/>
+          <p:cNvPr id="92" name="PlaceHolder 1"/>
+          <p:cNvSpPr>
+            <a:spLocks noGrp="1"/>
+          </p:cNvSpPr>
+          <p:nvPr>
+            <p:ph type="title"/>
+          </p:nvPr>
+        </p:nvSpPr>
+        <p:spPr>
+          <a:xfrm>
+            <a:off x="457200" y="205200"/>
+            <a:ext cx="8228880" cy="858240"/>
+          </a:xfrm>
+          <a:prstGeom prst="rect">
+            <a:avLst/>
+          </a:prstGeom>
+          <a:noFill/>
+          <a:ln w="0">
+            <a:noFill/>
+          </a:ln>
+        </p:spPr>
+        <p:txBody>
+          <a:bodyPr lIns="0" rIns="0" tIns="0" bIns="0" anchor="ctr">
+            <a:noAutofit/>
+          </a:bodyPr>
+          <a:p>
+            <a:pPr indent="0">
+              <a:buNone/>
+            </a:pPr>
+            <a:r>
+              <a:rPr b="0" lang="en-US" sz="1800" strike="noStrike" u="none">
+                <a:solidFill>
+                  <a:srgbClr val="000000"/>
+                </a:solidFill>
+                <a:uFillTx/>
+                <a:latin typeface="Arial"/>
+              </a:rPr>
+              <a:t>Click to edit the title text format</a:t>
+            </a:r>
+            <a:endParaRPr b="0" lang="en-US" sz="1800" strike="noStrike" u="none">
+              <a:solidFill>
+                <a:srgbClr val="000000"/>
+              </a:solidFill>
+              <a:uFillTx/>
+              <a:latin typeface="Arial"/>
+            </a:endParaRPr>
+          </a:p>
+        </p:txBody>
+      </p:sp>
+      <p:sp>
+        <p:nvSpPr>
+          <p:cNvPr id="93" name="PlaceHolder 2"/>
+          <p:cNvSpPr>
+            <a:spLocks noGrp="1"/>
+          </p:cNvSpPr>
+          <p:nvPr>
+            <p:ph type="body"/>
+          </p:nvPr>
+        </p:nvSpPr>
+        <p:spPr>
+          <a:xfrm>
+            <a:off x="457200" y="1203480"/>
+            <a:ext cx="4015440" cy="2982600"/>
+          </a:xfrm>
+          <a:prstGeom prst="rect">
+            <a:avLst/>
+          </a:prstGeom>
+          <a:noFill/>
+          <a:ln w="0">
+            <a:noFill/>
+          </a:ln>
+        </p:spPr>
+        <p:txBody>
+          <a:bodyPr lIns="0" rIns="0" tIns="0" bIns="0" anchor="t">
+            <a:normAutofit lnSpcReduction="9999"/>
+          </a:bodyPr>
+          <a:p>
+            <a:pPr marL="432000" indent="-324000">
+              <a:spcBef>
+                <a:spcPts val="1417"/>
+              </a:spcBef>
+              <a:buClr>
+                <a:srgbClr val="000000"/>
+              </a:buClr>
+              <a:buSzPct val="45000"/>
+              <a:buFont typeface="Wingdings" charset="2"/>
+              <a:buChar char=""/>
+            </a:pPr>
+            <a:r>
+              <a:rPr b="0" lang="en-US" sz="1800" strike="noStrike" u="none">
+                <a:solidFill>
+                  <a:srgbClr val="000000"/>
+                </a:solidFill>
+                <a:uFillTx/>
+                <a:latin typeface="Arial"/>
+              </a:rPr>
+              <a:t>Click to edit the outline text format</a:t>
+            </a:r>
+            <a:endParaRPr b="0" lang="en-US" sz="1800" strike="noStrike" u="none">
+              <a:solidFill>
+                <a:srgbClr val="000000"/>
+              </a:solidFill>
+              <a:uFillTx/>
+              <a:latin typeface="Arial"/>
+            </a:endParaRPr>
+          </a:p>
+          <a:p>
+            <a:pPr lvl="1" marL="864000" indent="-324000">
+              <a:spcBef>
+                <a:spcPts val="1134"/>
+              </a:spcBef>
+              <a:buClr>
+                <a:srgbClr val="000000"/>
+              </a:buClr>
+              <a:buSzPct val="75000"/>
+              <a:buFont typeface="Symbol" charset="2"/>
+              <a:buChar char=""/>
+            </a:pPr>
+            <a:r>
+              <a:rPr b="0" lang="en-US" sz="1800" strike="noStrike" u="none">
+                <a:solidFill>
+                  <a:srgbClr val="000000"/>
+                </a:solidFill>
+                <a:uFillTx/>
+                <a:latin typeface="Arial"/>
+              </a:rPr>
+              <a:t>Second Outline Level</a:t>
+            </a:r>
+            <a:endParaRPr b="0" lang="en-US" sz="1800" strike="noStrike" u="none">
+              <a:solidFill>
+                <a:srgbClr val="000000"/>
+              </a:solidFill>
+              <a:uFillTx/>
+              <a:latin typeface="Arial"/>
+            </a:endParaRPr>
+          </a:p>
+          <a:p>
+            <a:pPr lvl="2" marL="1296000" indent="-288000">
+              <a:spcBef>
+                <a:spcPts val="850"/>
+              </a:spcBef>
+              <a:buClr>
+                <a:srgbClr val="000000"/>
+              </a:buClr>
+              <a:buSzPct val="45000"/>
+              <a:buFont typeface="Wingdings" charset="2"/>
+              <a:buChar char=""/>
+            </a:pPr>
+            <a:r>
+              <a:rPr b="0" lang="en-US" sz="1800" strike="noStrike" u="none">
+                <a:solidFill>
+                  <a:srgbClr val="000000"/>
+                </a:solidFill>
+                <a:uFillTx/>
+                <a:latin typeface="Arial"/>
+              </a:rPr>
+              <a:t>Third Outline Level</a:t>
+            </a:r>
+            <a:endParaRPr b="0" lang="en-US" sz="1800" strike="noStrike" u="none">
+              <a:solidFill>
+                <a:srgbClr val="000000"/>
+              </a:solidFill>
+              <a:uFillTx/>
+              <a:latin typeface="Arial"/>
+            </a:endParaRPr>
+          </a:p>
+          <a:p>
+            <a:pPr lvl="3" marL="1728000" indent="-216000">
+              <a:spcBef>
+                <a:spcPts val="567"/>
+              </a:spcBef>
+              <a:buClr>
+                <a:srgbClr val="000000"/>
+              </a:buClr>
+              <a:buSzPct val="75000"/>
+              <a:buFont typeface="Symbol" charset="2"/>
+              <a:buChar char=""/>
+            </a:pPr>
+            <a:r>
+              <a:rPr b="0" lang="en-US" sz="1800" strike="noStrike" u="none">
+                <a:solidFill>
+                  <a:srgbClr val="000000"/>
+                </a:solidFill>
+                <a:uFillTx/>
+                <a:latin typeface="Arial"/>
+              </a:rPr>
+              <a:t>Fourth Outline Level</a:t>
+            </a:r>
+            <a:endParaRPr b="0" lang="en-US" sz="1800" strike="noStrike" u="none">
+              <a:solidFill>
+                <a:srgbClr val="000000"/>
+              </a:solidFill>
+              <a:uFillTx/>
+              <a:latin typeface="Arial"/>
+            </a:endParaRPr>
+          </a:p>
+          <a:p>
+            <a:pPr lvl="4" marL="2160000" indent="-216000">
+              <a:spcBef>
+                <a:spcPts val="283"/>
+              </a:spcBef>
+              <a:buClr>
+                <a:srgbClr val="000000"/>
+              </a:buClr>
+              <a:buSzPct val="45000"/>
+              <a:buFont typeface="Wingdings" charset="2"/>
+              <a:buChar char=""/>
+            </a:pPr>
+            <a:r>
+              <a:rPr b="0" lang="en-US" sz="1800" strike="noStrike" u="none">
+                <a:solidFill>
+                  <a:srgbClr val="000000"/>
+                </a:solidFill>
+                <a:uFillTx/>
+                <a:latin typeface="Arial"/>
+              </a:rPr>
+              <a:t>Fifth Outline Level</a:t>
+            </a:r>
+            <a:endParaRPr b="0" lang="en-US" sz="1800" strike="noStrike" u="none">
+              <a:solidFill>
+                <a:srgbClr val="000000"/>
+              </a:solidFill>
+              <a:uFillTx/>
+              <a:latin typeface="Arial"/>
+            </a:endParaRPr>
+          </a:p>
+          <a:p>
+            <a:pPr lvl="5" marL="2592000" indent="-216000">
+              <a:spcBef>
+                <a:spcPts val="283"/>
+              </a:spcBef>
+              <a:buClr>
+                <a:srgbClr val="000000"/>
+              </a:buClr>
+              <a:buSzPct val="45000"/>
+              <a:buFont typeface="Wingdings" charset="2"/>
+              <a:buChar char=""/>
+            </a:pPr>
+            <a:r>
+              <a:rPr b="0" lang="en-US" sz="1800" strike="noStrike" u="none">
+                <a:solidFill>
+                  <a:srgbClr val="000000"/>
+                </a:solidFill>
+                <a:uFillTx/>
+                <a:latin typeface="Arial"/>
+              </a:rPr>
+              <a:t>Sixth Outline Level</a:t>
+            </a:r>
+            <a:endParaRPr b="0" lang="en-US" sz="1800" strike="noStrike" u="none">
+              <a:solidFill>
+                <a:srgbClr val="000000"/>
+              </a:solidFill>
+              <a:uFillTx/>
+              <a:latin typeface="Arial"/>
+            </a:endParaRPr>
+          </a:p>
+          <a:p>
+            <a:pPr lvl="6" marL="3024000" indent="-216000">
+              <a:spcBef>
+                <a:spcPts val="283"/>
+              </a:spcBef>
+              <a:buClr>
+                <a:srgbClr val="000000"/>
+              </a:buClr>
+              <a:buSzPct val="45000"/>
+              <a:buFont typeface="Wingdings" charset="2"/>
+              <a:buChar char=""/>
+            </a:pPr>
+            <a:r>
+              <a:rPr b="0" lang="en-US" sz="1800" strike="noStrike" u="none">
+                <a:solidFill>
+                  <a:srgbClr val="000000"/>
+                </a:solidFill>
+                <a:uFillTx/>
+                <a:latin typeface="Arial"/>
+              </a:rPr>
+              <a:t>Seventh Outline Level</a:t>
+            </a:r>
+            <a:endParaRPr b="0" lang="en-US" sz="1800" strike="noStrike" u="none">
+              <a:solidFill>
+                <a:srgbClr val="000000"/>
+              </a:solidFill>
+              <a:uFillTx/>
+              <a:latin typeface="Arial"/>
+            </a:endParaRPr>
+          </a:p>
+        </p:txBody>
+      </p:sp>
+      <p:sp>
+        <p:nvSpPr>
+          <p:cNvPr id="94" name="PlaceHolder 3"/>
+          <p:cNvSpPr>
+            <a:spLocks noGrp="1"/>
+          </p:cNvSpPr>
+          <p:nvPr>
+            <p:ph type="body"/>
+          </p:nvPr>
+        </p:nvSpPr>
+        <p:spPr>
+          <a:xfrm>
+            <a:off x="4674240" y="1203480"/>
+            <a:ext cx="4015440" cy="2982600"/>
+          </a:xfrm>
+          <a:prstGeom prst="rect">
+            <a:avLst/>
+          </a:prstGeom>
+          <a:noFill/>
+          <a:ln w="0">
+            <a:noFill/>
+          </a:ln>
+        </p:spPr>
+        <p:txBody>
+          <a:bodyPr lIns="0" rIns="0" tIns="0" bIns="0" anchor="t">
+            <a:normAutofit lnSpcReduction="9999"/>
+          </a:bodyPr>
+          <a:p>
+            <a:pPr marL="432000" indent="-324000">
+              <a:spcBef>
+                <a:spcPts val="1417"/>
+              </a:spcBef>
+              <a:buClr>
+                <a:srgbClr val="000000"/>
+              </a:buClr>
+              <a:buSzPct val="45000"/>
+              <a:buFont typeface="Wingdings" charset="2"/>
+              <a:buChar char=""/>
+            </a:pPr>
+            <a:r>
+              <a:rPr b="0" lang="en-US" sz="1800" strike="noStrike" u="none">
+                <a:solidFill>
+                  <a:srgbClr val="000000"/>
+                </a:solidFill>
+                <a:uFillTx/>
+                <a:latin typeface="Arial"/>
+              </a:rPr>
+              <a:t>Click to edit the outline text format</a:t>
+            </a:r>
+            <a:endParaRPr b="0" lang="en-US" sz="1800" strike="noStrike" u="none">
+              <a:solidFill>
+                <a:srgbClr val="000000"/>
+              </a:solidFill>
+              <a:uFillTx/>
+              <a:latin typeface="Arial"/>
+            </a:endParaRPr>
+          </a:p>
+          <a:p>
+            <a:pPr lvl="1" marL="864000" indent="-324000">
+              <a:spcBef>
+                <a:spcPts val="1134"/>
+              </a:spcBef>
+              <a:buClr>
+                <a:srgbClr val="000000"/>
+              </a:buClr>
+              <a:buSzPct val="75000"/>
+              <a:buFont typeface="Symbol" charset="2"/>
+              <a:buChar char=""/>
+            </a:pPr>
+            <a:r>
+              <a:rPr b="0" lang="en-US" sz="1800" strike="noStrike" u="none">
+                <a:solidFill>
+                  <a:srgbClr val="000000"/>
+                </a:solidFill>
+                <a:uFillTx/>
+                <a:latin typeface="Arial"/>
+              </a:rPr>
+              <a:t>Second Outline Level</a:t>
+            </a:r>
+            <a:endParaRPr b="0" lang="en-US" sz="1800" strike="noStrike" u="none">
+              <a:solidFill>
+                <a:srgbClr val="000000"/>
+              </a:solidFill>
+              <a:uFillTx/>
+              <a:latin typeface="Arial"/>
+            </a:endParaRPr>
+          </a:p>
+          <a:p>
+            <a:pPr lvl="2" marL="1296000" indent="-288000">
+              <a:spcBef>
+                <a:spcPts val="850"/>
+              </a:spcBef>
+              <a:buClr>
+                <a:srgbClr val="000000"/>
+              </a:buClr>
+              <a:buSzPct val="45000"/>
+              <a:buFont typeface="Wingdings" charset="2"/>
+              <a:buChar char=""/>
+            </a:pPr>
+            <a:r>
+              <a:rPr b="0" lang="en-US" sz="1800" strike="noStrike" u="none">
+                <a:solidFill>
+                  <a:srgbClr val="000000"/>
+                </a:solidFill>
+                <a:uFillTx/>
+                <a:latin typeface="Arial"/>
+              </a:rPr>
+              <a:t>Third Outline Level</a:t>
+            </a:r>
+            <a:endParaRPr b="0" lang="en-US" sz="1800" strike="noStrike" u="none">
+              <a:solidFill>
+                <a:srgbClr val="000000"/>
+              </a:solidFill>
+              <a:uFillTx/>
+              <a:latin typeface="Arial"/>
+            </a:endParaRPr>
+          </a:p>
+          <a:p>
+            <a:pPr lvl="3" marL="1728000" indent="-216000">
+              <a:spcBef>
+                <a:spcPts val="567"/>
+              </a:spcBef>
+              <a:buClr>
+                <a:srgbClr val="000000"/>
+              </a:buClr>
+              <a:buSzPct val="75000"/>
+              <a:buFont typeface="Symbol" charset="2"/>
+              <a:buChar char=""/>
+            </a:pPr>
+            <a:r>
+              <a:rPr b="0" lang="en-US" sz="1800" strike="noStrike" u="none">
+                <a:solidFill>
+                  <a:srgbClr val="000000"/>
+                </a:solidFill>
+                <a:uFillTx/>
+                <a:latin typeface="Arial"/>
+              </a:rPr>
+              <a:t>Fourth Outline Level</a:t>
+            </a:r>
+            <a:endParaRPr b="0" lang="en-US" sz="1800" strike="noStrike" u="none">
+              <a:solidFill>
+                <a:srgbClr val="000000"/>
+              </a:solidFill>
+              <a:uFillTx/>
+              <a:latin typeface="Arial"/>
+            </a:endParaRPr>
+          </a:p>
+          <a:p>
+            <a:pPr lvl="4" marL="2160000" indent="-216000">
+              <a:spcBef>
+                <a:spcPts val="283"/>
+              </a:spcBef>
+              <a:buClr>
+                <a:srgbClr val="000000"/>
+              </a:buClr>
+              <a:buSzPct val="45000"/>
+              <a:buFont typeface="Wingdings" charset="2"/>
+              <a:buChar char=""/>
+            </a:pPr>
+            <a:r>
+              <a:rPr b="0" lang="en-US" sz="1800" strike="noStrike" u="none">
+                <a:solidFill>
+                  <a:srgbClr val="000000"/>
+                </a:solidFill>
+                <a:uFillTx/>
+                <a:latin typeface="Arial"/>
+              </a:rPr>
+              <a:t>Fifth Outline Level</a:t>
+            </a:r>
+            <a:endParaRPr b="0" lang="en-US" sz="1800" strike="noStrike" u="none">
+              <a:solidFill>
+                <a:srgbClr val="000000"/>
+              </a:solidFill>
+              <a:uFillTx/>
+              <a:latin typeface="Arial"/>
+            </a:endParaRPr>
+          </a:p>
+          <a:p>
+            <a:pPr lvl="5" marL="2592000" indent="-216000">
+              <a:spcBef>
+                <a:spcPts val="283"/>
+              </a:spcBef>
+              <a:buClr>
+                <a:srgbClr val="000000"/>
+              </a:buClr>
+              <a:buSzPct val="45000"/>
+              <a:buFont typeface="Wingdings" charset="2"/>
+              <a:buChar char=""/>
+            </a:pPr>
+            <a:r>
+              <a:rPr b="0" lang="en-US" sz="1800" strike="noStrike" u="none">
+                <a:solidFill>
+                  <a:srgbClr val="000000"/>
+                </a:solidFill>
+                <a:uFillTx/>
+                <a:latin typeface="Arial"/>
+              </a:rPr>
+              <a:t>Sixth Outline Level</a:t>
+            </a:r>
+            <a:endParaRPr b="0" lang="en-US" sz="1800" strike="noStrike" u="none">
+              <a:solidFill>
+                <a:srgbClr val="000000"/>
+              </a:solidFill>
+              <a:uFillTx/>
+              <a:latin typeface="Arial"/>
+            </a:endParaRPr>
+          </a:p>
+          <a:p>
+            <a:pPr lvl="6" marL="3024000" indent="-216000">
+              <a:spcBef>
+                <a:spcPts val="283"/>
+              </a:spcBef>
+              <a:buClr>
+                <a:srgbClr val="000000"/>
+              </a:buClr>
+              <a:buSzPct val="45000"/>
+              <a:buFont typeface="Wingdings" charset="2"/>
+              <a:buChar char=""/>
+            </a:pPr>
+            <a:r>
+              <a:rPr b="0" lang="en-US" sz="1800" strike="noStrike" u="none">
+                <a:solidFill>
+                  <a:srgbClr val="000000"/>
+                </a:solidFill>
+                <a:uFillTx/>
+                <a:latin typeface="Arial"/>
+              </a:rPr>
+              <a:t>Seventh Outline Level</a:t>
+            </a:r>
+            <a:endParaRPr b="0" lang="en-US" sz="1800" strike="noStrike" u="none">
+              <a:solidFill>
+                <a:srgbClr val="000000"/>
+              </a:solidFill>
+              <a:uFillTx/>
+              <a:latin typeface="Arial"/>
+            </a:endParaRPr>
+          </a:p>
+        </p:txBody>
+      </p:sp>
+      <p:sp>
+        <p:nvSpPr>
+          <p:cNvPr id="95" name="PlaceHolder 4"/>
           <p:cNvSpPr>
             <a:spLocks noGrp="1"/>
           </p:cNvSpPr>
@@ -11324,7 +12119,7 @@
         <p:spPr>
           <a:xfrm>
             <a:off x="8472600" y="4663080"/>
-            <a:ext cx="544320" cy="389160"/>
+            <a:ext cx="543960" cy="388800"/>
           </a:xfrm>
           <a:prstGeom prst="rect">
             <a:avLst/>
@@ -11367,7 +12162,7 @@
                 <a:tab algn="l" pos="0"/>
               </a:tabLst>
             </a:pPr>
-            <a:fld id="{063A8579-47A1-451A-B015-FE7D06C72B62}" type="slidenum">
+            <a:fld id="{C1F241F7-0D63-4AAE-90C4-CB7EBAA9F8F9}" type="slidenum">
               <a:rPr b="0" lang="en" sz="1000" strike="noStrike" u="none">
                 <a:solidFill>
                   <a:schemeClr val="dk2"/>
@@ -11376,7 +12171,7 @@
                 <a:latin typeface="Arial"/>
                 <a:ea typeface="Arial"/>
               </a:rPr>
-              <a:t>1</a:t>
+              <a:t>&lt;number&gt;</a:t>
             </a:fld>
             <a:endParaRPr b="0" lang="en-US" sz="1000" strike="noStrike" u="none">
               <a:solidFill>
@@ -11392,7 +12187,7 @@
   </p:cSld>
   <p:clrMap bg1="lt1" tx1="dk1" bg2="lt2" tx2="dk2" accent1="accent1" accent2="accent2" accent3="accent3" accent4="accent4" accent5="accent5" accent6="accent6" hlink="hlink" folHlink="folHlink"/>
   <p:sldLayoutIdLst>
-    <p:sldLayoutId id="2147483695" r:id="rId2"/>
+    <p:sldLayoutId id="2147483691" r:id="rId2"/>
   </p:sldLayoutIdLst>
 </p:sldMaster>
 </file>
@@ -11423,7 +12218,7 @@
       </p:grpSpPr>
       <p:sp>
         <p:nvSpPr>
-          <p:cNvPr id="101" name="PlaceHolder 1"/>
+          <p:cNvPr id="99" name="PlaceHolder 1"/>
           <p:cNvSpPr>
             <a:spLocks noGrp="1"/>
           </p:cNvSpPr>
@@ -11474,7 +12269,7 @@
       </p:sp>
       <p:sp>
         <p:nvSpPr>
-          <p:cNvPr id="102" name="PlaceHolder 2"/>
+          <p:cNvPr id="100" name="PlaceHolder 2"/>
           <p:cNvSpPr>
             <a:spLocks noGrp="1"/>
           </p:cNvSpPr>
@@ -11713,7 +12508,7 @@
       </p:sp>
       <p:sp>
         <p:nvSpPr>
-          <p:cNvPr id="103" name="PlaceHolder 3"/>
+          <p:cNvPr id="101" name="PlaceHolder 3"/>
           <p:cNvSpPr>
             <a:spLocks noGrp="1"/>
           </p:cNvSpPr>
@@ -11724,7 +12519,7 @@
         <p:spPr>
           <a:xfrm>
             <a:off x="8472600" y="4663080"/>
-            <a:ext cx="544320" cy="389160"/>
+            <a:ext cx="543960" cy="388800"/>
           </a:xfrm>
           <a:prstGeom prst="rect">
             <a:avLst/>
@@ -11767,7 +12562,7 @@
                 <a:tab algn="l" pos="0"/>
               </a:tabLst>
             </a:pPr>
-            <a:fld id="{C2EE4451-53AC-4622-9F2B-2D26DCFC374A}" type="slidenum">
+            <a:fld id="{0D545A36-8E5B-4C83-A44F-6CC19A759C44}" type="slidenum">
               <a:rPr b="0" lang="en" sz="1000" strike="noStrike" u="none">
                 <a:solidFill>
                   <a:schemeClr val="dk2"/>
@@ -11792,7 +12587,7 @@
   </p:cSld>
   <p:clrMap bg1="lt1" tx1="dk1" bg2="lt2" tx2="dk2" accent1="accent1" accent2="accent2" accent3="accent3" accent4="accent4" accent5="accent5" accent6="accent6" hlink="hlink" folHlink="folHlink"/>
   <p:sldLayoutIdLst>
-    <p:sldLayoutId id="2147483697" r:id="rId2"/>
+    <p:sldLayoutId id="2147483693" r:id="rId2"/>
   </p:sldLayoutIdLst>
 </p:sldMaster>
 </file>
@@ -11823,7 +12618,7 @@
       </p:grpSpPr>
       <p:sp>
         <p:nvSpPr>
-          <p:cNvPr id="106" name="PlaceHolder 1"/>
+          <p:cNvPr id="104" name="PlaceHolder 1"/>
           <p:cNvSpPr>
             <a:spLocks noGrp="1"/>
           </p:cNvSpPr>
@@ -11874,485 +12669,7 @@
       </p:sp>
       <p:sp>
         <p:nvSpPr>
-          <p:cNvPr id="107" name="PlaceHolder 2"/>
-          <p:cNvSpPr>
-            <a:spLocks noGrp="1"/>
-          </p:cNvSpPr>
-          <p:nvPr>
-            <p:ph type="body"/>
-          </p:nvPr>
-        </p:nvSpPr>
-        <p:spPr>
-          <a:xfrm>
-            <a:off x="457200" y="1203480"/>
-            <a:ext cx="4015440" cy="2982600"/>
-          </a:xfrm>
-          <a:prstGeom prst="rect">
-            <a:avLst/>
-          </a:prstGeom>
-          <a:noFill/>
-          <a:ln w="0">
-            <a:noFill/>
-          </a:ln>
-        </p:spPr>
-        <p:txBody>
-          <a:bodyPr lIns="0" rIns="0" tIns="0" bIns="0" anchor="t">
-            <a:normAutofit lnSpcReduction="9999"/>
-          </a:bodyPr>
-          <a:p>
-            <a:pPr marL="432000" indent="-324000">
-              <a:spcBef>
-                <a:spcPts val="1417"/>
-              </a:spcBef>
-              <a:buClr>
-                <a:srgbClr val="000000"/>
-              </a:buClr>
-              <a:buSzPct val="45000"/>
-              <a:buFont typeface="Wingdings" charset="2"/>
-              <a:buChar char=""/>
-            </a:pPr>
-            <a:r>
-              <a:rPr b="0" lang="en-US" sz="1800" strike="noStrike" u="none">
-                <a:solidFill>
-                  <a:srgbClr val="000000"/>
-                </a:solidFill>
-                <a:uFillTx/>
-                <a:latin typeface="Arial"/>
-              </a:rPr>
-              <a:t>Click to edit the outline text format</a:t>
-            </a:r>
-            <a:endParaRPr b="0" lang="en-US" sz="1800" strike="noStrike" u="none">
-              <a:solidFill>
-                <a:srgbClr val="000000"/>
-              </a:solidFill>
-              <a:uFillTx/>
-              <a:latin typeface="Arial"/>
-            </a:endParaRPr>
-          </a:p>
-          <a:p>
-            <a:pPr lvl="1" marL="864000" indent="-324000">
-              <a:spcBef>
-                <a:spcPts val="1134"/>
-              </a:spcBef>
-              <a:buClr>
-                <a:srgbClr val="000000"/>
-              </a:buClr>
-              <a:buSzPct val="75000"/>
-              <a:buFont typeface="Symbol" charset="2"/>
-              <a:buChar char=""/>
-            </a:pPr>
-            <a:r>
-              <a:rPr b="0" lang="en-US" sz="1800" strike="noStrike" u="none">
-                <a:solidFill>
-                  <a:srgbClr val="000000"/>
-                </a:solidFill>
-                <a:uFillTx/>
-                <a:latin typeface="Arial"/>
-              </a:rPr>
-              <a:t>Second Outline Level</a:t>
-            </a:r>
-            <a:endParaRPr b="0" lang="en-US" sz="1800" strike="noStrike" u="none">
-              <a:solidFill>
-                <a:srgbClr val="000000"/>
-              </a:solidFill>
-              <a:uFillTx/>
-              <a:latin typeface="Arial"/>
-            </a:endParaRPr>
-          </a:p>
-          <a:p>
-            <a:pPr lvl="2" marL="1296000" indent="-288000">
-              <a:spcBef>
-                <a:spcPts val="850"/>
-              </a:spcBef>
-              <a:buClr>
-                <a:srgbClr val="000000"/>
-              </a:buClr>
-              <a:buSzPct val="45000"/>
-              <a:buFont typeface="Wingdings" charset="2"/>
-              <a:buChar char=""/>
-            </a:pPr>
-            <a:r>
-              <a:rPr b="0" lang="en-US" sz="1800" strike="noStrike" u="none">
-                <a:solidFill>
-                  <a:srgbClr val="000000"/>
-                </a:solidFill>
-                <a:uFillTx/>
-                <a:latin typeface="Arial"/>
-              </a:rPr>
-              <a:t>Third Outline Level</a:t>
-            </a:r>
-            <a:endParaRPr b="0" lang="en-US" sz="1800" strike="noStrike" u="none">
-              <a:solidFill>
-                <a:srgbClr val="000000"/>
-              </a:solidFill>
-              <a:uFillTx/>
-              <a:latin typeface="Arial"/>
-            </a:endParaRPr>
-          </a:p>
-          <a:p>
-            <a:pPr lvl="3" marL="1728000" indent="-216000">
-              <a:spcBef>
-                <a:spcPts val="567"/>
-              </a:spcBef>
-              <a:buClr>
-                <a:srgbClr val="000000"/>
-              </a:buClr>
-              <a:buSzPct val="75000"/>
-              <a:buFont typeface="Symbol" charset="2"/>
-              <a:buChar char=""/>
-            </a:pPr>
-            <a:r>
-              <a:rPr b="0" lang="en-US" sz="1800" strike="noStrike" u="none">
-                <a:solidFill>
-                  <a:srgbClr val="000000"/>
-                </a:solidFill>
-                <a:uFillTx/>
-                <a:latin typeface="Arial"/>
-              </a:rPr>
-              <a:t>Fourth Outline Level</a:t>
-            </a:r>
-            <a:endParaRPr b="0" lang="en-US" sz="1800" strike="noStrike" u="none">
-              <a:solidFill>
-                <a:srgbClr val="000000"/>
-              </a:solidFill>
-              <a:uFillTx/>
-              <a:latin typeface="Arial"/>
-            </a:endParaRPr>
-          </a:p>
-          <a:p>
-            <a:pPr lvl="4" marL="2160000" indent="-216000">
-              <a:spcBef>
-                <a:spcPts val="283"/>
-              </a:spcBef>
-              <a:buClr>
-                <a:srgbClr val="000000"/>
-              </a:buClr>
-              <a:buSzPct val="45000"/>
-              <a:buFont typeface="Wingdings" charset="2"/>
-              <a:buChar char=""/>
-            </a:pPr>
-            <a:r>
-              <a:rPr b="0" lang="en-US" sz="1800" strike="noStrike" u="none">
-                <a:solidFill>
-                  <a:srgbClr val="000000"/>
-                </a:solidFill>
-                <a:uFillTx/>
-                <a:latin typeface="Arial"/>
-              </a:rPr>
-              <a:t>Fifth Outline Level</a:t>
-            </a:r>
-            <a:endParaRPr b="0" lang="en-US" sz="1800" strike="noStrike" u="none">
-              <a:solidFill>
-                <a:srgbClr val="000000"/>
-              </a:solidFill>
-              <a:uFillTx/>
-              <a:latin typeface="Arial"/>
-            </a:endParaRPr>
-          </a:p>
-          <a:p>
-            <a:pPr lvl="5" marL="2592000" indent="-216000">
-              <a:spcBef>
-                <a:spcPts val="283"/>
-              </a:spcBef>
-              <a:buClr>
-                <a:srgbClr val="000000"/>
-              </a:buClr>
-              <a:buSzPct val="45000"/>
-              <a:buFont typeface="Wingdings" charset="2"/>
-              <a:buChar char=""/>
-            </a:pPr>
-            <a:r>
-              <a:rPr b="0" lang="en-US" sz="1800" strike="noStrike" u="none">
-                <a:solidFill>
-                  <a:srgbClr val="000000"/>
-                </a:solidFill>
-                <a:uFillTx/>
-                <a:latin typeface="Arial"/>
-              </a:rPr>
-              <a:t>Sixth Outline Level</a:t>
-            </a:r>
-            <a:endParaRPr b="0" lang="en-US" sz="1800" strike="noStrike" u="none">
-              <a:solidFill>
-                <a:srgbClr val="000000"/>
-              </a:solidFill>
-              <a:uFillTx/>
-              <a:latin typeface="Arial"/>
-            </a:endParaRPr>
-          </a:p>
-          <a:p>
-            <a:pPr lvl="6" marL="3024000" indent="-216000">
-              <a:spcBef>
-                <a:spcPts val="283"/>
-              </a:spcBef>
-              <a:buClr>
-                <a:srgbClr val="000000"/>
-              </a:buClr>
-              <a:buSzPct val="45000"/>
-              <a:buFont typeface="Wingdings" charset="2"/>
-              <a:buChar char=""/>
-            </a:pPr>
-            <a:r>
-              <a:rPr b="0" lang="en-US" sz="1800" strike="noStrike" u="none">
-                <a:solidFill>
-                  <a:srgbClr val="000000"/>
-                </a:solidFill>
-                <a:uFillTx/>
-                <a:latin typeface="Arial"/>
-              </a:rPr>
-              <a:t>Seventh Outline Level</a:t>
-            </a:r>
-            <a:endParaRPr b="0" lang="en-US" sz="1800" strike="noStrike" u="none">
-              <a:solidFill>
-                <a:srgbClr val="000000"/>
-              </a:solidFill>
-              <a:uFillTx/>
-              <a:latin typeface="Arial"/>
-            </a:endParaRPr>
-          </a:p>
-        </p:txBody>
-      </p:sp>
-      <p:sp>
-        <p:nvSpPr>
-          <p:cNvPr id="108" name="PlaceHolder 3"/>
-          <p:cNvSpPr>
-            <a:spLocks noGrp="1"/>
-          </p:cNvSpPr>
-          <p:nvPr>
-            <p:ph type="body"/>
-          </p:nvPr>
-        </p:nvSpPr>
-        <p:spPr>
-          <a:xfrm>
-            <a:off x="4674240" y="1203480"/>
-            <a:ext cx="4015440" cy="2982600"/>
-          </a:xfrm>
-          <a:prstGeom prst="rect">
-            <a:avLst/>
-          </a:prstGeom>
-          <a:noFill/>
-          <a:ln w="0">
-            <a:noFill/>
-          </a:ln>
-        </p:spPr>
-        <p:txBody>
-          <a:bodyPr lIns="0" rIns="0" tIns="0" bIns="0" anchor="t">
-            <a:normAutofit lnSpcReduction="9999"/>
-          </a:bodyPr>
-          <a:p>
-            <a:pPr marL="432000" indent="-324000">
-              <a:spcBef>
-                <a:spcPts val="1417"/>
-              </a:spcBef>
-              <a:buClr>
-                <a:srgbClr val="000000"/>
-              </a:buClr>
-              <a:buSzPct val="45000"/>
-              <a:buFont typeface="Wingdings" charset="2"/>
-              <a:buChar char=""/>
-            </a:pPr>
-            <a:r>
-              <a:rPr b="0" lang="en-US" sz="1800" strike="noStrike" u="none">
-                <a:solidFill>
-                  <a:srgbClr val="000000"/>
-                </a:solidFill>
-                <a:uFillTx/>
-                <a:latin typeface="Arial"/>
-              </a:rPr>
-              <a:t>Click to edit the outline text format</a:t>
-            </a:r>
-            <a:endParaRPr b="0" lang="en-US" sz="1800" strike="noStrike" u="none">
-              <a:solidFill>
-                <a:srgbClr val="000000"/>
-              </a:solidFill>
-              <a:uFillTx/>
-              <a:latin typeface="Arial"/>
-            </a:endParaRPr>
-          </a:p>
-          <a:p>
-            <a:pPr lvl="1" marL="864000" indent="-324000">
-              <a:spcBef>
-                <a:spcPts val="1134"/>
-              </a:spcBef>
-              <a:buClr>
-                <a:srgbClr val="000000"/>
-              </a:buClr>
-              <a:buSzPct val="75000"/>
-              <a:buFont typeface="Symbol" charset="2"/>
-              <a:buChar char=""/>
-            </a:pPr>
-            <a:r>
-              <a:rPr b="0" lang="en-US" sz="1800" strike="noStrike" u="none">
-                <a:solidFill>
-                  <a:srgbClr val="000000"/>
-                </a:solidFill>
-                <a:uFillTx/>
-                <a:latin typeface="Arial"/>
-              </a:rPr>
-              <a:t>Second Outline Level</a:t>
-            </a:r>
-            <a:endParaRPr b="0" lang="en-US" sz="1800" strike="noStrike" u="none">
-              <a:solidFill>
-                <a:srgbClr val="000000"/>
-              </a:solidFill>
-              <a:uFillTx/>
-              <a:latin typeface="Arial"/>
-            </a:endParaRPr>
-          </a:p>
-          <a:p>
-            <a:pPr lvl="2" marL="1296000" indent="-288000">
-              <a:spcBef>
-                <a:spcPts val="850"/>
-              </a:spcBef>
-              <a:buClr>
-                <a:srgbClr val="000000"/>
-              </a:buClr>
-              <a:buSzPct val="45000"/>
-              <a:buFont typeface="Wingdings" charset="2"/>
-              <a:buChar char=""/>
-            </a:pPr>
-            <a:r>
-              <a:rPr b="0" lang="en-US" sz="1800" strike="noStrike" u="none">
-                <a:solidFill>
-                  <a:srgbClr val="000000"/>
-                </a:solidFill>
-                <a:uFillTx/>
-                <a:latin typeface="Arial"/>
-              </a:rPr>
-              <a:t>Third Outline Level</a:t>
-            </a:r>
-            <a:endParaRPr b="0" lang="en-US" sz="1800" strike="noStrike" u="none">
-              <a:solidFill>
-                <a:srgbClr val="000000"/>
-              </a:solidFill>
-              <a:uFillTx/>
-              <a:latin typeface="Arial"/>
-            </a:endParaRPr>
-          </a:p>
-          <a:p>
-            <a:pPr lvl="3" marL="1728000" indent="-216000">
-              <a:spcBef>
-                <a:spcPts val="567"/>
-              </a:spcBef>
-              <a:buClr>
-                <a:srgbClr val="000000"/>
-              </a:buClr>
-              <a:buSzPct val="75000"/>
-              <a:buFont typeface="Symbol" charset="2"/>
-              <a:buChar char=""/>
-            </a:pPr>
-            <a:r>
-              <a:rPr b="0" lang="en-US" sz="1800" strike="noStrike" u="none">
-                <a:solidFill>
-                  <a:srgbClr val="000000"/>
-                </a:solidFill>
-                <a:uFillTx/>
-                <a:latin typeface="Arial"/>
-              </a:rPr>
-              <a:t>Fourth Outline Level</a:t>
-            </a:r>
-            <a:endParaRPr b="0" lang="en-US" sz="1800" strike="noStrike" u="none">
-              <a:solidFill>
-                <a:srgbClr val="000000"/>
-              </a:solidFill>
-              <a:uFillTx/>
-              <a:latin typeface="Arial"/>
-            </a:endParaRPr>
-          </a:p>
-          <a:p>
-            <a:pPr lvl="4" marL="2160000" indent="-216000">
-              <a:spcBef>
-                <a:spcPts val="283"/>
-              </a:spcBef>
-              <a:buClr>
-                <a:srgbClr val="000000"/>
-              </a:buClr>
-              <a:buSzPct val="45000"/>
-              <a:buFont typeface="Wingdings" charset="2"/>
-              <a:buChar char=""/>
-            </a:pPr>
-            <a:r>
-              <a:rPr b="0" lang="en-US" sz="1800" strike="noStrike" u="none">
-                <a:solidFill>
-                  <a:srgbClr val="000000"/>
-                </a:solidFill>
-                <a:uFillTx/>
-                <a:latin typeface="Arial"/>
-              </a:rPr>
-              <a:t>Fifth Outline Level</a:t>
-            </a:r>
-            <a:endParaRPr b="0" lang="en-US" sz="1800" strike="noStrike" u="none">
-              <a:solidFill>
-                <a:srgbClr val="000000"/>
-              </a:solidFill>
-              <a:uFillTx/>
-              <a:latin typeface="Arial"/>
-            </a:endParaRPr>
-          </a:p>
-          <a:p>
-            <a:pPr lvl="5" marL="2592000" indent="-216000">
-              <a:spcBef>
-                <a:spcPts val="283"/>
-              </a:spcBef>
-              <a:buClr>
-                <a:srgbClr val="000000"/>
-              </a:buClr>
-              <a:buSzPct val="45000"/>
-              <a:buFont typeface="Wingdings" charset="2"/>
-              <a:buChar char=""/>
-            </a:pPr>
-            <a:r>
-              <a:rPr b="0" lang="en-US" sz="1800" strike="noStrike" u="none">
-                <a:solidFill>
-                  <a:srgbClr val="000000"/>
-                </a:solidFill>
-                <a:uFillTx/>
-                <a:latin typeface="Arial"/>
-              </a:rPr>
-              <a:t>Sixth Outline Level</a:t>
-            </a:r>
-            <a:endParaRPr b="0" lang="en-US" sz="1800" strike="noStrike" u="none">
-              <a:solidFill>
-                <a:srgbClr val="000000"/>
-              </a:solidFill>
-              <a:uFillTx/>
-              <a:latin typeface="Arial"/>
-            </a:endParaRPr>
-          </a:p>
-          <a:p>
-            <a:pPr lvl="6" marL="3024000" indent="-216000">
-              <a:spcBef>
-                <a:spcPts val="283"/>
-              </a:spcBef>
-              <a:buClr>
-                <a:srgbClr val="000000"/>
-              </a:buClr>
-              <a:buSzPct val="45000"/>
-              <a:buFont typeface="Wingdings" charset="2"/>
-              <a:buChar char=""/>
-            </a:pPr>
-            <a:r>
-              <a:rPr b="0" lang="en-US" sz="1800" strike="noStrike" u="none">
-                <a:solidFill>
-                  <a:srgbClr val="000000"/>
-                </a:solidFill>
-                <a:uFillTx/>
-                <a:latin typeface="Arial"/>
-              </a:rPr>
-              <a:t>Seventh Outline Level</a:t>
-            </a:r>
-            <a:endParaRPr b="0" lang="en-US" sz="1800" strike="noStrike" u="none">
-              <a:solidFill>
-                <a:srgbClr val="000000"/>
-              </a:solidFill>
-              <a:uFillTx/>
-              <a:latin typeface="Arial"/>
-            </a:endParaRPr>
-          </a:p>
-        </p:txBody>
-      </p:sp>
-      <p:sp>
-        <p:nvSpPr>
-          <p:cNvPr id="109" name="PlaceHolder 4"/>
+          <p:cNvPr id="105" name="PlaceHolder 2"/>
           <p:cNvSpPr>
             <a:spLocks noGrp="1"/>
           </p:cNvSpPr>
@@ -12363,7 +12680,7 @@
         <p:spPr>
           <a:xfrm>
             <a:off x="8472600" y="4663080"/>
-            <a:ext cx="544320" cy="389160"/>
+            <a:ext cx="543960" cy="388800"/>
           </a:xfrm>
           <a:prstGeom prst="rect">
             <a:avLst/>
@@ -12406,7 +12723,7 @@
                 <a:tab algn="l" pos="0"/>
               </a:tabLst>
             </a:pPr>
-            <a:fld id="{D749DE0F-3A00-4945-BB51-BA26D5849AFC}" type="slidenum">
+            <a:fld id="{2439C517-2095-4735-B312-498DCA62634A}" type="slidenum">
               <a:rPr b="0" lang="en" sz="1000" strike="noStrike" u="none">
                 <a:solidFill>
                   <a:schemeClr val="dk2"/>
@@ -12415,7 +12732,7 @@
                 <a:latin typeface="Arial"/>
                 <a:ea typeface="Arial"/>
               </a:rPr>
-              <a:t>&lt;number&gt;</a:t>
+              <a:t>1</a:t>
             </a:fld>
             <a:endParaRPr b="0" lang="en-US" sz="1000" strike="noStrike" u="none">
               <a:solidFill>
@@ -12431,7 +12748,7 @@
   </p:cSld>
   <p:clrMap bg1="lt1" tx1="dk1" bg2="lt2" tx2="dk2" accent1="accent1" accent2="accent2" accent3="accent3" accent4="accent4" accent5="accent5" accent6="accent6" hlink="hlink" folHlink="folHlink"/>
   <p:sldLayoutIdLst>
-    <p:sldLayoutId id="2147483699" r:id="rId2"/>
+    <p:sldLayoutId id="2147483695" r:id="rId2"/>
   </p:sldLayoutIdLst>
 </p:sldMaster>
 </file>
@@ -12462,58 +12779,7 @@
       </p:grpSpPr>
       <p:sp>
         <p:nvSpPr>
-          <p:cNvPr id="113" name="PlaceHolder 1"/>
-          <p:cNvSpPr>
-            <a:spLocks noGrp="1"/>
-          </p:cNvSpPr>
-          <p:nvPr>
-            <p:ph type="title"/>
-          </p:nvPr>
-        </p:nvSpPr>
-        <p:spPr>
-          <a:xfrm>
-            <a:off x="457200" y="205200"/>
-            <a:ext cx="8228880" cy="858240"/>
-          </a:xfrm>
-          <a:prstGeom prst="rect">
-            <a:avLst/>
-          </a:prstGeom>
-          <a:noFill/>
-          <a:ln w="0">
-            <a:noFill/>
-          </a:ln>
-        </p:spPr>
-        <p:txBody>
-          <a:bodyPr lIns="0" rIns="0" tIns="0" bIns="0" anchor="ctr">
-            <a:noAutofit/>
-          </a:bodyPr>
-          <a:p>
-            <a:pPr indent="0">
-              <a:buNone/>
-            </a:pPr>
-            <a:r>
-              <a:rPr b="0" lang="en-US" sz="1800" strike="noStrike" u="none">
-                <a:solidFill>
-                  <a:srgbClr val="000000"/>
-                </a:solidFill>
-                <a:uFillTx/>
-                <a:latin typeface="Arial"/>
-              </a:rPr>
-              <a:t>Click to edit the title text format</a:t>
-            </a:r>
-            <a:endParaRPr b="0" lang="en-US" sz="1800" strike="noStrike" u="none">
-              <a:solidFill>
-                <a:srgbClr val="000000"/>
-              </a:solidFill>
-              <a:uFillTx/>
-              <a:latin typeface="Arial"/>
-            </a:endParaRPr>
-          </a:p>
-        </p:txBody>
-      </p:sp>
-      <p:sp>
-        <p:nvSpPr>
-          <p:cNvPr id="114" name="PlaceHolder 2"/>
+          <p:cNvPr id="108" name="PlaceHolder 1"/>
           <p:cNvSpPr>
             <a:spLocks noGrp="1"/>
           </p:cNvSpPr>
@@ -12524,7 +12790,7 @@
         <p:spPr>
           <a:xfrm>
             <a:off x="8472600" y="4663080"/>
-            <a:ext cx="544320" cy="389160"/>
+            <a:ext cx="543960" cy="388800"/>
           </a:xfrm>
           <a:prstGeom prst="rect">
             <a:avLst/>
@@ -12567,7 +12833,7 @@
                 <a:tab algn="l" pos="0"/>
               </a:tabLst>
             </a:pPr>
-            <a:fld id="{933D8BC3-70C6-4A79-B26D-F6AA1A0F14BF}" type="slidenum">
+            <a:fld id="{EE23C866-F47D-4F08-BF42-3F71E1245165}" type="slidenum">
               <a:rPr b="0" lang="en" sz="1000" strike="noStrike" u="none">
                 <a:solidFill>
                   <a:schemeClr val="dk2"/>
@@ -12584,6 +12850,296 @@
               </a:solidFill>
               <a:uFillTx/>
               <a:latin typeface="Times New Roman"/>
+            </a:endParaRPr>
+          </a:p>
+        </p:txBody>
+      </p:sp>
+      <p:sp>
+        <p:nvSpPr>
+          <p:cNvPr id="109" name="PlaceHolder 2"/>
+          <p:cNvSpPr>
+            <a:spLocks noGrp="1"/>
+          </p:cNvSpPr>
+          <p:nvPr>
+            <p:ph type="title"/>
+          </p:nvPr>
+        </p:nvSpPr>
+        <p:spPr>
+          <a:xfrm>
+            <a:off x="457200" y="205200"/>
+            <a:ext cx="8229240" cy="858600"/>
+          </a:xfrm>
+          <a:prstGeom prst="rect">
+            <a:avLst/>
+          </a:prstGeom>
+          <a:noFill/>
+          <a:ln w="0">
+            <a:noFill/>
+          </a:ln>
+        </p:spPr>
+        <p:txBody>
+          <a:bodyPr lIns="0" rIns="0" tIns="0" bIns="0" anchor="ctr">
+            <a:noAutofit/>
+          </a:bodyPr>
+          <a:p>
+            <a:pPr indent="0" algn="ctr">
+              <a:buNone/>
+            </a:pPr>
+            <a:r>
+              <a:rPr b="0" lang="en-US" sz="4400" strike="noStrike" u="none">
+                <a:solidFill>
+                  <a:srgbClr val="000000"/>
+                </a:solidFill>
+                <a:uFillTx/>
+                <a:latin typeface="Arial"/>
+              </a:rPr>
+              <a:t>Click to edit the title text format</a:t>
+            </a:r>
+            <a:endParaRPr b="0" lang="en-US" sz="4400" strike="noStrike" u="none">
+              <a:solidFill>
+                <a:srgbClr val="000000"/>
+              </a:solidFill>
+              <a:uFillTx/>
+              <a:latin typeface="Arial"/>
+            </a:endParaRPr>
+          </a:p>
+        </p:txBody>
+      </p:sp>
+      <p:sp>
+        <p:nvSpPr>
+          <p:cNvPr id="110" name="PlaceHolder 3"/>
+          <p:cNvSpPr>
+            <a:spLocks noGrp="1"/>
+          </p:cNvSpPr>
+          <p:nvPr>
+            <p:ph type="body"/>
+          </p:nvPr>
+        </p:nvSpPr>
+        <p:spPr>
+          <a:xfrm>
+            <a:off x="457200" y="1203480"/>
+            <a:ext cx="8229240" cy="2982960"/>
+          </a:xfrm>
+          <a:prstGeom prst="rect">
+            <a:avLst/>
+          </a:prstGeom>
+          <a:noFill/>
+          <a:ln w="0">
+            <a:noFill/>
+          </a:ln>
+        </p:spPr>
+        <p:txBody>
+          <a:bodyPr lIns="0" rIns="0" tIns="0" bIns="0" anchor="t">
+            <a:normAutofit/>
+          </a:bodyPr>
+          <a:p>
+            <a:pPr marL="432000" indent="-324000">
+              <a:spcBef>
+                <a:spcPts val="1417"/>
+              </a:spcBef>
+              <a:buClr>
+                <a:srgbClr val="000000"/>
+              </a:buClr>
+              <a:buSzPct val="45000"/>
+              <a:buFont typeface="Wingdings" charset="2"/>
+              <a:buChar char=""/>
+            </a:pPr>
+            <a:r>
+              <a:rPr b="0" lang="en-US" sz="3200" strike="noStrike" u="none">
+                <a:solidFill>
+                  <a:srgbClr val="000000"/>
+                </a:solidFill>
+                <a:uFillTx/>
+                <a:latin typeface="Arial"/>
+              </a:rPr>
+              <a:t>Click to edit the outline text format</a:t>
+            </a:r>
+            <a:endParaRPr b="0" lang="en-US" sz="3200" strike="noStrike" u="none">
+              <a:solidFill>
+                <a:srgbClr val="000000"/>
+              </a:solidFill>
+              <a:uFillTx/>
+              <a:latin typeface="Arial"/>
+            </a:endParaRPr>
+          </a:p>
+          <a:p>
+            <a:pPr lvl="1" marL="864000" indent="-324000">
+              <a:spcBef>
+                <a:spcPts val="1134"/>
+              </a:spcBef>
+              <a:buClr>
+                <a:srgbClr val="000000"/>
+              </a:buClr>
+              <a:buSzPct val="75000"/>
+              <a:buFont typeface="Symbol" charset="2"/>
+              <a:buChar char=""/>
+            </a:pPr>
+            <a:r>
+              <a:rPr b="0" lang="en-US" sz="2800" strike="noStrike" u="none">
+                <a:solidFill>
+                  <a:srgbClr val="000000"/>
+                </a:solidFill>
+                <a:uFillTx/>
+                <a:latin typeface="Arial"/>
+              </a:rPr>
+              <a:t>Second Outline Level</a:t>
+            </a:r>
+            <a:endParaRPr b="0" lang="en-US" sz="2800" strike="noStrike" u="none">
+              <a:solidFill>
+                <a:srgbClr val="000000"/>
+              </a:solidFill>
+              <a:uFillTx/>
+              <a:latin typeface="Arial"/>
+            </a:endParaRPr>
+          </a:p>
+          <a:p>
+            <a:pPr lvl="2" marL="1296000" indent="-288000">
+              <a:spcBef>
+                <a:spcPts val="850"/>
+              </a:spcBef>
+              <a:buClr>
+                <a:srgbClr val="000000"/>
+              </a:buClr>
+              <a:buSzPct val="45000"/>
+              <a:buFont typeface="Wingdings" charset="2"/>
+              <a:buChar char=""/>
+            </a:pPr>
+            <a:r>
+              <a:rPr b="0" lang="en-US" sz="2400" strike="noStrike" u="none">
+                <a:solidFill>
+                  <a:srgbClr val="000000"/>
+                </a:solidFill>
+                <a:uFillTx/>
+                <a:latin typeface="Arial"/>
+              </a:rPr>
+              <a:t>Third Outline Level</a:t>
+            </a:r>
+            <a:endParaRPr b="0" lang="en-US" sz="2400" strike="noStrike" u="none">
+              <a:solidFill>
+                <a:srgbClr val="000000"/>
+              </a:solidFill>
+              <a:uFillTx/>
+              <a:latin typeface="Arial"/>
+            </a:endParaRPr>
+          </a:p>
+          <a:p>
+            <a:pPr lvl="3" marL="1728000" indent="-216000">
+              <a:spcBef>
+                <a:spcPts val="567"/>
+              </a:spcBef>
+              <a:buClr>
+                <a:srgbClr val="000000"/>
+              </a:buClr>
+              <a:buSzPct val="75000"/>
+              <a:buFont typeface="Symbol" charset="2"/>
+              <a:buChar char=""/>
+            </a:pPr>
+            <a:r>
+              <a:rPr b="0" lang="en-US" sz="2000" strike="noStrike" u="none">
+                <a:solidFill>
+                  <a:srgbClr val="000000"/>
+                </a:solidFill>
+                <a:uFillTx/>
+                <a:latin typeface="Arial"/>
+              </a:rPr>
+              <a:t>Fourth Outline Level</a:t>
+            </a:r>
+            <a:endParaRPr b="0" lang="en-US" sz="2000" strike="noStrike" u="none">
+              <a:solidFill>
+                <a:srgbClr val="000000"/>
+              </a:solidFill>
+              <a:uFillTx/>
+              <a:latin typeface="Arial"/>
+            </a:endParaRPr>
+          </a:p>
+          <a:p>
+            <a:pPr lvl="4" marL="2160000" indent="-216000">
+              <a:spcBef>
+                <a:spcPts val="283"/>
+              </a:spcBef>
+              <a:buClr>
+                <a:srgbClr val="000000"/>
+              </a:buClr>
+              <a:buSzPct val="45000"/>
+              <a:buFont typeface="Wingdings" charset="2"/>
+              <a:buChar char=""/>
+            </a:pPr>
+            <a:r>
+              <a:rPr b="0" lang="en-US" sz="2000" strike="noStrike" u="none">
+                <a:solidFill>
+                  <a:srgbClr val="000000"/>
+                </a:solidFill>
+                <a:uFillTx/>
+                <a:latin typeface="Arial"/>
+              </a:rPr>
+              <a:t>Fifth Outline Level</a:t>
+            </a:r>
+            <a:endParaRPr b="0" lang="en-US" sz="2000" strike="noStrike" u="none">
+              <a:solidFill>
+                <a:srgbClr val="000000"/>
+              </a:solidFill>
+              <a:uFillTx/>
+              <a:latin typeface="Arial"/>
+            </a:endParaRPr>
+          </a:p>
+          <a:p>
+            <a:pPr lvl="5" marL="2592000" indent="-216000">
+              <a:spcBef>
+                <a:spcPts val="283"/>
+              </a:spcBef>
+              <a:buClr>
+                <a:srgbClr val="000000"/>
+              </a:buClr>
+              <a:buSzPct val="45000"/>
+              <a:buFont typeface="Wingdings" charset="2"/>
+              <a:buChar char=""/>
+            </a:pPr>
+            <a:r>
+              <a:rPr b="0" lang="en-US" sz="2000" strike="noStrike" u="none">
+                <a:solidFill>
+                  <a:srgbClr val="000000"/>
+                </a:solidFill>
+                <a:uFillTx/>
+                <a:latin typeface="Arial"/>
+              </a:rPr>
+              <a:t>Sixth Outline Level</a:t>
+            </a:r>
+            <a:endParaRPr b="0" lang="en-US" sz="2000" strike="noStrike" u="none">
+              <a:solidFill>
+                <a:srgbClr val="000000"/>
+              </a:solidFill>
+              <a:uFillTx/>
+              <a:latin typeface="Arial"/>
+            </a:endParaRPr>
+          </a:p>
+          <a:p>
+            <a:pPr lvl="6" marL="3024000" indent="-216000">
+              <a:spcBef>
+                <a:spcPts val="283"/>
+              </a:spcBef>
+              <a:buClr>
+                <a:srgbClr val="000000"/>
+              </a:buClr>
+              <a:buSzPct val="45000"/>
+              <a:buFont typeface="Wingdings" charset="2"/>
+              <a:buChar char=""/>
+            </a:pPr>
+            <a:r>
+              <a:rPr b="0" lang="en-US" sz="2000" strike="noStrike" u="none">
+                <a:solidFill>
+                  <a:srgbClr val="000000"/>
+                </a:solidFill>
+                <a:uFillTx/>
+                <a:latin typeface="Arial"/>
+              </a:rPr>
+              <a:t>Seventh Outline Level</a:t>
+            </a:r>
+            <a:endParaRPr b="0" lang="en-US" sz="2000" strike="noStrike" u="none">
+              <a:solidFill>
+                <a:srgbClr val="000000"/>
+              </a:solidFill>
+              <a:uFillTx/>
+              <a:latin typeface="Arial"/>
             </a:endParaRPr>
           </a:p>
         </p:txBody>
@@ -12592,7 +13148,11 @@
   </p:cSld>
   <p:clrMap bg1="lt1" tx1="dk1" bg2="lt2" tx2="dk2" accent1="accent1" accent2="accent2" accent3="accent3" accent4="accent4" accent5="accent5" accent6="accent6" hlink="hlink" folHlink="folHlink"/>
   <p:sldLayoutIdLst>
-    <p:sldLayoutId id="2147483701" r:id="rId2"/>
+    <p:sldLayoutId id="2147483697" r:id="rId2"/>
+    <p:sldLayoutId id="2147483698" r:id="rId3"/>
+    <p:sldLayoutId id="2147483699" r:id="rId4"/>
+    <p:sldLayoutId id="2147483700" r:id="rId5"/>
+    <p:sldLayoutId id="2147483701" r:id="rId6"/>
   </p:sldLayoutIdLst>
 </p:sldMaster>
 </file>
@@ -12623,7 +13183,7 @@
       </p:grpSpPr>
       <p:sp>
         <p:nvSpPr>
-          <p:cNvPr id="116" name="PlaceHolder 1"/>
+          <p:cNvPr id="119" name="PlaceHolder 1"/>
           <p:cNvSpPr>
             <a:spLocks noGrp="1"/>
           </p:cNvSpPr>
@@ -12634,7 +13194,7 @@
         <p:spPr>
           <a:xfrm>
             <a:off x="8472600" y="4663080"/>
-            <a:ext cx="544320" cy="389160"/>
+            <a:ext cx="543960" cy="388800"/>
           </a:xfrm>
           <a:prstGeom prst="rect">
             <a:avLst/>
@@ -12677,7 +13237,7 @@
                 <a:tab algn="l" pos="0"/>
               </a:tabLst>
             </a:pPr>
-            <a:fld id="{91788F71-6D00-4B58-916C-A822C43519AB}" type="slidenum">
+            <a:fld id="{11446342-A90A-4B7D-A6BA-06E81A98A431}" type="slidenum">
               <a:rPr b="0" lang="en" sz="1000" strike="noStrike" u="none">
                 <a:solidFill>
                   <a:schemeClr val="dk2"/>
@@ -12733,7 +13293,297 @@
       </p:grpSpPr>
       <p:sp>
         <p:nvSpPr>
-          <p:cNvPr id="117" name="PlaceHolder 1"/>
+          <p:cNvPr id="120" name="PlaceHolder 1"/>
+          <p:cNvSpPr>
+            <a:spLocks noGrp="1"/>
+          </p:cNvSpPr>
+          <p:nvPr>
+            <p:ph type="title"/>
+          </p:nvPr>
+        </p:nvSpPr>
+        <p:spPr>
+          <a:xfrm>
+            <a:off x="457200" y="205200"/>
+            <a:ext cx="8228880" cy="858240"/>
+          </a:xfrm>
+          <a:prstGeom prst="rect">
+            <a:avLst/>
+          </a:prstGeom>
+          <a:noFill/>
+          <a:ln w="0">
+            <a:noFill/>
+          </a:ln>
+        </p:spPr>
+        <p:txBody>
+          <a:bodyPr lIns="0" rIns="0" tIns="0" bIns="0" anchor="ctr">
+            <a:noAutofit/>
+          </a:bodyPr>
+          <a:p>
+            <a:pPr indent="0">
+              <a:buNone/>
+            </a:pPr>
+            <a:r>
+              <a:rPr b="0" lang="en-US" sz="1800" strike="noStrike" u="none">
+                <a:solidFill>
+                  <a:srgbClr val="000000"/>
+                </a:solidFill>
+                <a:uFillTx/>
+                <a:latin typeface="Arial"/>
+              </a:rPr>
+              <a:t>Click to edit the title text format</a:t>
+            </a:r>
+            <a:endParaRPr b="0" lang="en-US" sz="1800" strike="noStrike" u="none">
+              <a:solidFill>
+                <a:srgbClr val="000000"/>
+              </a:solidFill>
+              <a:uFillTx/>
+              <a:latin typeface="Arial"/>
+            </a:endParaRPr>
+          </a:p>
+        </p:txBody>
+      </p:sp>
+      <p:sp>
+        <p:nvSpPr>
+          <p:cNvPr id="121" name="PlaceHolder 2"/>
+          <p:cNvSpPr>
+            <a:spLocks noGrp="1"/>
+          </p:cNvSpPr>
+          <p:nvPr>
+            <p:ph type="body"/>
+          </p:nvPr>
+        </p:nvSpPr>
+        <p:spPr>
+          <a:xfrm>
+            <a:off x="457200" y="1203480"/>
+            <a:ext cx="8228880" cy="2982600"/>
+          </a:xfrm>
+          <a:prstGeom prst="rect">
+            <a:avLst/>
+          </a:prstGeom>
+          <a:noFill/>
+          <a:ln w="0">
+            <a:noFill/>
+          </a:ln>
+        </p:spPr>
+        <p:txBody>
+          <a:bodyPr lIns="0" rIns="0" tIns="0" bIns="0" anchor="t">
+            <a:normAutofit/>
+          </a:bodyPr>
+          <a:p>
+            <a:pPr marL="432000" indent="-324000">
+              <a:spcBef>
+                <a:spcPts val="1417"/>
+              </a:spcBef>
+              <a:buClr>
+                <a:srgbClr val="000000"/>
+              </a:buClr>
+              <a:buSzPct val="45000"/>
+              <a:buFont typeface="Wingdings" charset="2"/>
+              <a:buChar char=""/>
+            </a:pPr>
+            <a:r>
+              <a:rPr b="0" lang="en-US" sz="1800" strike="noStrike" u="none">
+                <a:solidFill>
+                  <a:srgbClr val="000000"/>
+                </a:solidFill>
+                <a:uFillTx/>
+                <a:latin typeface="Arial"/>
+              </a:rPr>
+              <a:t>Click to edit the outline text format</a:t>
+            </a:r>
+            <a:endParaRPr b="0" lang="en-US" sz="1800" strike="noStrike" u="none">
+              <a:solidFill>
+                <a:srgbClr val="000000"/>
+              </a:solidFill>
+              <a:uFillTx/>
+              <a:latin typeface="Arial"/>
+            </a:endParaRPr>
+          </a:p>
+          <a:p>
+            <a:pPr lvl="1" marL="864000" indent="-324000">
+              <a:spcBef>
+                <a:spcPts val="1134"/>
+              </a:spcBef>
+              <a:buClr>
+                <a:srgbClr val="000000"/>
+              </a:buClr>
+              <a:buSzPct val="75000"/>
+              <a:buFont typeface="Symbol" charset="2"/>
+              <a:buChar char=""/>
+            </a:pPr>
+            <a:r>
+              <a:rPr b="0" lang="en-US" sz="1800" strike="noStrike" u="none">
+                <a:solidFill>
+                  <a:srgbClr val="000000"/>
+                </a:solidFill>
+                <a:uFillTx/>
+                <a:latin typeface="Arial"/>
+              </a:rPr>
+              <a:t>Second Outline Level</a:t>
+            </a:r>
+            <a:endParaRPr b="0" lang="en-US" sz="1800" strike="noStrike" u="none">
+              <a:solidFill>
+                <a:srgbClr val="000000"/>
+              </a:solidFill>
+              <a:uFillTx/>
+              <a:latin typeface="Arial"/>
+            </a:endParaRPr>
+          </a:p>
+          <a:p>
+            <a:pPr lvl="2" marL="1296000" indent="-288000">
+              <a:spcBef>
+                <a:spcPts val="850"/>
+              </a:spcBef>
+              <a:buClr>
+                <a:srgbClr val="000000"/>
+              </a:buClr>
+              <a:buSzPct val="45000"/>
+              <a:buFont typeface="Wingdings" charset="2"/>
+              <a:buChar char=""/>
+            </a:pPr>
+            <a:r>
+              <a:rPr b="0" lang="en-US" sz="1800" strike="noStrike" u="none">
+                <a:solidFill>
+                  <a:srgbClr val="000000"/>
+                </a:solidFill>
+                <a:uFillTx/>
+                <a:latin typeface="Arial"/>
+              </a:rPr>
+              <a:t>Third Outline Level</a:t>
+            </a:r>
+            <a:endParaRPr b="0" lang="en-US" sz="1800" strike="noStrike" u="none">
+              <a:solidFill>
+                <a:srgbClr val="000000"/>
+              </a:solidFill>
+              <a:uFillTx/>
+              <a:latin typeface="Arial"/>
+            </a:endParaRPr>
+          </a:p>
+          <a:p>
+            <a:pPr lvl="3" marL="1728000" indent="-216000">
+              <a:spcBef>
+                <a:spcPts val="567"/>
+              </a:spcBef>
+              <a:buClr>
+                <a:srgbClr val="000000"/>
+              </a:buClr>
+              <a:buSzPct val="75000"/>
+              <a:buFont typeface="Symbol" charset="2"/>
+              <a:buChar char=""/>
+            </a:pPr>
+            <a:r>
+              <a:rPr b="0" lang="en-US" sz="1800" strike="noStrike" u="none">
+                <a:solidFill>
+                  <a:srgbClr val="000000"/>
+                </a:solidFill>
+                <a:uFillTx/>
+                <a:latin typeface="Arial"/>
+              </a:rPr>
+              <a:t>Fourth Outline Level</a:t>
+            </a:r>
+            <a:endParaRPr b="0" lang="en-US" sz="1800" strike="noStrike" u="none">
+              <a:solidFill>
+                <a:srgbClr val="000000"/>
+              </a:solidFill>
+              <a:uFillTx/>
+              <a:latin typeface="Arial"/>
+            </a:endParaRPr>
+          </a:p>
+          <a:p>
+            <a:pPr lvl="4" marL="2160000" indent="-216000">
+              <a:spcBef>
+                <a:spcPts val="283"/>
+              </a:spcBef>
+              <a:buClr>
+                <a:srgbClr val="000000"/>
+              </a:buClr>
+              <a:buSzPct val="45000"/>
+              <a:buFont typeface="Wingdings" charset="2"/>
+              <a:buChar char=""/>
+            </a:pPr>
+            <a:r>
+              <a:rPr b="0" lang="en-US" sz="1800" strike="noStrike" u="none">
+                <a:solidFill>
+                  <a:srgbClr val="000000"/>
+                </a:solidFill>
+                <a:uFillTx/>
+                <a:latin typeface="Arial"/>
+              </a:rPr>
+              <a:t>Fifth Outline Level</a:t>
+            </a:r>
+            <a:endParaRPr b="0" lang="en-US" sz="1800" strike="noStrike" u="none">
+              <a:solidFill>
+                <a:srgbClr val="000000"/>
+              </a:solidFill>
+              <a:uFillTx/>
+              <a:latin typeface="Arial"/>
+            </a:endParaRPr>
+          </a:p>
+          <a:p>
+            <a:pPr lvl="5" marL="2592000" indent="-216000">
+              <a:spcBef>
+                <a:spcPts val="283"/>
+              </a:spcBef>
+              <a:buClr>
+                <a:srgbClr val="000000"/>
+              </a:buClr>
+              <a:buSzPct val="45000"/>
+              <a:buFont typeface="Wingdings" charset="2"/>
+              <a:buChar char=""/>
+            </a:pPr>
+            <a:r>
+              <a:rPr b="0" lang="en-US" sz="1800" strike="noStrike" u="none">
+                <a:solidFill>
+                  <a:srgbClr val="000000"/>
+                </a:solidFill>
+                <a:uFillTx/>
+                <a:latin typeface="Arial"/>
+              </a:rPr>
+              <a:t>Sixth Outline Level</a:t>
+            </a:r>
+            <a:endParaRPr b="0" lang="en-US" sz="1800" strike="noStrike" u="none">
+              <a:solidFill>
+                <a:srgbClr val="000000"/>
+              </a:solidFill>
+              <a:uFillTx/>
+              <a:latin typeface="Arial"/>
+            </a:endParaRPr>
+          </a:p>
+          <a:p>
+            <a:pPr lvl="6" marL="3024000" indent="-216000">
+              <a:spcBef>
+                <a:spcPts val="283"/>
+              </a:spcBef>
+              <a:buClr>
+                <a:srgbClr val="000000"/>
+              </a:buClr>
+              <a:buSzPct val="45000"/>
+              <a:buFont typeface="Wingdings" charset="2"/>
+              <a:buChar char=""/>
+            </a:pPr>
+            <a:r>
+              <a:rPr b="0" lang="en-US" sz="1800" strike="noStrike" u="none">
+                <a:solidFill>
+                  <a:srgbClr val="000000"/>
+                </a:solidFill>
+                <a:uFillTx/>
+                <a:latin typeface="Arial"/>
+              </a:rPr>
+              <a:t>Seventh Outline Level</a:t>
+            </a:r>
+            <a:endParaRPr b="0" lang="en-US" sz="1800" strike="noStrike" u="none">
+              <a:solidFill>
+                <a:srgbClr val="000000"/>
+              </a:solidFill>
+              <a:uFillTx/>
+              <a:latin typeface="Arial"/>
+            </a:endParaRPr>
+          </a:p>
+        </p:txBody>
+      </p:sp>
+      <p:sp>
+        <p:nvSpPr>
+          <p:cNvPr id="122" name="PlaceHolder 3"/>
           <p:cNvSpPr>
             <a:spLocks noGrp="1"/>
           </p:cNvSpPr>
@@ -12744,7 +13594,7 @@
         <p:spPr>
           <a:xfrm>
             <a:off x="8472600" y="4663080"/>
-            <a:ext cx="544320" cy="389160"/>
+            <a:ext cx="543960" cy="388800"/>
           </a:xfrm>
           <a:prstGeom prst="rect">
             <a:avLst/>
@@ -12787,7 +13637,7 @@
                 <a:tab algn="l" pos="0"/>
               </a:tabLst>
             </a:pPr>
-            <a:fld id="{FEE5FE03-FF27-4F58-980F-5F7D7A67F5B3}" type="slidenum">
+            <a:fld id="{BBBBA954-6526-4280-98B1-96A43E339943}" type="slidenum">
               <a:rPr b="0" lang="en" sz="1000" strike="noStrike" u="none">
                 <a:solidFill>
                   <a:schemeClr val="dk2"/>
@@ -12796,7 +13646,7 @@
                 <a:latin typeface="Arial"/>
                 <a:ea typeface="Arial"/>
               </a:rPr>
-              <a:t>1</a:t>
+              <a:t>&lt;number&gt;</a:t>
             </a:fld>
             <a:endParaRPr b="0" lang="en-US" sz="1000" strike="noStrike" u="none">
               <a:solidFill>
@@ -12843,45 +13693,46 @@
       </p:grpSpPr>
       <p:sp>
         <p:nvSpPr>
-          <p:cNvPr id="118" name="Google Shape;36;p9"/>
-          <p:cNvSpPr/>
-          <p:nvPr/>
+          <p:cNvPr id="125" name="PlaceHolder 1"/>
+          <p:cNvSpPr>
+            <a:spLocks noGrp="1"/>
+          </p:cNvSpPr>
+          <p:nvPr>
+            <p:ph type="title"/>
+          </p:nvPr>
         </p:nvSpPr>
         <p:spPr>
           <a:xfrm>
-            <a:off x="4572000" y="0"/>
-            <a:ext cx="4567680" cy="5139360"/>
+            <a:off x="457200" y="205200"/>
+            <a:ext cx="8228880" cy="858240"/>
           </a:xfrm>
           <a:prstGeom prst="rect">
             <a:avLst/>
           </a:prstGeom>
-          <a:solidFill>
-            <a:schemeClr val="lt2"/>
-          </a:solidFill>
+          <a:noFill/>
           <a:ln w="0">
             <a:noFill/>
           </a:ln>
         </p:spPr>
-        <p:style>
-          <a:lnRef idx="0"/>
-          <a:fillRef idx="0"/>
-          <a:effectRef idx="0"/>
-          <a:fontRef idx="minor"/>
-        </p:style>
         <p:txBody>
-          <a:bodyPr lIns="90000" rIns="90000" tIns="91440" bIns="91440" anchor="ctr">
+          <a:bodyPr lIns="0" rIns="0" tIns="0" bIns="0" anchor="ctr">
             <a:noAutofit/>
           </a:bodyPr>
           <a:p>
-            <a:pPr>
-              <a:lnSpc>
-                <a:spcPct val="100000"/>
-              </a:lnSpc>
-              <a:tabLst>
-                <a:tab algn="l" pos="0"/>
-              </a:tabLst>
-            </a:pPr>
-            <a:endParaRPr b="0" lang="en-US" sz="1400" strike="noStrike" u="none">
+            <a:pPr indent="0">
+              <a:buNone/>
+            </a:pPr>
+            <a:r>
+              <a:rPr b="0" lang="en-US" sz="1800" strike="noStrike" u="none">
+                <a:solidFill>
+                  <a:srgbClr val="000000"/>
+                </a:solidFill>
+                <a:uFillTx/>
+                <a:latin typeface="Arial"/>
+              </a:rPr>
+              <a:t>Click to edit the title text format</a:t>
+            </a:r>
+            <a:endParaRPr b="0" lang="en-US" sz="1800" strike="noStrike" u="none">
               <a:solidFill>
                 <a:srgbClr val="000000"/>
               </a:solidFill>
@@ -12893,7 +13744,485 @@
       </p:sp>
       <p:sp>
         <p:nvSpPr>
-          <p:cNvPr id="119" name="PlaceHolder 1"/>
+          <p:cNvPr id="126" name="PlaceHolder 2"/>
+          <p:cNvSpPr>
+            <a:spLocks noGrp="1"/>
+          </p:cNvSpPr>
+          <p:nvPr>
+            <p:ph type="body"/>
+          </p:nvPr>
+        </p:nvSpPr>
+        <p:spPr>
+          <a:xfrm>
+            <a:off x="457200" y="1203480"/>
+            <a:ext cx="4015440" cy="2982600"/>
+          </a:xfrm>
+          <a:prstGeom prst="rect">
+            <a:avLst/>
+          </a:prstGeom>
+          <a:noFill/>
+          <a:ln w="0">
+            <a:noFill/>
+          </a:ln>
+        </p:spPr>
+        <p:txBody>
+          <a:bodyPr lIns="0" rIns="0" tIns="0" bIns="0" anchor="t">
+            <a:normAutofit lnSpcReduction="9999"/>
+          </a:bodyPr>
+          <a:p>
+            <a:pPr marL="432000" indent="-324000">
+              <a:spcBef>
+                <a:spcPts val="1417"/>
+              </a:spcBef>
+              <a:buClr>
+                <a:srgbClr val="000000"/>
+              </a:buClr>
+              <a:buSzPct val="45000"/>
+              <a:buFont typeface="Wingdings" charset="2"/>
+              <a:buChar char=""/>
+            </a:pPr>
+            <a:r>
+              <a:rPr b="0" lang="en-US" sz="1800" strike="noStrike" u="none">
+                <a:solidFill>
+                  <a:srgbClr val="000000"/>
+                </a:solidFill>
+                <a:uFillTx/>
+                <a:latin typeface="Arial"/>
+              </a:rPr>
+              <a:t>Click to edit the outline text format</a:t>
+            </a:r>
+            <a:endParaRPr b="0" lang="en-US" sz="1800" strike="noStrike" u="none">
+              <a:solidFill>
+                <a:srgbClr val="000000"/>
+              </a:solidFill>
+              <a:uFillTx/>
+              <a:latin typeface="Arial"/>
+            </a:endParaRPr>
+          </a:p>
+          <a:p>
+            <a:pPr lvl="1" marL="864000" indent="-324000">
+              <a:spcBef>
+                <a:spcPts val="1134"/>
+              </a:spcBef>
+              <a:buClr>
+                <a:srgbClr val="000000"/>
+              </a:buClr>
+              <a:buSzPct val="75000"/>
+              <a:buFont typeface="Symbol" charset="2"/>
+              <a:buChar char=""/>
+            </a:pPr>
+            <a:r>
+              <a:rPr b="0" lang="en-US" sz="1800" strike="noStrike" u="none">
+                <a:solidFill>
+                  <a:srgbClr val="000000"/>
+                </a:solidFill>
+                <a:uFillTx/>
+                <a:latin typeface="Arial"/>
+              </a:rPr>
+              <a:t>Second Outline Level</a:t>
+            </a:r>
+            <a:endParaRPr b="0" lang="en-US" sz="1800" strike="noStrike" u="none">
+              <a:solidFill>
+                <a:srgbClr val="000000"/>
+              </a:solidFill>
+              <a:uFillTx/>
+              <a:latin typeface="Arial"/>
+            </a:endParaRPr>
+          </a:p>
+          <a:p>
+            <a:pPr lvl="2" marL="1296000" indent="-288000">
+              <a:spcBef>
+                <a:spcPts val="850"/>
+              </a:spcBef>
+              <a:buClr>
+                <a:srgbClr val="000000"/>
+              </a:buClr>
+              <a:buSzPct val="45000"/>
+              <a:buFont typeface="Wingdings" charset="2"/>
+              <a:buChar char=""/>
+            </a:pPr>
+            <a:r>
+              <a:rPr b="0" lang="en-US" sz="1800" strike="noStrike" u="none">
+                <a:solidFill>
+                  <a:srgbClr val="000000"/>
+                </a:solidFill>
+                <a:uFillTx/>
+                <a:latin typeface="Arial"/>
+              </a:rPr>
+              <a:t>Third Outline Level</a:t>
+            </a:r>
+            <a:endParaRPr b="0" lang="en-US" sz="1800" strike="noStrike" u="none">
+              <a:solidFill>
+                <a:srgbClr val="000000"/>
+              </a:solidFill>
+              <a:uFillTx/>
+              <a:latin typeface="Arial"/>
+            </a:endParaRPr>
+          </a:p>
+          <a:p>
+            <a:pPr lvl="3" marL="1728000" indent="-216000">
+              <a:spcBef>
+                <a:spcPts val="567"/>
+              </a:spcBef>
+              <a:buClr>
+                <a:srgbClr val="000000"/>
+              </a:buClr>
+              <a:buSzPct val="75000"/>
+              <a:buFont typeface="Symbol" charset="2"/>
+              <a:buChar char=""/>
+            </a:pPr>
+            <a:r>
+              <a:rPr b="0" lang="en-US" sz="1800" strike="noStrike" u="none">
+                <a:solidFill>
+                  <a:srgbClr val="000000"/>
+                </a:solidFill>
+                <a:uFillTx/>
+                <a:latin typeface="Arial"/>
+              </a:rPr>
+              <a:t>Fourth Outline Level</a:t>
+            </a:r>
+            <a:endParaRPr b="0" lang="en-US" sz="1800" strike="noStrike" u="none">
+              <a:solidFill>
+                <a:srgbClr val="000000"/>
+              </a:solidFill>
+              <a:uFillTx/>
+              <a:latin typeface="Arial"/>
+            </a:endParaRPr>
+          </a:p>
+          <a:p>
+            <a:pPr lvl="4" marL="2160000" indent="-216000">
+              <a:spcBef>
+                <a:spcPts val="283"/>
+              </a:spcBef>
+              <a:buClr>
+                <a:srgbClr val="000000"/>
+              </a:buClr>
+              <a:buSzPct val="45000"/>
+              <a:buFont typeface="Wingdings" charset="2"/>
+              <a:buChar char=""/>
+            </a:pPr>
+            <a:r>
+              <a:rPr b="0" lang="en-US" sz="1800" strike="noStrike" u="none">
+                <a:solidFill>
+                  <a:srgbClr val="000000"/>
+                </a:solidFill>
+                <a:uFillTx/>
+                <a:latin typeface="Arial"/>
+              </a:rPr>
+              <a:t>Fifth Outline Level</a:t>
+            </a:r>
+            <a:endParaRPr b="0" lang="en-US" sz="1800" strike="noStrike" u="none">
+              <a:solidFill>
+                <a:srgbClr val="000000"/>
+              </a:solidFill>
+              <a:uFillTx/>
+              <a:latin typeface="Arial"/>
+            </a:endParaRPr>
+          </a:p>
+          <a:p>
+            <a:pPr lvl="5" marL="2592000" indent="-216000">
+              <a:spcBef>
+                <a:spcPts val="283"/>
+              </a:spcBef>
+              <a:buClr>
+                <a:srgbClr val="000000"/>
+              </a:buClr>
+              <a:buSzPct val="45000"/>
+              <a:buFont typeface="Wingdings" charset="2"/>
+              <a:buChar char=""/>
+            </a:pPr>
+            <a:r>
+              <a:rPr b="0" lang="en-US" sz="1800" strike="noStrike" u="none">
+                <a:solidFill>
+                  <a:srgbClr val="000000"/>
+                </a:solidFill>
+                <a:uFillTx/>
+                <a:latin typeface="Arial"/>
+              </a:rPr>
+              <a:t>Sixth Outline Level</a:t>
+            </a:r>
+            <a:endParaRPr b="0" lang="en-US" sz="1800" strike="noStrike" u="none">
+              <a:solidFill>
+                <a:srgbClr val="000000"/>
+              </a:solidFill>
+              <a:uFillTx/>
+              <a:latin typeface="Arial"/>
+            </a:endParaRPr>
+          </a:p>
+          <a:p>
+            <a:pPr lvl="6" marL="3024000" indent="-216000">
+              <a:spcBef>
+                <a:spcPts val="283"/>
+              </a:spcBef>
+              <a:buClr>
+                <a:srgbClr val="000000"/>
+              </a:buClr>
+              <a:buSzPct val="45000"/>
+              <a:buFont typeface="Wingdings" charset="2"/>
+              <a:buChar char=""/>
+            </a:pPr>
+            <a:r>
+              <a:rPr b="0" lang="en-US" sz="1800" strike="noStrike" u="none">
+                <a:solidFill>
+                  <a:srgbClr val="000000"/>
+                </a:solidFill>
+                <a:uFillTx/>
+                <a:latin typeface="Arial"/>
+              </a:rPr>
+              <a:t>Seventh Outline Level</a:t>
+            </a:r>
+            <a:endParaRPr b="0" lang="en-US" sz="1800" strike="noStrike" u="none">
+              <a:solidFill>
+                <a:srgbClr val="000000"/>
+              </a:solidFill>
+              <a:uFillTx/>
+              <a:latin typeface="Arial"/>
+            </a:endParaRPr>
+          </a:p>
+        </p:txBody>
+      </p:sp>
+      <p:sp>
+        <p:nvSpPr>
+          <p:cNvPr id="127" name="PlaceHolder 3"/>
+          <p:cNvSpPr>
+            <a:spLocks noGrp="1"/>
+          </p:cNvSpPr>
+          <p:nvPr>
+            <p:ph type="body"/>
+          </p:nvPr>
+        </p:nvSpPr>
+        <p:spPr>
+          <a:xfrm>
+            <a:off x="4674240" y="1203480"/>
+            <a:ext cx="4015440" cy="2982600"/>
+          </a:xfrm>
+          <a:prstGeom prst="rect">
+            <a:avLst/>
+          </a:prstGeom>
+          <a:noFill/>
+          <a:ln w="0">
+            <a:noFill/>
+          </a:ln>
+        </p:spPr>
+        <p:txBody>
+          <a:bodyPr lIns="0" rIns="0" tIns="0" bIns="0" anchor="t">
+            <a:normAutofit lnSpcReduction="9999"/>
+          </a:bodyPr>
+          <a:p>
+            <a:pPr marL="432000" indent="-324000">
+              <a:spcBef>
+                <a:spcPts val="1417"/>
+              </a:spcBef>
+              <a:buClr>
+                <a:srgbClr val="000000"/>
+              </a:buClr>
+              <a:buSzPct val="45000"/>
+              <a:buFont typeface="Wingdings" charset="2"/>
+              <a:buChar char=""/>
+            </a:pPr>
+            <a:r>
+              <a:rPr b="0" lang="en-US" sz="1800" strike="noStrike" u="none">
+                <a:solidFill>
+                  <a:srgbClr val="000000"/>
+                </a:solidFill>
+                <a:uFillTx/>
+                <a:latin typeface="Arial"/>
+              </a:rPr>
+              <a:t>Click to edit the outline text format</a:t>
+            </a:r>
+            <a:endParaRPr b="0" lang="en-US" sz="1800" strike="noStrike" u="none">
+              <a:solidFill>
+                <a:srgbClr val="000000"/>
+              </a:solidFill>
+              <a:uFillTx/>
+              <a:latin typeface="Arial"/>
+            </a:endParaRPr>
+          </a:p>
+          <a:p>
+            <a:pPr lvl="1" marL="864000" indent="-324000">
+              <a:spcBef>
+                <a:spcPts val="1134"/>
+              </a:spcBef>
+              <a:buClr>
+                <a:srgbClr val="000000"/>
+              </a:buClr>
+              <a:buSzPct val="75000"/>
+              <a:buFont typeface="Symbol" charset="2"/>
+              <a:buChar char=""/>
+            </a:pPr>
+            <a:r>
+              <a:rPr b="0" lang="en-US" sz="1800" strike="noStrike" u="none">
+                <a:solidFill>
+                  <a:srgbClr val="000000"/>
+                </a:solidFill>
+                <a:uFillTx/>
+                <a:latin typeface="Arial"/>
+              </a:rPr>
+              <a:t>Second Outline Level</a:t>
+            </a:r>
+            <a:endParaRPr b="0" lang="en-US" sz="1800" strike="noStrike" u="none">
+              <a:solidFill>
+                <a:srgbClr val="000000"/>
+              </a:solidFill>
+              <a:uFillTx/>
+              <a:latin typeface="Arial"/>
+            </a:endParaRPr>
+          </a:p>
+          <a:p>
+            <a:pPr lvl="2" marL="1296000" indent="-288000">
+              <a:spcBef>
+                <a:spcPts val="850"/>
+              </a:spcBef>
+              <a:buClr>
+                <a:srgbClr val="000000"/>
+              </a:buClr>
+              <a:buSzPct val="45000"/>
+              <a:buFont typeface="Wingdings" charset="2"/>
+              <a:buChar char=""/>
+            </a:pPr>
+            <a:r>
+              <a:rPr b="0" lang="en-US" sz="1800" strike="noStrike" u="none">
+                <a:solidFill>
+                  <a:srgbClr val="000000"/>
+                </a:solidFill>
+                <a:uFillTx/>
+                <a:latin typeface="Arial"/>
+              </a:rPr>
+              <a:t>Third Outline Level</a:t>
+            </a:r>
+            <a:endParaRPr b="0" lang="en-US" sz="1800" strike="noStrike" u="none">
+              <a:solidFill>
+                <a:srgbClr val="000000"/>
+              </a:solidFill>
+              <a:uFillTx/>
+              <a:latin typeface="Arial"/>
+            </a:endParaRPr>
+          </a:p>
+          <a:p>
+            <a:pPr lvl="3" marL="1728000" indent="-216000">
+              <a:spcBef>
+                <a:spcPts val="567"/>
+              </a:spcBef>
+              <a:buClr>
+                <a:srgbClr val="000000"/>
+              </a:buClr>
+              <a:buSzPct val="75000"/>
+              <a:buFont typeface="Symbol" charset="2"/>
+              <a:buChar char=""/>
+            </a:pPr>
+            <a:r>
+              <a:rPr b="0" lang="en-US" sz="1800" strike="noStrike" u="none">
+                <a:solidFill>
+                  <a:srgbClr val="000000"/>
+                </a:solidFill>
+                <a:uFillTx/>
+                <a:latin typeface="Arial"/>
+              </a:rPr>
+              <a:t>Fourth Outline Level</a:t>
+            </a:r>
+            <a:endParaRPr b="0" lang="en-US" sz="1800" strike="noStrike" u="none">
+              <a:solidFill>
+                <a:srgbClr val="000000"/>
+              </a:solidFill>
+              <a:uFillTx/>
+              <a:latin typeface="Arial"/>
+            </a:endParaRPr>
+          </a:p>
+          <a:p>
+            <a:pPr lvl="4" marL="2160000" indent="-216000">
+              <a:spcBef>
+                <a:spcPts val="283"/>
+              </a:spcBef>
+              <a:buClr>
+                <a:srgbClr val="000000"/>
+              </a:buClr>
+              <a:buSzPct val="45000"/>
+              <a:buFont typeface="Wingdings" charset="2"/>
+              <a:buChar char=""/>
+            </a:pPr>
+            <a:r>
+              <a:rPr b="0" lang="en-US" sz="1800" strike="noStrike" u="none">
+                <a:solidFill>
+                  <a:srgbClr val="000000"/>
+                </a:solidFill>
+                <a:uFillTx/>
+                <a:latin typeface="Arial"/>
+              </a:rPr>
+              <a:t>Fifth Outline Level</a:t>
+            </a:r>
+            <a:endParaRPr b="0" lang="en-US" sz="1800" strike="noStrike" u="none">
+              <a:solidFill>
+                <a:srgbClr val="000000"/>
+              </a:solidFill>
+              <a:uFillTx/>
+              <a:latin typeface="Arial"/>
+            </a:endParaRPr>
+          </a:p>
+          <a:p>
+            <a:pPr lvl="5" marL="2592000" indent="-216000">
+              <a:spcBef>
+                <a:spcPts val="283"/>
+              </a:spcBef>
+              <a:buClr>
+                <a:srgbClr val="000000"/>
+              </a:buClr>
+              <a:buSzPct val="45000"/>
+              <a:buFont typeface="Wingdings" charset="2"/>
+              <a:buChar char=""/>
+            </a:pPr>
+            <a:r>
+              <a:rPr b="0" lang="en-US" sz="1800" strike="noStrike" u="none">
+                <a:solidFill>
+                  <a:srgbClr val="000000"/>
+                </a:solidFill>
+                <a:uFillTx/>
+                <a:latin typeface="Arial"/>
+              </a:rPr>
+              <a:t>Sixth Outline Level</a:t>
+            </a:r>
+            <a:endParaRPr b="0" lang="en-US" sz="1800" strike="noStrike" u="none">
+              <a:solidFill>
+                <a:srgbClr val="000000"/>
+              </a:solidFill>
+              <a:uFillTx/>
+              <a:latin typeface="Arial"/>
+            </a:endParaRPr>
+          </a:p>
+          <a:p>
+            <a:pPr lvl="6" marL="3024000" indent="-216000">
+              <a:spcBef>
+                <a:spcPts val="283"/>
+              </a:spcBef>
+              <a:buClr>
+                <a:srgbClr val="000000"/>
+              </a:buClr>
+              <a:buSzPct val="45000"/>
+              <a:buFont typeface="Wingdings" charset="2"/>
+              <a:buChar char=""/>
+            </a:pPr>
+            <a:r>
+              <a:rPr b="0" lang="en-US" sz="1800" strike="noStrike" u="none">
+                <a:solidFill>
+                  <a:srgbClr val="000000"/>
+                </a:solidFill>
+                <a:uFillTx/>
+                <a:latin typeface="Arial"/>
+              </a:rPr>
+              <a:t>Seventh Outline Level</a:t>
+            </a:r>
+            <a:endParaRPr b="0" lang="en-US" sz="1800" strike="noStrike" u="none">
+              <a:solidFill>
+                <a:srgbClr val="000000"/>
+              </a:solidFill>
+              <a:uFillTx/>
+              <a:latin typeface="Arial"/>
+            </a:endParaRPr>
+          </a:p>
+        </p:txBody>
+      </p:sp>
+      <p:sp>
+        <p:nvSpPr>
+          <p:cNvPr id="128" name="PlaceHolder 4"/>
           <p:cNvSpPr>
             <a:spLocks noGrp="1"/>
           </p:cNvSpPr>
@@ -12904,7 +14233,7 @@
         <p:spPr>
           <a:xfrm>
             <a:off x="8472600" y="4663080"/>
-            <a:ext cx="544320" cy="389160"/>
+            <a:ext cx="543960" cy="388800"/>
           </a:xfrm>
           <a:prstGeom prst="rect">
             <a:avLst/>
@@ -12947,7 +14276,7 @@
                 <a:tab algn="l" pos="0"/>
               </a:tabLst>
             </a:pPr>
-            <a:fld id="{2703E520-9BAA-44E1-B20B-35B3EBCBD9C7}" type="slidenum">
+            <a:fld id="{6B9A61B8-5D7D-41FA-8A2B-BCB820FD6A28}" type="slidenum">
               <a:rPr b="0" lang="en" sz="1000" strike="noStrike" u="none">
                 <a:solidFill>
                   <a:schemeClr val="dk2"/>
@@ -12956,7 +14285,7 @@
                 <a:latin typeface="Arial"/>
                 <a:ea typeface="Arial"/>
               </a:rPr>
-              <a:t>1</a:t>
+              <a:t>&lt;number&gt;</a:t>
             </a:fld>
             <a:endParaRPr b="0" lang="en-US" sz="1000" strike="noStrike" u="none">
               <a:solidFill>
@@ -13003,7 +14332,58 @@
       </p:grpSpPr>
       <p:sp>
         <p:nvSpPr>
-          <p:cNvPr id="120" name="PlaceHolder 1"/>
+          <p:cNvPr id="132" name="PlaceHolder 1"/>
+          <p:cNvSpPr>
+            <a:spLocks noGrp="1"/>
+          </p:cNvSpPr>
+          <p:nvPr>
+            <p:ph type="title"/>
+          </p:nvPr>
+        </p:nvSpPr>
+        <p:spPr>
+          <a:xfrm>
+            <a:off x="457200" y="205200"/>
+            <a:ext cx="8228880" cy="858240"/>
+          </a:xfrm>
+          <a:prstGeom prst="rect">
+            <a:avLst/>
+          </a:prstGeom>
+          <a:noFill/>
+          <a:ln w="0">
+            <a:noFill/>
+          </a:ln>
+        </p:spPr>
+        <p:txBody>
+          <a:bodyPr lIns="0" rIns="0" tIns="0" bIns="0" anchor="ctr">
+            <a:noAutofit/>
+          </a:bodyPr>
+          <a:p>
+            <a:pPr indent="0">
+              <a:buNone/>
+            </a:pPr>
+            <a:r>
+              <a:rPr b="0" lang="en-US" sz="1800" strike="noStrike" u="none">
+                <a:solidFill>
+                  <a:srgbClr val="000000"/>
+                </a:solidFill>
+                <a:uFillTx/>
+                <a:latin typeface="Arial"/>
+              </a:rPr>
+              <a:t>Click to edit the title text format</a:t>
+            </a:r>
+            <a:endParaRPr b="0" lang="en-US" sz="1800" strike="noStrike" u="none">
+              <a:solidFill>
+                <a:srgbClr val="000000"/>
+              </a:solidFill>
+              <a:uFillTx/>
+              <a:latin typeface="Arial"/>
+            </a:endParaRPr>
+          </a:p>
+        </p:txBody>
+      </p:sp>
+      <p:sp>
+        <p:nvSpPr>
+          <p:cNvPr id="133" name="PlaceHolder 2"/>
           <p:cNvSpPr>
             <a:spLocks noGrp="1"/>
           </p:cNvSpPr>
@@ -13014,7 +14394,7 @@
         <p:spPr>
           <a:xfrm>
             <a:off x="8472600" y="4663080"/>
-            <a:ext cx="544320" cy="389160"/>
+            <a:ext cx="543960" cy="388800"/>
           </a:xfrm>
           <a:prstGeom prst="rect">
             <a:avLst/>
@@ -13057,7 +14437,7 @@
                 <a:tab algn="l" pos="0"/>
               </a:tabLst>
             </a:pPr>
-            <a:fld id="{43761D9B-4F1B-4DE2-91FE-841D001E85B6}" type="slidenum">
+            <a:fld id="{A1F09E06-630C-456E-AC4D-6BA29041BF28}" type="slidenum">
               <a:rPr b="0" lang="en" sz="1000" strike="noStrike" u="none">
                 <a:solidFill>
                   <a:schemeClr val="dk2"/>
@@ -13175,7 +14555,7 @@
         <p:spPr>
           <a:xfrm>
             <a:off x="8472600" y="4663080"/>
-            <a:ext cx="544320" cy="389160"/>
+            <a:ext cx="543960" cy="388800"/>
           </a:xfrm>
           <a:prstGeom prst="rect">
             <a:avLst/>
@@ -13218,7 +14598,7 @@
                 <a:tab algn="l" pos="0"/>
               </a:tabLst>
             </a:pPr>
-            <a:fld id="{F9A49CCD-851B-457B-AB06-444B2F2F13B0}" type="slidenum">
+            <a:fld id="{B626FF06-6CF0-40F3-9B25-AB02489AD863}" type="slidenum">
               <a:rPr b="0" lang="en" sz="1000" strike="noStrike" u="none">
                 <a:solidFill>
                   <a:schemeClr val="dk2"/>
@@ -13244,6 +14624,496 @@
   <p:clrMap bg1="lt1" tx1="dk1" bg2="lt2" tx2="dk2" accent1="accent1" accent2="accent2" accent3="accent3" accent4="accent4" accent5="accent5" accent6="accent6" hlink="hlink" folHlink="folHlink"/>
   <p:sldLayoutIdLst>
     <p:sldLayoutId id="2147483653" r:id="rId2"/>
+  </p:sldLayoutIdLst>
+</p:sldMaster>
+</file>
+
+<file path=ppt/slideMasters/slideMaster30.xml><?xml version="1.0" encoding="utf-8"?>
+<p:sldMaster xmlns:a="http://schemas.openxmlformats.org/drawingml/2006/main" xmlns:p="http://schemas.openxmlformats.org/presentationml/2006/main" xmlns:r="http://schemas.openxmlformats.org/officeDocument/2006/relationships" xmlns:p14="http://schemas.microsoft.com/office/powerpoint/2010/main" xmlns:p15="http://schemas.microsoft.com/office/powerpoint/2012/main" xmlns:mc="http://schemas.openxmlformats.org/markup-compatibility/2006">
+  <p:cSld>
+    <p:bg>
+      <p:bgPr>
+        <a:solidFill>
+          <a:schemeClr val="lt1"/>
+        </a:solidFill>
+      </p:bgPr>
+    </p:bg>
+    <p:spTree>
+      <p:nvGrpSpPr>
+        <p:cNvPr id="1" name=""/>
+        <p:cNvGrpSpPr/>
+        <p:nvPr/>
+      </p:nvGrpSpPr>
+      <p:grpSpPr>
+        <a:xfrm>
+          <a:off x="0" y="0"/>
+          <a:ext cx="0" cy="0"/>
+          <a:chOff x="0" y="0"/>
+          <a:chExt cx="0" cy="0"/>
+        </a:xfrm>
+      </p:grpSpPr>
+      <p:sp>
+        <p:nvSpPr>
+          <p:cNvPr id="135" name="PlaceHolder 1"/>
+          <p:cNvSpPr>
+            <a:spLocks noGrp="1"/>
+          </p:cNvSpPr>
+          <p:nvPr>
+            <p:ph type="sldNum" idx="30"/>
+          </p:nvPr>
+        </p:nvSpPr>
+        <p:spPr>
+          <a:xfrm>
+            <a:off x="8472600" y="4663080"/>
+            <a:ext cx="543960" cy="388800"/>
+          </a:xfrm>
+          <a:prstGeom prst="rect">
+            <a:avLst/>
+          </a:prstGeom>
+          <a:noFill/>
+          <a:ln w="0">
+            <a:noFill/>
+          </a:ln>
+        </p:spPr>
+        <p:txBody>
+          <a:bodyPr lIns="91440" rIns="91440" tIns="91440" bIns="91440" anchor="ctr">
+            <a:noAutofit/>
+          </a:bodyPr>
+          <a:lstStyle>
+            <a:lvl1pPr indent="0" algn="r">
+              <a:lnSpc>
+                <a:spcPct val="100000"/>
+              </a:lnSpc>
+              <a:buNone/>
+              <a:tabLst>
+                <a:tab algn="l" pos="0"/>
+              </a:tabLst>
+              <a:defRPr b="0" lang="en" sz="1000" strike="noStrike" u="none">
+                <a:solidFill>
+                  <a:schemeClr val="dk2"/>
+                </a:solidFill>
+                <a:uFillTx/>
+                <a:latin typeface="Arial"/>
+                <a:ea typeface="Arial"/>
+              </a:defRPr>
+            </a:lvl1pPr>
+          </a:lstStyle>
+          <a:p>
+            <a:pPr indent="0" algn="r">
+              <a:lnSpc>
+                <a:spcPct val="100000"/>
+              </a:lnSpc>
+              <a:buNone/>
+              <a:tabLst>
+                <a:tab algn="l" pos="0"/>
+              </a:tabLst>
+            </a:pPr>
+            <a:fld id="{B195FA97-62B7-4A3D-A928-E196EBC61A7A}" type="slidenum">
+              <a:rPr b="0" lang="en" sz="1000" strike="noStrike" u="none">
+                <a:solidFill>
+                  <a:schemeClr val="dk2"/>
+                </a:solidFill>
+                <a:uFillTx/>
+                <a:latin typeface="Arial"/>
+                <a:ea typeface="Arial"/>
+              </a:rPr>
+              <a:t>1</a:t>
+            </a:fld>
+            <a:endParaRPr b="0" lang="en-US" sz="1000" strike="noStrike" u="none">
+              <a:solidFill>
+                <a:srgbClr val="000000"/>
+              </a:solidFill>
+              <a:uFillTx/>
+              <a:latin typeface="Times New Roman"/>
+            </a:endParaRPr>
+          </a:p>
+        </p:txBody>
+      </p:sp>
+    </p:spTree>
+  </p:cSld>
+  <p:clrMap bg1="lt1" tx1="dk1" bg2="lt2" tx2="dk2" accent1="accent1" accent2="accent2" accent3="accent3" accent4="accent4" accent5="accent5" accent6="accent6" hlink="hlink" folHlink="folHlink"/>
+  <p:sldLayoutIdLst>
+    <p:sldLayoutId id="2147483711" r:id="rId2"/>
+  </p:sldLayoutIdLst>
+</p:sldMaster>
+</file>
+
+<file path=ppt/slideMasters/slideMaster31.xml><?xml version="1.0" encoding="utf-8"?>
+<p:sldMaster xmlns:a="http://schemas.openxmlformats.org/drawingml/2006/main" xmlns:p="http://schemas.openxmlformats.org/presentationml/2006/main" xmlns:r="http://schemas.openxmlformats.org/officeDocument/2006/relationships" xmlns:p14="http://schemas.microsoft.com/office/powerpoint/2010/main" xmlns:p15="http://schemas.microsoft.com/office/powerpoint/2012/main" xmlns:mc="http://schemas.openxmlformats.org/markup-compatibility/2006">
+  <p:cSld>
+    <p:bg>
+      <p:bgPr>
+        <a:solidFill>
+          <a:schemeClr val="lt1"/>
+        </a:solidFill>
+      </p:bgPr>
+    </p:bg>
+    <p:spTree>
+      <p:nvGrpSpPr>
+        <p:cNvPr id="1" name=""/>
+        <p:cNvGrpSpPr/>
+        <p:nvPr/>
+      </p:nvGrpSpPr>
+      <p:grpSpPr>
+        <a:xfrm>
+          <a:off x="0" y="0"/>
+          <a:ext cx="0" cy="0"/>
+          <a:chOff x="0" y="0"/>
+          <a:chExt cx="0" cy="0"/>
+        </a:xfrm>
+      </p:grpSpPr>
+      <p:sp>
+        <p:nvSpPr>
+          <p:cNvPr id="136" name="PlaceHolder 1"/>
+          <p:cNvSpPr>
+            <a:spLocks noGrp="1"/>
+          </p:cNvSpPr>
+          <p:nvPr>
+            <p:ph type="sldNum" idx="31"/>
+          </p:nvPr>
+        </p:nvSpPr>
+        <p:spPr>
+          <a:xfrm>
+            <a:off x="8472600" y="4663080"/>
+            <a:ext cx="543960" cy="388800"/>
+          </a:xfrm>
+          <a:prstGeom prst="rect">
+            <a:avLst/>
+          </a:prstGeom>
+          <a:noFill/>
+          <a:ln w="0">
+            <a:noFill/>
+          </a:ln>
+        </p:spPr>
+        <p:txBody>
+          <a:bodyPr lIns="91440" rIns="91440" tIns="91440" bIns="91440" anchor="ctr">
+            <a:noAutofit/>
+          </a:bodyPr>
+          <a:lstStyle>
+            <a:lvl1pPr indent="0" algn="r">
+              <a:lnSpc>
+                <a:spcPct val="100000"/>
+              </a:lnSpc>
+              <a:buNone/>
+              <a:tabLst>
+                <a:tab algn="l" pos="0"/>
+              </a:tabLst>
+              <a:defRPr b="0" lang="en" sz="1000" strike="noStrike" u="none">
+                <a:solidFill>
+                  <a:schemeClr val="dk2"/>
+                </a:solidFill>
+                <a:uFillTx/>
+                <a:latin typeface="Arial"/>
+                <a:ea typeface="Arial"/>
+              </a:defRPr>
+            </a:lvl1pPr>
+          </a:lstStyle>
+          <a:p>
+            <a:pPr indent="0" algn="r">
+              <a:lnSpc>
+                <a:spcPct val="100000"/>
+              </a:lnSpc>
+              <a:buNone/>
+              <a:tabLst>
+                <a:tab algn="l" pos="0"/>
+              </a:tabLst>
+            </a:pPr>
+            <a:fld id="{E1393AE0-EB40-476A-BA0D-CABEEA088F8B}" type="slidenum">
+              <a:rPr b="0" lang="en" sz="1000" strike="noStrike" u="none">
+                <a:solidFill>
+                  <a:schemeClr val="dk2"/>
+                </a:solidFill>
+                <a:uFillTx/>
+                <a:latin typeface="Arial"/>
+                <a:ea typeface="Arial"/>
+              </a:rPr>
+              <a:t>1</a:t>
+            </a:fld>
+            <a:endParaRPr b="0" lang="en-US" sz="1000" strike="noStrike" u="none">
+              <a:solidFill>
+                <a:srgbClr val="000000"/>
+              </a:solidFill>
+              <a:uFillTx/>
+              <a:latin typeface="Times New Roman"/>
+            </a:endParaRPr>
+          </a:p>
+        </p:txBody>
+      </p:sp>
+    </p:spTree>
+  </p:cSld>
+  <p:clrMap bg1="lt1" tx1="dk1" bg2="lt2" tx2="dk2" accent1="accent1" accent2="accent2" accent3="accent3" accent4="accent4" accent5="accent5" accent6="accent6" hlink="hlink" folHlink="folHlink"/>
+  <p:sldLayoutIdLst>
+    <p:sldLayoutId id="2147483713" r:id="rId2"/>
+  </p:sldLayoutIdLst>
+</p:sldMaster>
+</file>
+
+<file path=ppt/slideMasters/slideMaster32.xml><?xml version="1.0" encoding="utf-8"?>
+<p:sldMaster xmlns:a="http://schemas.openxmlformats.org/drawingml/2006/main" xmlns:p="http://schemas.openxmlformats.org/presentationml/2006/main" xmlns:r="http://schemas.openxmlformats.org/officeDocument/2006/relationships" xmlns:p14="http://schemas.microsoft.com/office/powerpoint/2010/main" xmlns:p15="http://schemas.microsoft.com/office/powerpoint/2012/main" xmlns:mc="http://schemas.openxmlformats.org/markup-compatibility/2006">
+  <p:cSld>
+    <p:bg>
+      <p:bgPr>
+        <a:solidFill>
+          <a:schemeClr val="lt1"/>
+        </a:solidFill>
+      </p:bgPr>
+    </p:bg>
+    <p:spTree>
+      <p:nvGrpSpPr>
+        <p:cNvPr id="1" name=""/>
+        <p:cNvGrpSpPr/>
+        <p:nvPr/>
+      </p:nvGrpSpPr>
+      <p:grpSpPr>
+        <a:xfrm>
+          <a:off x="0" y="0"/>
+          <a:ext cx="0" cy="0"/>
+          <a:chOff x="0" y="0"/>
+          <a:chExt cx="0" cy="0"/>
+        </a:xfrm>
+      </p:grpSpPr>
+      <p:sp>
+        <p:nvSpPr>
+          <p:cNvPr id="137" name="Google Shape;36;p9"/>
+          <p:cNvSpPr/>
+          <p:nvPr/>
+        </p:nvSpPr>
+        <p:spPr>
+          <a:xfrm>
+            <a:off x="4572000" y="0"/>
+            <a:ext cx="4567320" cy="5139000"/>
+          </a:xfrm>
+          <a:prstGeom prst="rect">
+            <a:avLst/>
+          </a:prstGeom>
+          <a:solidFill>
+            <a:schemeClr val="lt2"/>
+          </a:solidFill>
+          <a:ln w="0">
+            <a:noFill/>
+          </a:ln>
+        </p:spPr>
+        <p:style>
+          <a:lnRef idx="0"/>
+          <a:fillRef idx="0"/>
+          <a:effectRef idx="0"/>
+          <a:fontRef idx="minor"/>
+        </p:style>
+        <p:txBody>
+          <a:bodyPr lIns="90000" rIns="90000" tIns="91440" bIns="91440" anchor="ctr">
+            <a:noAutofit/>
+          </a:bodyPr>
+          <a:p>
+            <a:pPr>
+              <a:lnSpc>
+                <a:spcPct val="100000"/>
+              </a:lnSpc>
+              <a:tabLst>
+                <a:tab algn="l" pos="0"/>
+              </a:tabLst>
+            </a:pPr>
+            <a:endParaRPr b="0" lang="en-US" sz="1400" strike="noStrike" u="none">
+              <a:solidFill>
+                <a:srgbClr val="000000"/>
+              </a:solidFill>
+              <a:uFillTx/>
+              <a:latin typeface="Arial"/>
+            </a:endParaRPr>
+          </a:p>
+        </p:txBody>
+      </p:sp>
+      <p:sp>
+        <p:nvSpPr>
+          <p:cNvPr id="138" name="PlaceHolder 1"/>
+          <p:cNvSpPr>
+            <a:spLocks noGrp="1"/>
+          </p:cNvSpPr>
+          <p:nvPr>
+            <p:ph type="sldNum" idx="32"/>
+          </p:nvPr>
+        </p:nvSpPr>
+        <p:spPr>
+          <a:xfrm>
+            <a:off x="8472600" y="4663080"/>
+            <a:ext cx="543960" cy="388800"/>
+          </a:xfrm>
+          <a:prstGeom prst="rect">
+            <a:avLst/>
+          </a:prstGeom>
+          <a:noFill/>
+          <a:ln w="0">
+            <a:noFill/>
+          </a:ln>
+        </p:spPr>
+        <p:txBody>
+          <a:bodyPr lIns="91440" rIns="91440" tIns="91440" bIns="91440" anchor="ctr">
+            <a:noAutofit/>
+          </a:bodyPr>
+          <a:lstStyle>
+            <a:lvl1pPr indent="0" algn="r">
+              <a:lnSpc>
+                <a:spcPct val="100000"/>
+              </a:lnSpc>
+              <a:buNone/>
+              <a:tabLst>
+                <a:tab algn="l" pos="0"/>
+              </a:tabLst>
+              <a:defRPr b="0" lang="en" sz="1000" strike="noStrike" u="none">
+                <a:solidFill>
+                  <a:schemeClr val="dk2"/>
+                </a:solidFill>
+                <a:uFillTx/>
+                <a:latin typeface="Arial"/>
+                <a:ea typeface="Arial"/>
+              </a:defRPr>
+            </a:lvl1pPr>
+          </a:lstStyle>
+          <a:p>
+            <a:pPr indent="0" algn="r">
+              <a:lnSpc>
+                <a:spcPct val="100000"/>
+              </a:lnSpc>
+              <a:buNone/>
+              <a:tabLst>
+                <a:tab algn="l" pos="0"/>
+              </a:tabLst>
+            </a:pPr>
+            <a:fld id="{D876475E-F482-4F7F-B0E3-17A975305A61}" type="slidenum">
+              <a:rPr b="0" lang="en" sz="1000" strike="noStrike" u="none">
+                <a:solidFill>
+                  <a:schemeClr val="dk2"/>
+                </a:solidFill>
+                <a:uFillTx/>
+                <a:latin typeface="Arial"/>
+                <a:ea typeface="Arial"/>
+              </a:rPr>
+              <a:t>1</a:t>
+            </a:fld>
+            <a:endParaRPr b="0" lang="en-US" sz="1000" strike="noStrike" u="none">
+              <a:solidFill>
+                <a:srgbClr val="000000"/>
+              </a:solidFill>
+              <a:uFillTx/>
+              <a:latin typeface="Times New Roman"/>
+            </a:endParaRPr>
+          </a:p>
+        </p:txBody>
+      </p:sp>
+    </p:spTree>
+  </p:cSld>
+  <p:clrMap bg1="lt1" tx1="dk1" bg2="lt2" tx2="dk2" accent1="accent1" accent2="accent2" accent3="accent3" accent4="accent4" accent5="accent5" accent6="accent6" hlink="hlink" folHlink="folHlink"/>
+  <p:sldLayoutIdLst>
+    <p:sldLayoutId id="2147483715" r:id="rId2"/>
+  </p:sldLayoutIdLst>
+</p:sldMaster>
+</file>
+
+<file path=ppt/slideMasters/slideMaster33.xml><?xml version="1.0" encoding="utf-8"?>
+<p:sldMaster xmlns:a="http://schemas.openxmlformats.org/drawingml/2006/main" xmlns:p="http://schemas.openxmlformats.org/presentationml/2006/main" xmlns:r="http://schemas.openxmlformats.org/officeDocument/2006/relationships" xmlns:p14="http://schemas.microsoft.com/office/powerpoint/2010/main" xmlns:p15="http://schemas.microsoft.com/office/powerpoint/2012/main" xmlns:mc="http://schemas.openxmlformats.org/markup-compatibility/2006">
+  <p:cSld>
+    <p:bg>
+      <p:bgPr>
+        <a:solidFill>
+          <a:schemeClr val="lt1"/>
+        </a:solidFill>
+      </p:bgPr>
+    </p:bg>
+    <p:spTree>
+      <p:nvGrpSpPr>
+        <p:cNvPr id="1" name=""/>
+        <p:cNvGrpSpPr/>
+        <p:nvPr/>
+      </p:nvGrpSpPr>
+      <p:grpSpPr>
+        <a:xfrm>
+          <a:off x="0" y="0"/>
+          <a:ext cx="0" cy="0"/>
+          <a:chOff x="0" y="0"/>
+          <a:chExt cx="0" cy="0"/>
+        </a:xfrm>
+      </p:grpSpPr>
+      <p:sp>
+        <p:nvSpPr>
+          <p:cNvPr id="139" name="PlaceHolder 1"/>
+          <p:cNvSpPr>
+            <a:spLocks noGrp="1"/>
+          </p:cNvSpPr>
+          <p:nvPr>
+            <p:ph type="sldNum" idx="33"/>
+          </p:nvPr>
+        </p:nvSpPr>
+        <p:spPr>
+          <a:xfrm>
+            <a:off x="8472600" y="4663080"/>
+            <a:ext cx="543960" cy="388800"/>
+          </a:xfrm>
+          <a:prstGeom prst="rect">
+            <a:avLst/>
+          </a:prstGeom>
+          <a:noFill/>
+          <a:ln w="0">
+            <a:noFill/>
+          </a:ln>
+        </p:spPr>
+        <p:txBody>
+          <a:bodyPr lIns="91440" rIns="91440" tIns="91440" bIns="91440" anchor="ctr">
+            <a:noAutofit/>
+          </a:bodyPr>
+          <a:lstStyle>
+            <a:lvl1pPr indent="0" algn="r">
+              <a:lnSpc>
+                <a:spcPct val="100000"/>
+              </a:lnSpc>
+              <a:buNone/>
+              <a:tabLst>
+                <a:tab algn="l" pos="0"/>
+              </a:tabLst>
+              <a:defRPr b="0" lang="en" sz="1000" strike="noStrike" u="none">
+                <a:solidFill>
+                  <a:schemeClr val="dk2"/>
+                </a:solidFill>
+                <a:uFillTx/>
+                <a:latin typeface="Arial"/>
+                <a:ea typeface="Arial"/>
+              </a:defRPr>
+            </a:lvl1pPr>
+          </a:lstStyle>
+          <a:p>
+            <a:pPr indent="0" algn="r">
+              <a:lnSpc>
+                <a:spcPct val="100000"/>
+              </a:lnSpc>
+              <a:buNone/>
+              <a:tabLst>
+                <a:tab algn="l" pos="0"/>
+              </a:tabLst>
+            </a:pPr>
+            <a:fld id="{3249DF1A-CBD2-4FD8-80C8-D4BC04030183}" type="slidenum">
+              <a:rPr b="0" lang="en" sz="1000" strike="noStrike" u="none">
+                <a:solidFill>
+                  <a:schemeClr val="dk2"/>
+                </a:solidFill>
+                <a:uFillTx/>
+                <a:latin typeface="Arial"/>
+                <a:ea typeface="Arial"/>
+              </a:rPr>
+              <a:t>1</a:t>
+            </a:fld>
+            <a:endParaRPr b="0" lang="en-US" sz="1000" strike="noStrike" u="none">
+              <a:solidFill>
+                <a:srgbClr val="000000"/>
+              </a:solidFill>
+              <a:uFillTx/>
+              <a:latin typeface="Times New Roman"/>
+            </a:endParaRPr>
+          </a:p>
+        </p:txBody>
+      </p:sp>
+    </p:spTree>
+  </p:cSld>
+  <p:clrMap bg1="lt1" tx1="dk1" bg2="lt2" tx2="dk2" accent1="accent1" accent2="accent2" accent3="accent3" accent4="accent4" accent5="accent5" accent6="accent6" hlink="hlink" folHlink="folHlink"/>
+  <p:sldLayoutIdLst>
+    <p:sldLayoutId id="2147483717" r:id="rId2"/>
   </p:sldLayoutIdLst>
 </p:sldMaster>
 </file>
@@ -13336,7 +15206,7 @@
         <p:spPr>
           <a:xfrm>
             <a:off x="8472600" y="4663080"/>
-            <a:ext cx="544320" cy="389160"/>
+            <a:ext cx="543960" cy="388800"/>
           </a:xfrm>
           <a:prstGeom prst="rect">
             <a:avLst/>
@@ -13379,7 +15249,7 @@
                 <a:tab algn="l" pos="0"/>
               </a:tabLst>
             </a:pPr>
-            <a:fld id="{CB394231-41A4-4627-BA87-1709EC9AE6D4}" type="slidenum">
+            <a:fld id="{2FFDB04B-57C3-46C4-8B61-2C6C655E032C}" type="slidenum">
               <a:rPr b="0" lang="en" sz="1000" strike="noStrike" u="none">
                 <a:solidFill>
                   <a:schemeClr val="dk2"/>
@@ -13497,7 +15367,7 @@
         <p:spPr>
           <a:xfrm>
             <a:off x="8472600" y="4663080"/>
-            <a:ext cx="544320" cy="389160"/>
+            <a:ext cx="543960" cy="388800"/>
           </a:xfrm>
           <a:prstGeom prst="rect">
             <a:avLst/>
@@ -13540,7 +15410,7 @@
                 <a:tab algn="l" pos="0"/>
               </a:tabLst>
             </a:pPr>
-            <a:fld id="{6436CF94-9F98-493E-8B20-D453C6A42A8E}" type="slidenum">
+            <a:fld id="{46E57965-B864-4EA8-A858-4A3E136A55B5}" type="slidenum">
               <a:rPr b="0" lang="en" sz="1000" strike="noStrike" u="none">
                 <a:solidFill>
                   <a:schemeClr val="dk2"/>
@@ -14136,7 +16006,7 @@
         <p:spPr>
           <a:xfrm>
             <a:off x="8472600" y="4663080"/>
-            <a:ext cx="544320" cy="389160"/>
+            <a:ext cx="543960" cy="388800"/>
           </a:xfrm>
           <a:prstGeom prst="rect">
             <a:avLst/>
@@ -14179,7 +16049,7 @@
                 <a:tab algn="l" pos="0"/>
               </a:tabLst>
             </a:pPr>
-            <a:fld id="{043C2DBE-FFCF-41D6-920E-CD902C379DCF}" type="slidenum">
+            <a:fld id="{8C447341-DA1E-48D0-B870-46B45EF72094}" type="slidenum">
               <a:rPr b="0" lang="en" sz="1000" strike="noStrike" u="none">
                 <a:solidFill>
                   <a:schemeClr val="dk2"/>
@@ -14536,7 +16406,7 @@
         <p:spPr>
           <a:xfrm>
             <a:off x="8472600" y="4663080"/>
-            <a:ext cx="544320" cy="389160"/>
+            <a:ext cx="543960" cy="388800"/>
           </a:xfrm>
           <a:prstGeom prst="rect">
             <a:avLst/>
@@ -14579,7 +16449,7 @@
                 <a:tab algn="l" pos="0"/>
               </a:tabLst>
             </a:pPr>
-            <a:fld id="{6B5621A6-76A0-440E-B312-A50A94056B48}" type="slidenum">
+            <a:fld id="{69F3AC4E-3491-4907-BC77-D80ED78754CF}" type="slidenum">
               <a:rPr b="0" lang="en" sz="1000" strike="noStrike" u="none">
                 <a:solidFill>
                   <a:schemeClr val="dk2"/>
@@ -14697,7 +16567,7 @@
         <p:spPr>
           <a:xfrm>
             <a:off x="8472600" y="4663080"/>
-            <a:ext cx="544320" cy="389160"/>
+            <a:ext cx="543960" cy="388800"/>
           </a:xfrm>
           <a:prstGeom prst="rect">
             <a:avLst/>
@@ -14740,7 +16610,7 @@
                 <a:tab algn="l" pos="0"/>
               </a:tabLst>
             </a:pPr>
-            <a:fld id="{839BD459-A79D-41AB-8D1B-D6447F1B593F}" type="slidenum">
+            <a:fld id="{617D1551-49D4-4DF6-B229-5F322AA4CDCC}" type="slidenum">
               <a:rPr b="0" lang="en" sz="1000" strike="noStrike" u="none">
                 <a:solidFill>
                   <a:schemeClr val="dk2"/>
@@ -15097,7 +16967,7 @@
         <p:spPr>
           <a:xfrm>
             <a:off x="8472600" y="4663080"/>
-            <a:ext cx="544320" cy="389160"/>
+            <a:ext cx="543960" cy="388800"/>
           </a:xfrm>
           <a:prstGeom prst="rect">
             <a:avLst/>
@@ -15140,7 +17010,7 @@
                 <a:tab algn="l" pos="0"/>
               </a:tabLst>
             </a:pPr>
-            <a:fld id="{0C16A47D-B9CC-4EC8-AC3F-697DCEB97206}" type="slidenum">
+            <a:fld id="{AB1D5D1E-B293-4C7F-9A0D-826C0C77B8B9}" type="slidenum">
               <a:rPr b="0" lang="en" sz="1000" strike="noStrike" u="none">
                 <a:solidFill>
                   <a:schemeClr val="dk2"/>
@@ -15196,7 +17066,7 @@
       </p:grpSpPr>
       <p:sp>
         <p:nvSpPr>
-          <p:cNvPr id="127" name="PlaceHolder 1"/>
+          <p:cNvPr id="146" name="PlaceHolder 1"/>
           <p:cNvSpPr>
             <a:spLocks noGrp="1"/>
           </p:cNvSpPr>
@@ -15207,7 +17077,7 @@
         <p:spPr>
           <a:xfrm>
             <a:off x="834480" y="527400"/>
-            <a:ext cx="7470360" cy="1760760"/>
+            <a:ext cx="7470000" cy="1760400"/>
           </a:xfrm>
           <a:prstGeom prst="rect">
             <a:avLst/>
@@ -15274,14 +17144,14 @@
       </p:sp>
       <p:cxnSp>
         <p:nvCxnSpPr>
-          <p:cNvPr id="128" name="Google Shape;56;p13"/>
+          <p:cNvPr id="147" name="Google Shape;56;p13"/>
           <p:cNvCxnSpPr/>
           <p:nvPr/>
         </p:nvCxnSpPr>
         <p:spPr>
           <a:xfrm>
             <a:off x="204480" y="2304720"/>
-            <a:ext cx="8739360" cy="4680"/>
+            <a:ext cx="8739720" cy="5040"/>
           </a:xfrm>
           <a:prstGeom prst="straightConnector1">
             <a:avLst/>
@@ -15296,14 +17166,14 @@
       </p:cxnSp>
       <p:cxnSp>
         <p:nvCxnSpPr>
-          <p:cNvPr id="129" name="Google Shape;57;p13"/>
+          <p:cNvPr id="148" name="Google Shape;57;p13"/>
           <p:cNvCxnSpPr/>
           <p:nvPr/>
         </p:nvCxnSpPr>
         <p:spPr>
           <a:xfrm>
             <a:off x="204480" y="3948840"/>
-            <a:ext cx="8739360" cy="4680"/>
+            <a:ext cx="8739720" cy="5040"/>
           </a:xfrm>
           <a:prstGeom prst="straightConnector1">
             <a:avLst/>
@@ -15318,18 +17188,18 @@
       </p:cxnSp>
       <p:sp>
         <p:nvSpPr>
-          <p:cNvPr id="130" name="PlaceHolder 2"/>
+          <p:cNvPr id="149" name="PlaceHolder 2"/>
           <p:cNvSpPr>
             <a:spLocks noGrp="1"/>
           </p:cNvSpPr>
           <p:nvPr>
-            <p:ph type="sldNum" idx="33"/>
+            <p:ph type="sldNum" idx="37"/>
           </p:nvPr>
         </p:nvSpPr>
         <p:spPr>
           <a:xfrm>
             <a:off x="8472600" y="4663080"/>
-            <a:ext cx="544320" cy="389160"/>
+            <a:ext cx="543960" cy="388800"/>
           </a:xfrm>
           <a:prstGeom prst="rect">
             <a:avLst/>
@@ -15372,7 +17242,7 @@
                 <a:tab algn="l" pos="0"/>
               </a:tabLst>
             </a:pPr>
-            <a:fld id="{96CC5045-19F5-44A2-96F9-1011013E2D47}" type="slidenum">
+            <a:fld id="{5A32EEC2-706A-4746-BC1A-EB7AC2F69F52}" type="slidenum">
               <a:rPr b="0" lang="en" sz="1000" strike="noStrike" u="none">
                 <a:solidFill>
                   <a:schemeClr val="dk2"/>
@@ -15395,14 +17265,14 @@
       </p:sp>
       <p:sp>
         <p:nvSpPr>
-          <p:cNvPr id="131" name="Google Shape;59;p13"/>
+          <p:cNvPr id="150" name="Google Shape;59;p13"/>
           <p:cNvSpPr/>
           <p:nvPr/>
         </p:nvSpPr>
         <p:spPr>
           <a:xfrm>
             <a:off x="1946880" y="2244240"/>
-            <a:ext cx="5246280" cy="1668600"/>
+            <a:ext cx="5245920" cy="1668600"/>
           </a:xfrm>
           <a:prstGeom prst="rect">
             <a:avLst/>
@@ -15510,14 +17380,14 @@
       </p:sp>
       <p:sp>
         <p:nvSpPr>
-          <p:cNvPr id="132" name="Google Shape;60;p13"/>
+          <p:cNvPr id="151" name="Google Shape;60;p13"/>
           <p:cNvSpPr/>
           <p:nvPr/>
         </p:nvSpPr>
         <p:spPr>
           <a:xfrm>
             <a:off x="3071880" y="3948480"/>
-            <a:ext cx="2995560" cy="1051200"/>
+            <a:ext cx="2995200" cy="1051200"/>
           </a:xfrm>
           <a:prstGeom prst="rect">
             <a:avLst/>
@@ -15613,7 +17483,7 @@
       </p:grpSpPr>
       <p:sp>
         <p:nvSpPr>
-          <p:cNvPr id="204" name="PlaceHolder 1"/>
+          <p:cNvPr id="223" name="PlaceHolder 1"/>
           <p:cNvSpPr>
             <a:spLocks noGrp="1"/>
           </p:cNvSpPr>
@@ -15624,7 +17494,7 @@
         <p:spPr>
           <a:xfrm>
             <a:off x="1487160" y="171360"/>
-            <a:ext cx="6163200" cy="918720"/>
+            <a:ext cx="6162840" cy="918360"/>
           </a:xfrm>
           <a:prstGeom prst="rect">
             <a:avLst/>
@@ -15671,7 +17541,7 @@
       </p:sp>
       <p:sp>
         <p:nvSpPr>
-          <p:cNvPr id="205" name="PlaceHolder 2"/>
+          <p:cNvPr id="224" name="PlaceHolder 2"/>
           <p:cNvSpPr>
             <a:spLocks noGrp="1"/>
           </p:cNvSpPr>
@@ -15682,7 +17552,7 @@
         <p:spPr>
           <a:xfrm>
             <a:off x="343080" y="390600"/>
-            <a:ext cx="8388360" cy="3961440"/>
+            <a:ext cx="8388000" cy="3961080"/>
           </a:xfrm>
           <a:prstGeom prst="rect">
             <a:avLst/>
@@ -15813,7 +17683,7 @@
                 <a:latin typeface="Times New Roman"/>
                 <a:ea typeface="Times New Roman"/>
               </a:rPr>
-              <a:t>Non-mapped executable memory</a:t>
+              <a:t>Mapped non-executable memory</a:t>
             </a:r>
             <a:endParaRPr b="0" lang="en-US" sz="2200" strike="noStrike" u="none">
               <a:solidFill>
@@ -15850,7 +17720,7 @@
                 <a:latin typeface="Times New Roman"/>
                 <a:ea typeface="Times New Roman"/>
               </a:rPr>
-              <a:t>Failed fetch leaves I-cache unaffected</a:t>
+              <a:t>Adversary can trigger a data load</a:t>
             </a:r>
             <a:endParaRPr b="0" lang="en-US" sz="2100" strike="noStrike" u="none">
               <a:solidFill>
@@ -15887,7 +17757,7 @@
                 <a:latin typeface="Times New Roman"/>
                 <a:ea typeface="Times New Roman"/>
               </a:rPr>
-              <a:t>Adversary can trigger a data load</a:t>
+              <a:t>Requires a disclosure gadget</a:t>
             </a:r>
             <a:endParaRPr b="0" lang="en-US" sz="2100" strike="noStrike" u="none">
               <a:solidFill>
@@ -15924,7 +17794,7 @@
                 <a:latin typeface="Times New Roman"/>
                 <a:ea typeface="Times New Roman"/>
               </a:rPr>
-              <a:t>Requires a disclosure gadget</a:t>
+              <a:t>Failed fetch leaves I-cache unaffected</a:t>
             </a:r>
             <a:endParaRPr b="0" lang="en-US" sz="2100" strike="noStrike" u="none">
               <a:solidFill>
@@ -16011,14 +17881,14 @@
       </p:sp>
       <p:cxnSp>
         <p:nvCxnSpPr>
-          <p:cNvPr id="206" name="Google Shape;68;p 9"/>
+          <p:cNvPr id="225" name="Google Shape;68;p 9"/>
           <p:cNvCxnSpPr/>
           <p:nvPr/>
         </p:nvCxnSpPr>
         <p:spPr>
           <a:xfrm>
             <a:off x="204480" y="721440"/>
-            <a:ext cx="8739360" cy="4680"/>
+            <a:ext cx="8739720" cy="5040"/>
           </a:xfrm>
           <a:prstGeom prst="straightConnector1">
             <a:avLst/>
@@ -16033,18 +17903,18 @@
       </p:cxnSp>
       <p:sp>
         <p:nvSpPr>
-          <p:cNvPr id="207" name="PlaceHolder 3"/>
+          <p:cNvPr id="226" name="PlaceHolder 3"/>
           <p:cNvSpPr>
             <a:spLocks noGrp="1"/>
           </p:cNvSpPr>
           <p:nvPr>
-            <p:ph type="sldNum" idx="42"/>
+            <p:ph type="sldNum" idx="46"/>
           </p:nvPr>
         </p:nvSpPr>
         <p:spPr>
           <a:xfrm>
             <a:off x="8472600" y="4633560"/>
-            <a:ext cx="544320" cy="389160"/>
+            <a:ext cx="543960" cy="388800"/>
           </a:xfrm>
           <a:prstGeom prst="rect">
             <a:avLst/>
@@ -16087,7 +17957,7 @@
                 <a:tab algn="l" pos="0"/>
               </a:tabLst>
             </a:pPr>
-            <a:fld id="{F1D64365-91FC-4779-982A-2177CE7B8CC5}" type="slidenum">
+            <a:fld id="{BA59AF96-AEAF-4119-B6FE-31ECFA5D2090}" type="slidenum">
               <a:rPr b="0" lang="en" sz="1000" strike="noStrike" u="none">
                 <a:solidFill>
                   <a:schemeClr val="dk2"/>
@@ -16096,7 +17966,7 @@
                 <a:latin typeface="Arial"/>
                 <a:ea typeface="Arial"/>
               </a:rPr>
-              <a:t>10</a:t>
+              <a:t>&lt;number&gt;</a:t>
             </a:fld>
             <a:endParaRPr b="0" lang="en-US" sz="1000" strike="noStrike" u="none">
               <a:solidFill>
@@ -16110,14 +17980,14 @@
       </p:sp>
       <p:sp>
         <p:nvSpPr>
-          <p:cNvPr id="208" name=""/>
+          <p:cNvPr id="227" name=""/>
           <p:cNvSpPr/>
           <p:nvPr/>
         </p:nvSpPr>
         <p:spPr>
           <a:xfrm>
             <a:off x="415080" y="1612800"/>
-            <a:ext cx="8128080" cy="2971800"/>
+            <a:ext cx="8127720" cy="2971440"/>
           </a:xfrm>
           <a:prstGeom prst="rect">
             <a:avLst/>
@@ -16158,14 +18028,14 @@
       </p:sp>
       <p:sp>
         <p:nvSpPr>
-          <p:cNvPr id="209" name=""/>
+          <p:cNvPr id="228" name=""/>
           <p:cNvSpPr/>
           <p:nvPr/>
         </p:nvSpPr>
         <p:spPr>
           <a:xfrm>
             <a:off x="6242400" y="1636200"/>
-            <a:ext cx="2970360" cy="596520"/>
+            <a:ext cx="2970000" cy="596160"/>
           </a:xfrm>
           <a:prstGeom prst="rect">
             <a:avLst/>
@@ -16250,7 +18120,7 @@
       </p:grpSpPr>
       <p:sp>
         <p:nvSpPr>
-          <p:cNvPr id="210" name="PlaceHolder 1"/>
+          <p:cNvPr id="229" name="PlaceHolder 1"/>
           <p:cNvSpPr>
             <a:spLocks noGrp="1"/>
           </p:cNvSpPr>
@@ -16261,7 +18131,7 @@
         <p:spPr>
           <a:xfrm>
             <a:off x="1487160" y="171360"/>
-            <a:ext cx="6163200" cy="918720"/>
+            <a:ext cx="6162840" cy="918360"/>
           </a:xfrm>
           <a:prstGeom prst="rect">
             <a:avLst/>
@@ -16308,7 +18178,7 @@
       </p:sp>
       <p:sp>
         <p:nvSpPr>
-          <p:cNvPr id="211" name="PlaceHolder 2"/>
+          <p:cNvPr id="230" name="PlaceHolder 2"/>
           <p:cNvSpPr>
             <a:spLocks noGrp="1"/>
           </p:cNvSpPr>
@@ -16319,7 +18189,7 @@
         <p:spPr>
           <a:xfrm>
             <a:off x="343080" y="606600"/>
-            <a:ext cx="8388360" cy="3961440"/>
+            <a:ext cx="8388000" cy="3961080"/>
           </a:xfrm>
           <a:prstGeom prst="rect">
             <a:avLst/>
@@ -16465,14 +18335,14 @@
       </p:sp>
       <p:cxnSp>
         <p:nvCxnSpPr>
-          <p:cNvPr id="212" name="Google Shape;68;p 10"/>
+          <p:cNvPr id="231" name="Google Shape;68;p 10"/>
           <p:cNvCxnSpPr/>
           <p:nvPr/>
         </p:nvCxnSpPr>
         <p:spPr>
           <a:xfrm>
             <a:off x="204480" y="721440"/>
-            <a:ext cx="8739360" cy="4680"/>
+            <a:ext cx="8739720" cy="5040"/>
           </a:xfrm>
           <a:prstGeom prst="straightConnector1">
             <a:avLst/>
@@ -16487,18 +18357,18 @@
       </p:cxnSp>
       <p:sp>
         <p:nvSpPr>
-          <p:cNvPr id="213" name="PlaceHolder 3"/>
+          <p:cNvPr id="232" name="PlaceHolder 3"/>
           <p:cNvSpPr>
             <a:spLocks noGrp="1"/>
           </p:cNvSpPr>
           <p:nvPr>
-            <p:ph type="sldNum" idx="43"/>
+            <p:ph type="sldNum" idx="47"/>
           </p:nvPr>
         </p:nvSpPr>
         <p:spPr>
           <a:xfrm>
             <a:off x="8472600" y="4633560"/>
-            <a:ext cx="544320" cy="389160"/>
+            <a:ext cx="543960" cy="388800"/>
           </a:xfrm>
           <a:prstGeom prst="rect">
             <a:avLst/>
@@ -16541,7 +18411,7 @@
                 <a:tab algn="l" pos="0"/>
               </a:tabLst>
             </a:pPr>
-            <a:fld id="{A1C18CD5-E6E5-447A-B651-1997BED50EB7}" type="slidenum">
+            <a:fld id="{1D69B408-209D-4E73-A5D9-8FB65EECC9D5}" type="slidenum">
               <a:rPr b="0" lang="en" sz="1000" strike="noStrike" u="none">
                 <a:solidFill>
                   <a:schemeClr val="dk2"/>
@@ -16550,7 +18420,7 @@
                 <a:latin typeface="Arial"/>
                 <a:ea typeface="Arial"/>
               </a:rPr>
-              <a:t>11</a:t>
+              <a:t>&lt;number&gt;</a:t>
             </a:fld>
             <a:endParaRPr b="0" lang="en-US" sz="1000" strike="noStrike" u="none">
               <a:solidFill>
@@ -16594,7 +18464,7 @@
       </p:grpSpPr>
       <p:sp>
         <p:nvSpPr>
-          <p:cNvPr id="214" name="PlaceHolder 1"/>
+          <p:cNvPr id="233" name="PlaceHolder 1"/>
           <p:cNvSpPr>
             <a:spLocks noGrp="1"/>
           </p:cNvSpPr>
@@ -16605,7 +18475,7 @@
         <p:spPr>
           <a:xfrm>
             <a:off x="1487160" y="171360"/>
-            <a:ext cx="6163200" cy="918720"/>
+            <a:ext cx="6162840" cy="918360"/>
           </a:xfrm>
           <a:prstGeom prst="rect">
             <a:avLst/>
@@ -16652,7 +18522,7 @@
       </p:sp>
       <p:sp>
         <p:nvSpPr>
-          <p:cNvPr id="215" name="PlaceHolder 2"/>
+          <p:cNvPr id="234" name="PlaceHolder 2"/>
           <p:cNvSpPr>
             <a:spLocks noGrp="1"/>
           </p:cNvSpPr>
@@ -16663,7 +18533,7 @@
         <p:spPr>
           <a:xfrm>
             <a:off x="343080" y="606600"/>
-            <a:ext cx="8388360" cy="4421520"/>
+            <a:ext cx="8388000" cy="4421160"/>
           </a:xfrm>
           <a:prstGeom prst="rect">
             <a:avLst/>
@@ -16758,7 +18628,7 @@
                 <a:latin typeface="Times New Roman"/>
                 <a:ea typeface="Times New Roman"/>
               </a:rPr>
-              <a:t>Can be in 1 of 488 possible locations</a:t>
+              <a:t>Can be randomly placed in 1 of 488 possible locations</a:t>
             </a:r>
             <a:endParaRPr b="0" lang="en-US" sz="2000" strike="noStrike" u="none">
               <a:solidFill>
@@ -16882,14 +18752,14 @@
       </p:sp>
       <p:cxnSp>
         <p:nvCxnSpPr>
-          <p:cNvPr id="216" name="Google Shape;68;p 11"/>
+          <p:cNvPr id="235" name="Google Shape;68;p 11"/>
           <p:cNvCxnSpPr/>
           <p:nvPr/>
         </p:nvCxnSpPr>
         <p:spPr>
           <a:xfrm>
             <a:off x="204480" y="721440"/>
-            <a:ext cx="8739360" cy="4680"/>
+            <a:ext cx="8739720" cy="5040"/>
           </a:xfrm>
           <a:prstGeom prst="straightConnector1">
             <a:avLst/>
@@ -16904,18 +18774,18 @@
       </p:cxnSp>
       <p:sp>
         <p:nvSpPr>
-          <p:cNvPr id="217" name="PlaceHolder 3"/>
+          <p:cNvPr id="236" name="PlaceHolder 3"/>
           <p:cNvSpPr>
             <a:spLocks noGrp="1"/>
           </p:cNvSpPr>
           <p:nvPr>
-            <p:ph type="sldNum" idx="44"/>
+            <p:ph type="sldNum" idx="48"/>
           </p:nvPr>
         </p:nvSpPr>
         <p:spPr>
           <a:xfrm>
             <a:off x="8472600" y="4633560"/>
-            <a:ext cx="544320" cy="389160"/>
+            <a:ext cx="543960" cy="388800"/>
           </a:xfrm>
           <a:prstGeom prst="rect">
             <a:avLst/>
@@ -16958,7 +18828,7 @@
                 <a:tab algn="l" pos="0"/>
               </a:tabLst>
             </a:pPr>
-            <a:fld id="{5403C948-4DE2-42C6-9FCB-794B9689D0A2}" type="slidenum">
+            <a:fld id="{1900C6C4-B74E-41D5-A813-6422EB69BF41}" type="slidenum">
               <a:rPr b="0" lang="en" sz="1000" strike="noStrike" u="none">
                 <a:solidFill>
                   <a:schemeClr val="dk2"/>
@@ -16967,7 +18837,7 @@
                 <a:latin typeface="Arial"/>
                 <a:ea typeface="Arial"/>
               </a:rPr>
-              <a:t>12</a:t>
+              <a:t>&lt;number&gt;</a:t>
             </a:fld>
             <a:endParaRPr b="0" lang="en-US" sz="1000" strike="noStrike" u="none">
               <a:solidFill>
@@ -16981,7 +18851,7 @@
       </p:sp>
       <p:pic>
         <p:nvPicPr>
-          <p:cNvPr id="218" name="" descr=""/>
+          <p:cNvPr id="237" name="" descr=""/>
           <p:cNvPicPr/>
           <p:nvPr/>
         </p:nvPicPr>
@@ -16992,7 +18862,7 @@
         <p:spPr>
           <a:xfrm>
             <a:off x="1153800" y="3886200"/>
-            <a:ext cx="3060720" cy="913320"/>
+            <a:ext cx="3060360" cy="912960"/>
           </a:xfrm>
           <a:prstGeom prst="rect">
             <a:avLst/>
@@ -17004,7 +18874,7 @@
       </p:pic>
       <p:pic>
         <p:nvPicPr>
-          <p:cNvPr id="219" name="" descr=""/>
+          <p:cNvPr id="238" name="" descr=""/>
           <p:cNvPicPr/>
           <p:nvPr/>
         </p:nvPicPr>
@@ -17015,7 +18885,7 @@
         <p:spPr>
           <a:xfrm>
             <a:off x="4692600" y="3868920"/>
-            <a:ext cx="3233520" cy="803520"/>
+            <a:ext cx="3233160" cy="803160"/>
           </a:xfrm>
           <a:prstGeom prst="rect">
             <a:avLst/>
@@ -17027,14 +18897,14 @@
       </p:pic>
       <p:sp>
         <p:nvSpPr>
-          <p:cNvPr id="220" name=""/>
+          <p:cNvPr id="239" name=""/>
           <p:cNvSpPr/>
           <p:nvPr/>
         </p:nvSpPr>
         <p:spPr>
           <a:xfrm>
             <a:off x="907560" y="4758120"/>
-            <a:ext cx="3427200" cy="383760"/>
+            <a:ext cx="3426840" cy="383400"/>
           </a:xfrm>
           <a:prstGeom prst="rect">
             <a:avLst/>
@@ -17082,14 +18952,14 @@
       </p:sp>
       <p:sp>
         <p:nvSpPr>
-          <p:cNvPr id="221" name=""/>
+          <p:cNvPr id="240" name=""/>
           <p:cNvSpPr/>
           <p:nvPr/>
         </p:nvSpPr>
         <p:spPr>
           <a:xfrm>
             <a:off x="4651560" y="4758120"/>
-            <a:ext cx="3427200" cy="383760"/>
+            <a:ext cx="3426840" cy="383400"/>
           </a:xfrm>
           <a:prstGeom prst="rect">
             <a:avLst/>
@@ -17167,7 +19037,7 @@
       </p:grpSpPr>
       <p:sp>
         <p:nvSpPr>
-          <p:cNvPr id="222" name="PlaceHolder 1"/>
+          <p:cNvPr id="241" name="PlaceHolder 1"/>
           <p:cNvSpPr>
             <a:spLocks noGrp="1"/>
           </p:cNvSpPr>
@@ -17178,7 +19048,7 @@
         <p:spPr>
           <a:xfrm>
             <a:off x="1487160" y="171360"/>
-            <a:ext cx="6163200" cy="918720"/>
+            <a:ext cx="6162840" cy="918360"/>
           </a:xfrm>
           <a:prstGeom prst="rect">
             <a:avLst/>
@@ -17225,7 +19095,7 @@
       </p:sp>
       <p:sp>
         <p:nvSpPr>
-          <p:cNvPr id="223" name="PlaceHolder 2"/>
+          <p:cNvPr id="242" name="PlaceHolder 2"/>
           <p:cNvSpPr>
             <a:spLocks noGrp="1"/>
           </p:cNvSpPr>
@@ -17236,7 +19106,7 @@
         <p:spPr>
           <a:xfrm>
             <a:off x="343080" y="606600"/>
-            <a:ext cx="8388360" cy="3961440"/>
+            <a:ext cx="8388000" cy="3961080"/>
           </a:xfrm>
           <a:prstGeom prst="rect">
             <a:avLst/>
@@ -17368,7 +19238,7 @@
                 <a:latin typeface="Times New Roman"/>
                 <a:ea typeface="Times New Roman"/>
               </a:rPr>
-              <a:t>Create a guess of the physical address of a virtual address</a:t>
+              <a:t>Create a guess of the physical address of a virtual address in the user program</a:t>
             </a:r>
             <a:endParaRPr b="0" lang="en-US" sz="2400" strike="noStrike" u="none">
               <a:solidFill>
@@ -17405,7 +19275,7 @@
                 <a:latin typeface="Times New Roman"/>
                 <a:ea typeface="Times New Roman"/>
               </a:rPr>
-              <a:t>Pass the pair to a system call and verify if the guess was correct</a:t>
+              <a:t>Pass the pair to a system call and verify if the guess was correct using Flush+Reload</a:t>
             </a:r>
             <a:endParaRPr b="0" lang="en-US" sz="2400" strike="noStrike" u="none">
               <a:solidFill>
@@ -17456,14 +19326,14 @@
       </p:sp>
       <p:cxnSp>
         <p:nvCxnSpPr>
-          <p:cNvPr id="224" name="Google Shape;68;p 5"/>
+          <p:cNvPr id="243" name="Google Shape;68;p 5"/>
           <p:cNvCxnSpPr/>
           <p:nvPr/>
         </p:nvCxnSpPr>
         <p:spPr>
           <a:xfrm>
             <a:off x="204480" y="721440"/>
-            <a:ext cx="8739360" cy="4680"/>
+            <a:ext cx="8739720" cy="5040"/>
           </a:xfrm>
           <a:prstGeom prst="straightConnector1">
             <a:avLst/>
@@ -17478,18 +19348,18 @@
       </p:cxnSp>
       <p:sp>
         <p:nvSpPr>
-          <p:cNvPr id="225" name="PlaceHolder 3"/>
+          <p:cNvPr id="244" name="PlaceHolder 3"/>
           <p:cNvSpPr>
             <a:spLocks noGrp="1"/>
           </p:cNvSpPr>
           <p:nvPr>
-            <p:ph type="sldNum" idx="45"/>
+            <p:ph type="sldNum" idx="49"/>
           </p:nvPr>
         </p:nvSpPr>
         <p:spPr>
           <a:xfrm>
             <a:off x="8472600" y="4633560"/>
-            <a:ext cx="544320" cy="389160"/>
+            <a:ext cx="543960" cy="388800"/>
           </a:xfrm>
           <a:prstGeom prst="rect">
             <a:avLst/>
@@ -17532,7 +19402,7 @@
                 <a:tab algn="l" pos="0"/>
               </a:tabLst>
             </a:pPr>
-            <a:fld id="{D3281917-79EE-46C0-9869-58897AB30AE6}" type="slidenum">
+            <a:fld id="{5112BECA-0C08-4FAE-8605-0D0399FD8F44}" type="slidenum">
               <a:rPr b="0" lang="en" sz="1000" strike="noStrike" u="none">
                 <a:solidFill>
                   <a:schemeClr val="dk2"/>
@@ -17541,7 +19411,7 @@
                 <a:latin typeface="Arial"/>
                 <a:ea typeface="Arial"/>
               </a:rPr>
-              <a:t>13</a:t>
+              <a:t>&lt;number&gt;</a:t>
             </a:fld>
             <a:endParaRPr b="0" lang="en-US" sz="1000" strike="noStrike" u="none">
               <a:solidFill>
@@ -17585,7 +19455,7 @@
       </p:grpSpPr>
       <p:sp>
         <p:nvSpPr>
-          <p:cNvPr id="226" name="PlaceHolder 1"/>
+          <p:cNvPr id="245" name="PlaceHolder 1"/>
           <p:cNvSpPr>
             <a:spLocks noGrp="1"/>
           </p:cNvSpPr>
@@ -17596,7 +19466,7 @@
         <p:spPr>
           <a:xfrm>
             <a:off x="1487160" y="171360"/>
-            <a:ext cx="6163200" cy="918720"/>
+            <a:ext cx="6162840" cy="918360"/>
           </a:xfrm>
           <a:prstGeom prst="rect">
             <a:avLst/>
@@ -17643,7 +19513,7 @@
       </p:sp>
       <p:sp>
         <p:nvSpPr>
-          <p:cNvPr id="227" name="PlaceHolder 2"/>
+          <p:cNvPr id="246" name="PlaceHolder 2"/>
           <p:cNvSpPr>
             <a:spLocks noGrp="1"/>
           </p:cNvSpPr>
@@ -17654,7 +19524,7 @@
         <p:spPr>
           <a:xfrm>
             <a:off x="343080" y="426600"/>
-            <a:ext cx="8388360" cy="4602600"/>
+            <a:ext cx="8388000" cy="4602240"/>
           </a:xfrm>
           <a:prstGeom prst="rect">
             <a:avLst/>
@@ -17984,14 +19854,14 @@
       </p:sp>
       <p:cxnSp>
         <p:nvCxnSpPr>
-          <p:cNvPr id="228" name="Google Shape;68;p 12"/>
+          <p:cNvPr id="247" name="Google Shape;68;p 12"/>
           <p:cNvCxnSpPr/>
           <p:nvPr/>
         </p:nvCxnSpPr>
         <p:spPr>
           <a:xfrm>
             <a:off x="204480" y="721440"/>
-            <a:ext cx="8739360" cy="4680"/>
+            <a:ext cx="8739720" cy="5040"/>
           </a:xfrm>
           <a:prstGeom prst="straightConnector1">
             <a:avLst/>
@@ -18006,18 +19876,18 @@
       </p:cxnSp>
       <p:sp>
         <p:nvSpPr>
-          <p:cNvPr id="229" name="PlaceHolder 3"/>
+          <p:cNvPr id="248" name="PlaceHolder 3"/>
           <p:cNvSpPr>
             <a:spLocks noGrp="1"/>
           </p:cNvSpPr>
           <p:nvPr>
-            <p:ph type="sldNum" idx="46"/>
+            <p:ph type="sldNum" idx="50"/>
           </p:nvPr>
         </p:nvSpPr>
         <p:spPr>
           <a:xfrm>
             <a:off x="8472600" y="4633560"/>
-            <a:ext cx="544320" cy="389160"/>
+            <a:ext cx="543960" cy="388800"/>
           </a:xfrm>
           <a:prstGeom prst="rect">
             <a:avLst/>
@@ -18060,7 +19930,7 @@
                 <a:tab algn="l" pos="0"/>
               </a:tabLst>
             </a:pPr>
-            <a:fld id="{0891224B-7FA6-4766-AE88-1B1A844656BB}" type="slidenum">
+            <a:fld id="{20CF4861-15A9-47E9-895B-33ABC798A8AB}" type="slidenum">
               <a:rPr b="0" lang="en" sz="1000" strike="noStrike" u="none">
                 <a:solidFill>
                   <a:schemeClr val="dk2"/>
@@ -18069,7 +19939,7 @@
                 <a:latin typeface="Arial"/>
                 <a:ea typeface="Arial"/>
               </a:rPr>
-              <a:t>14</a:t>
+              <a:t>&lt;number&gt;</a:t>
             </a:fld>
             <a:endParaRPr b="0" lang="en-US" sz="1000" strike="noStrike" u="none">
               <a:solidFill>
@@ -18113,7 +19983,7 @@
       </p:grpSpPr>
       <p:sp>
         <p:nvSpPr>
-          <p:cNvPr id="230" name="PlaceHolder 1"/>
+          <p:cNvPr id="249" name="PlaceHolder 1"/>
           <p:cNvSpPr>
             <a:spLocks noGrp="1"/>
           </p:cNvSpPr>
@@ -18124,7 +19994,7 @@
         <p:spPr>
           <a:xfrm>
             <a:off x="1487160" y="171360"/>
-            <a:ext cx="6163200" cy="918720"/>
+            <a:ext cx="6162840" cy="918360"/>
           </a:xfrm>
           <a:prstGeom prst="rect">
             <a:avLst/>
@@ -18171,7 +20041,7 @@
       </p:sp>
       <p:sp>
         <p:nvSpPr>
-          <p:cNvPr id="231" name="PlaceHolder 2"/>
+          <p:cNvPr id="250" name="PlaceHolder 2"/>
           <p:cNvSpPr>
             <a:spLocks noGrp="1"/>
           </p:cNvSpPr>
@@ -18182,7 +20052,7 @@
         <p:spPr>
           <a:xfrm>
             <a:off x="343080" y="606600"/>
-            <a:ext cx="8388360" cy="3490560"/>
+            <a:ext cx="8388000" cy="3490200"/>
           </a:xfrm>
           <a:prstGeom prst="rect">
             <a:avLst/>
@@ -18369,14 +20239,14 @@
       </p:sp>
       <p:cxnSp>
         <p:nvCxnSpPr>
-          <p:cNvPr id="232" name="Google Shape;189;p26"/>
+          <p:cNvPr id="251" name="Google Shape;189;p26"/>
           <p:cNvCxnSpPr/>
           <p:nvPr/>
         </p:nvCxnSpPr>
         <p:spPr>
           <a:xfrm>
             <a:off x="204480" y="721440"/>
-            <a:ext cx="8739360" cy="4680"/>
+            <a:ext cx="8739720" cy="5040"/>
           </a:xfrm>
           <a:prstGeom prst="straightConnector1">
             <a:avLst/>
@@ -18391,18 +20261,18 @@
       </p:cxnSp>
       <p:sp>
         <p:nvSpPr>
-          <p:cNvPr id="233" name="PlaceHolder 3"/>
+          <p:cNvPr id="252" name="PlaceHolder 3"/>
           <p:cNvSpPr>
             <a:spLocks noGrp="1"/>
           </p:cNvSpPr>
           <p:nvPr>
-            <p:ph type="sldNum" idx="47"/>
+            <p:ph type="sldNum" idx="51"/>
           </p:nvPr>
         </p:nvSpPr>
         <p:spPr>
           <a:xfrm>
             <a:off x="8472600" y="4633560"/>
-            <a:ext cx="544320" cy="389160"/>
+            <a:ext cx="543960" cy="388800"/>
           </a:xfrm>
           <a:prstGeom prst="rect">
             <a:avLst/>
@@ -18445,7 +20315,7 @@
                 <a:tab algn="l" pos="0"/>
               </a:tabLst>
             </a:pPr>
-            <a:fld id="{FFCE44F4-E5C9-4AE9-B55B-5174E8B3000D}" type="slidenum">
+            <a:fld id="{D6453B86-FA0E-4348-B895-F7ABBD32BD3F}" type="slidenum">
               <a:rPr b="0" lang="en" sz="1000" strike="noStrike" u="none">
                 <a:solidFill>
                   <a:schemeClr val="dk2"/>
@@ -18454,7 +20324,7 @@
                 <a:latin typeface="Arial"/>
                 <a:ea typeface="Arial"/>
               </a:rPr>
-              <a:t>15</a:t>
+              <a:t>&lt;number&gt;</a:t>
             </a:fld>
             <a:endParaRPr b="0" lang="en-US" sz="1000" strike="noStrike" u="none">
               <a:solidFill>
@@ -18498,7 +20368,7 @@
       </p:grpSpPr>
       <p:sp>
         <p:nvSpPr>
-          <p:cNvPr id="234" name="PlaceHolder 1"/>
+          <p:cNvPr id="253" name="PlaceHolder 1"/>
           <p:cNvSpPr>
             <a:spLocks noGrp="1"/>
           </p:cNvSpPr>
@@ -18509,7 +20379,7 @@
         <p:spPr>
           <a:xfrm>
             <a:off x="1487160" y="171360"/>
-            <a:ext cx="6163200" cy="918720"/>
+            <a:ext cx="6162840" cy="918360"/>
           </a:xfrm>
           <a:prstGeom prst="rect">
             <a:avLst/>
@@ -18556,7 +20426,7 @@
       </p:sp>
       <p:sp>
         <p:nvSpPr>
-          <p:cNvPr id="235" name="PlaceHolder 2"/>
+          <p:cNvPr id="254" name="PlaceHolder 2"/>
           <p:cNvSpPr>
             <a:spLocks noGrp="1"/>
           </p:cNvSpPr>
@@ -18567,7 +20437,7 @@
         <p:spPr>
           <a:xfrm>
             <a:off x="343080" y="530280"/>
-            <a:ext cx="8388360" cy="3490560"/>
+            <a:ext cx="8388000" cy="3490200"/>
           </a:xfrm>
           <a:prstGeom prst="rect">
             <a:avLst/>
@@ -18751,14 +20621,14 @@
       </p:sp>
       <p:cxnSp>
         <p:nvCxnSpPr>
-          <p:cNvPr id="236" name="Google Shape;198;p 1"/>
+          <p:cNvPr id="255" name="Google Shape;198;p 1"/>
           <p:cNvCxnSpPr/>
           <p:nvPr/>
         </p:nvCxnSpPr>
         <p:spPr>
           <a:xfrm>
             <a:off x="204480" y="721440"/>
-            <a:ext cx="8739360" cy="4680"/>
+            <a:ext cx="8739720" cy="5040"/>
           </a:xfrm>
           <a:prstGeom prst="straightConnector1">
             <a:avLst/>
@@ -18773,18 +20643,18 @@
       </p:cxnSp>
       <p:sp>
         <p:nvSpPr>
-          <p:cNvPr id="237" name="PlaceHolder 3"/>
+          <p:cNvPr id="256" name="PlaceHolder 3"/>
           <p:cNvSpPr>
             <a:spLocks noGrp="1"/>
           </p:cNvSpPr>
           <p:nvPr>
-            <p:ph type="sldNum" idx="48"/>
+            <p:ph type="sldNum" idx="52"/>
           </p:nvPr>
         </p:nvSpPr>
         <p:spPr>
           <a:xfrm>
             <a:off x="8472600" y="4633560"/>
-            <a:ext cx="544320" cy="389160"/>
+            <a:ext cx="543960" cy="388800"/>
           </a:xfrm>
           <a:prstGeom prst="rect">
             <a:avLst/>
@@ -18827,7 +20697,7 @@
                 <a:tab algn="l" pos="0"/>
               </a:tabLst>
             </a:pPr>
-            <a:fld id="{D8AC9241-C95E-4201-AB90-D94540538D8D}" type="slidenum">
+            <a:fld id="{08DC22B5-C7CC-4CD1-AB11-E433DB644542}" type="slidenum">
               <a:rPr b="0" lang="en" sz="1000" strike="noStrike" u="none">
                 <a:solidFill>
                   <a:schemeClr val="dk2"/>
@@ -18836,7 +20706,7 @@
                 <a:latin typeface="Arial"/>
                 <a:ea typeface="Arial"/>
               </a:rPr>
-              <a:t>16</a:t>
+              <a:t>&lt;number&gt;</a:t>
             </a:fld>
             <a:endParaRPr b="0" lang="en-US" sz="1000" strike="noStrike" u="none">
               <a:solidFill>
@@ -18880,7 +20750,7 @@
       </p:grpSpPr>
       <p:sp>
         <p:nvSpPr>
-          <p:cNvPr id="238" name="PlaceHolder 1"/>
+          <p:cNvPr id="257" name="PlaceHolder 1"/>
           <p:cNvSpPr>
             <a:spLocks noGrp="1"/>
           </p:cNvSpPr>
@@ -18891,7 +20761,7 @@
         <p:spPr>
           <a:xfrm>
             <a:off x="1487160" y="171360"/>
-            <a:ext cx="6163200" cy="918720"/>
+            <a:ext cx="6162840" cy="918360"/>
           </a:xfrm>
           <a:prstGeom prst="rect">
             <a:avLst/>
@@ -18938,7 +20808,7 @@
       </p:sp>
       <p:sp>
         <p:nvSpPr>
-          <p:cNvPr id="239" name="PlaceHolder 2"/>
+          <p:cNvPr id="258" name="PlaceHolder 2"/>
           <p:cNvSpPr>
             <a:spLocks noGrp="1"/>
           </p:cNvSpPr>
@@ -18949,7 +20819,7 @@
         <p:spPr>
           <a:xfrm>
             <a:off x="343080" y="530280"/>
-            <a:ext cx="8388360" cy="3490560"/>
+            <a:ext cx="8388000" cy="3490200"/>
           </a:xfrm>
           <a:prstGeom prst="rect">
             <a:avLst/>
@@ -19133,14 +21003,14 @@
       </p:sp>
       <p:cxnSp>
         <p:nvCxnSpPr>
-          <p:cNvPr id="240" name="Google Shape;198;p 3"/>
+          <p:cNvPr id="259" name="Google Shape;198;p 3"/>
           <p:cNvCxnSpPr/>
           <p:nvPr/>
         </p:nvCxnSpPr>
         <p:spPr>
           <a:xfrm>
             <a:off x="204480" y="721440"/>
-            <a:ext cx="8739360" cy="4680"/>
+            <a:ext cx="8739720" cy="5040"/>
           </a:xfrm>
           <a:prstGeom prst="straightConnector1">
             <a:avLst/>
@@ -19155,18 +21025,18 @@
       </p:cxnSp>
       <p:sp>
         <p:nvSpPr>
-          <p:cNvPr id="241" name="PlaceHolder 3"/>
+          <p:cNvPr id="260" name="PlaceHolder 3"/>
           <p:cNvSpPr>
             <a:spLocks noGrp="1"/>
           </p:cNvSpPr>
           <p:nvPr>
-            <p:ph type="sldNum" idx="49"/>
+            <p:ph type="sldNum" idx="53"/>
           </p:nvPr>
         </p:nvSpPr>
         <p:spPr>
           <a:xfrm>
             <a:off x="8472600" y="4633560"/>
-            <a:ext cx="544320" cy="389160"/>
+            <a:ext cx="543960" cy="388800"/>
           </a:xfrm>
           <a:prstGeom prst="rect">
             <a:avLst/>
@@ -19209,7 +21079,7 @@
                 <a:tab algn="l" pos="0"/>
               </a:tabLst>
             </a:pPr>
-            <a:fld id="{9B77188C-6A52-4121-9BAF-260FB1A0364A}" type="slidenum">
+            <a:fld id="{E7C3A083-CE4E-4818-B8A9-E24A0908B779}" type="slidenum">
               <a:rPr b="0" lang="en" sz="1000" strike="noStrike" u="none">
                 <a:solidFill>
                   <a:schemeClr val="dk2"/>
@@ -19218,7 +21088,7 @@
                 <a:latin typeface="Arial"/>
                 <a:ea typeface="Arial"/>
               </a:rPr>
-              <a:t>17</a:t>
+              <a:t>&lt;number&gt;</a:t>
             </a:fld>
             <a:endParaRPr b="0" lang="en-US" sz="1000" strike="noStrike" u="none">
               <a:solidFill>
@@ -19262,7 +21132,7 @@
       </p:grpSpPr>
       <p:sp>
         <p:nvSpPr>
-          <p:cNvPr id="242" name="PlaceHolder 1"/>
+          <p:cNvPr id="261" name="PlaceHolder 1"/>
           <p:cNvSpPr>
             <a:spLocks noGrp="1"/>
           </p:cNvSpPr>
@@ -19273,7 +21143,7 @@
         <p:spPr>
           <a:xfrm>
             <a:off x="1487160" y="171360"/>
-            <a:ext cx="6163200" cy="918720"/>
+            <a:ext cx="6162840" cy="918360"/>
           </a:xfrm>
           <a:prstGeom prst="rect">
             <a:avLst/>
@@ -19320,7 +21190,7 @@
       </p:sp>
       <p:sp>
         <p:nvSpPr>
-          <p:cNvPr id="243" name="PlaceHolder 2"/>
+          <p:cNvPr id="262" name="PlaceHolder 2"/>
           <p:cNvSpPr>
             <a:spLocks noGrp="1"/>
           </p:cNvSpPr>
@@ -19331,7 +21201,7 @@
         <p:spPr>
           <a:xfrm>
             <a:off x="343080" y="606600"/>
-            <a:ext cx="8310960" cy="4416480"/>
+            <a:ext cx="8310600" cy="4416120"/>
           </a:xfrm>
           <a:prstGeom prst="rect">
             <a:avLst/>
@@ -19480,7 +21350,7 @@
               </a:rPr>
               <a:t>[2] Paul Kocher, Jann Horn, Anders Fogh, Daniel Genkin, Daniel Gruss, Werner Haas and et. Al, Spectre Attacks: Exploiting Speculative Execution, in: 2019 IEEE Symposium on Security and Privacy (SP), 19-23 May 2019.</a:t>
             </a:r>
-            <a:endParaRPr b="1" lang="en-US" sz="1400" strike="noStrike" u="none">
+            <a:endParaRPr b="0" lang="en-US" sz="1400" strike="noStrike" u="none">
               <a:solidFill>
                 <a:srgbClr val="000000"/>
               </a:solidFill>
@@ -19558,14 +21428,14 @@
       </p:sp>
       <p:cxnSp>
         <p:nvCxnSpPr>
-          <p:cNvPr id="244" name="Google Shape;207;p28"/>
+          <p:cNvPr id="263" name="Google Shape;207;p28"/>
           <p:cNvCxnSpPr/>
           <p:nvPr/>
         </p:nvCxnSpPr>
         <p:spPr>
           <a:xfrm>
             <a:off x="204480" y="721440"/>
-            <a:ext cx="8739360" cy="4680"/>
+            <a:ext cx="8739720" cy="5040"/>
           </a:xfrm>
           <a:prstGeom prst="straightConnector1">
             <a:avLst/>
@@ -19580,18 +21450,18 @@
       </p:cxnSp>
       <p:sp>
         <p:nvSpPr>
-          <p:cNvPr id="245" name="PlaceHolder 3"/>
+          <p:cNvPr id="264" name="PlaceHolder 3"/>
           <p:cNvSpPr>
             <a:spLocks noGrp="1"/>
           </p:cNvSpPr>
           <p:nvPr>
-            <p:ph type="sldNum" idx="50"/>
+            <p:ph type="sldNum" idx="54"/>
           </p:nvPr>
         </p:nvSpPr>
         <p:spPr>
           <a:xfrm>
             <a:off x="8472600" y="4633560"/>
-            <a:ext cx="544320" cy="389160"/>
+            <a:ext cx="543960" cy="388800"/>
           </a:xfrm>
           <a:prstGeom prst="rect">
             <a:avLst/>
@@ -19634,7 +21504,7 @@
                 <a:tab algn="l" pos="0"/>
               </a:tabLst>
             </a:pPr>
-            <a:fld id="{9C727184-BD8C-4FAD-9AE5-D8347F5ECA19}" type="slidenum">
+            <a:fld id="{D2CF83A9-45CA-4241-A974-C4CB2E6E5DD9}" type="slidenum">
               <a:rPr b="0" lang="en" sz="1000" strike="noStrike" u="none">
                 <a:solidFill>
                   <a:schemeClr val="dk2"/>
@@ -19643,7 +21513,7 @@
                 <a:latin typeface="Arial"/>
                 <a:ea typeface="Arial"/>
               </a:rPr>
-              <a:t>18</a:t>
+              <a:t>&lt;number&gt;</a:t>
             </a:fld>
             <a:endParaRPr b="0" lang="en-US" sz="1000" strike="noStrike" u="none">
               <a:solidFill>
@@ -19687,7 +21557,7 @@
       </p:grpSpPr>
       <p:sp>
         <p:nvSpPr>
-          <p:cNvPr id="133" name="PlaceHolder 1"/>
+          <p:cNvPr id="152" name="PlaceHolder 1"/>
           <p:cNvSpPr>
             <a:spLocks noGrp="1"/>
           </p:cNvSpPr>
@@ -19698,7 +21568,7 @@
         <p:spPr>
           <a:xfrm>
             <a:off x="1487160" y="171360"/>
-            <a:ext cx="6163200" cy="918720"/>
+            <a:ext cx="6162840" cy="918360"/>
           </a:xfrm>
           <a:prstGeom prst="rect">
             <a:avLst/>
@@ -19745,7 +21615,7 @@
       </p:sp>
       <p:sp>
         <p:nvSpPr>
-          <p:cNvPr id="134" name="PlaceHolder 2"/>
+          <p:cNvPr id="153" name="PlaceHolder 2"/>
           <p:cNvSpPr>
             <a:spLocks noGrp="1"/>
           </p:cNvSpPr>
@@ -19756,7 +21626,7 @@
         <p:spPr>
           <a:xfrm>
             <a:off x="343080" y="606600"/>
-            <a:ext cx="8388360" cy="2820240"/>
+            <a:ext cx="8388000" cy="2819880"/>
           </a:xfrm>
           <a:prstGeom prst="rect">
             <a:avLst/>
@@ -19885,14 +21755,14 @@
       </p:sp>
       <p:cxnSp>
         <p:nvCxnSpPr>
-          <p:cNvPr id="135" name="Google Shape;68;p14"/>
+          <p:cNvPr id="154" name="Google Shape;68;p14"/>
           <p:cNvCxnSpPr/>
           <p:nvPr/>
         </p:nvCxnSpPr>
         <p:spPr>
           <a:xfrm>
             <a:off x="204480" y="721440"/>
-            <a:ext cx="8739360" cy="4680"/>
+            <a:ext cx="8739720" cy="5040"/>
           </a:xfrm>
           <a:prstGeom prst="straightConnector1">
             <a:avLst/>
@@ -19907,18 +21777,18 @@
       </p:cxnSp>
       <p:sp>
         <p:nvSpPr>
-          <p:cNvPr id="136" name="PlaceHolder 3"/>
+          <p:cNvPr id="155" name="PlaceHolder 3"/>
           <p:cNvSpPr>
             <a:spLocks noGrp="1"/>
           </p:cNvSpPr>
           <p:nvPr>
-            <p:ph type="sldNum" idx="34"/>
+            <p:ph type="sldNum" idx="38"/>
           </p:nvPr>
         </p:nvSpPr>
         <p:spPr>
           <a:xfrm>
             <a:off x="8472600" y="4633560"/>
-            <a:ext cx="544320" cy="389160"/>
+            <a:ext cx="543960" cy="388800"/>
           </a:xfrm>
           <a:prstGeom prst="rect">
             <a:avLst/>
@@ -19961,7 +21831,7 @@
                 <a:tab algn="l" pos="0"/>
               </a:tabLst>
             </a:pPr>
-            <a:fld id="{6D994831-8D9F-4B58-8525-1C7F4C8EE24D}" type="slidenum">
+            <a:fld id="{3D831F23-E7CE-4FBD-AD21-9716FD13C1F1}" type="slidenum">
               <a:rPr b="0" lang="en" sz="1000" strike="noStrike" u="none">
                 <a:solidFill>
                   <a:schemeClr val="dk2"/>
@@ -19984,7 +21854,7 @@
       </p:sp>
       <p:sp>
         <p:nvSpPr>
-          <p:cNvPr id="137" name=""/>
+          <p:cNvPr id="156" name=""/>
           <p:cNvSpPr/>
           <p:nvPr/>
         </p:nvSpPr>
@@ -20026,14 +21896,14 @@
       </p:sp>
       <p:sp>
         <p:nvSpPr>
-          <p:cNvPr id="138" name=""/>
+          <p:cNvPr id="157" name=""/>
           <p:cNvSpPr/>
           <p:nvPr/>
         </p:nvSpPr>
         <p:spPr>
           <a:xfrm>
             <a:off x="4200480" y="2881440"/>
-            <a:ext cx="906840" cy="370800"/>
+            <a:ext cx="906480" cy="370440"/>
           </a:xfrm>
           <a:prstGeom prst="rect">
             <a:avLst/>
@@ -20081,14 +21951,14 @@
       </p:sp>
       <p:sp>
         <p:nvSpPr>
-          <p:cNvPr id="139" name=""/>
+          <p:cNvPr id="158" name=""/>
           <p:cNvSpPr/>
           <p:nvPr/>
         </p:nvSpPr>
         <p:spPr>
           <a:xfrm>
             <a:off x="3220200" y="3334320"/>
-            <a:ext cx="725040" cy="557280"/>
+            <a:ext cx="724680" cy="556920"/>
           </a:xfrm>
           <a:prstGeom prst="roundRect">
             <a:avLst>
@@ -20142,14 +22012,14 @@
       </p:sp>
       <p:sp>
         <p:nvSpPr>
-          <p:cNvPr id="140" name=""/>
+          <p:cNvPr id="159" name=""/>
           <p:cNvSpPr/>
           <p:nvPr/>
         </p:nvSpPr>
         <p:spPr>
           <a:xfrm>
             <a:off x="3935880" y="3334320"/>
-            <a:ext cx="724680" cy="557280"/>
+            <a:ext cx="724320" cy="556920"/>
           </a:xfrm>
           <a:prstGeom prst="roundRect">
             <a:avLst>
@@ -20203,14 +22073,14 @@
       </p:sp>
       <p:sp>
         <p:nvSpPr>
-          <p:cNvPr id="141" name=""/>
+          <p:cNvPr id="160" name=""/>
           <p:cNvSpPr/>
           <p:nvPr/>
         </p:nvSpPr>
         <p:spPr>
           <a:xfrm>
             <a:off x="4651200" y="3334320"/>
-            <a:ext cx="725040" cy="557280"/>
+            <a:ext cx="724680" cy="556920"/>
           </a:xfrm>
           <a:prstGeom prst="roundRect">
             <a:avLst>
@@ -20264,14 +22134,14 @@
       </p:sp>
       <p:sp>
         <p:nvSpPr>
-          <p:cNvPr id="142" name=""/>
+          <p:cNvPr id="161" name=""/>
           <p:cNvSpPr/>
           <p:nvPr/>
         </p:nvSpPr>
         <p:spPr>
           <a:xfrm>
             <a:off x="5366880" y="3334320"/>
-            <a:ext cx="724680" cy="557280"/>
+            <a:ext cx="724320" cy="556920"/>
           </a:xfrm>
           <a:prstGeom prst="roundRect">
             <a:avLst>
@@ -20325,22 +22195,22 @@
       </p:sp>
       <p:sp>
         <p:nvSpPr>
-          <p:cNvPr id="143" name=""/>
+          <p:cNvPr id="162" name=""/>
           <p:cNvSpPr/>
           <p:nvPr/>
         </p:nvSpPr>
         <p:spPr>
           <a:xfrm>
             <a:off x="3378600" y="3951360"/>
-            <a:ext cx="455040" cy="455040"/>
+            <a:ext cx="454680" cy="454680"/>
           </a:xfrm>
           <a:custGeom>
             <a:avLst/>
             <a:gdLst>
-              <a:gd name="textAreaLeft" fmla="*/ 0 w 455040"/>
-              <a:gd name="textAreaRight" fmla="*/ 457200 w 455040"/>
-              <a:gd name="textAreaTop" fmla="*/ 0 h 455040"/>
-              <a:gd name="textAreaBottom" fmla="*/ 457200 h 455040"/>
+              <a:gd name="textAreaLeft" fmla="*/ 0 w 454680"/>
+              <a:gd name="textAreaRight" fmla="*/ 457200 w 454680"/>
+              <a:gd name="textAreaTop" fmla="*/ 0 h 454680"/>
+              <a:gd name="textAreaBottom" fmla="*/ 457200 h 454680"/>
             </a:gdLst>
             <a:ahLst/>
             <a:rect l="textAreaLeft" t="textAreaTop" r="textAreaRight" b="textAreaBottom"/>
@@ -20418,14 +22288,14 @@
       </p:sp>
       <p:sp>
         <p:nvSpPr>
-          <p:cNvPr id="144" name=""/>
+          <p:cNvPr id="163" name=""/>
           <p:cNvSpPr/>
           <p:nvPr/>
         </p:nvSpPr>
         <p:spPr>
           <a:xfrm>
             <a:off x="3928680" y="3891960"/>
-            <a:ext cx="2192760" cy="683640"/>
+            <a:ext cx="2192400" cy="683280"/>
           </a:xfrm>
           <a:prstGeom prst="roundRect">
             <a:avLst>
@@ -20509,7 +22379,7 @@
       </p:grpSpPr>
       <p:sp>
         <p:nvSpPr>
-          <p:cNvPr id="145" name="PlaceHolder 1"/>
+          <p:cNvPr id="164" name="PlaceHolder 1"/>
           <p:cNvSpPr>
             <a:spLocks noGrp="1"/>
           </p:cNvSpPr>
@@ -20520,7 +22390,7 @@
         <p:spPr>
           <a:xfrm>
             <a:off x="1487160" y="171360"/>
-            <a:ext cx="6163200" cy="918720"/>
+            <a:ext cx="6162840" cy="918360"/>
           </a:xfrm>
           <a:prstGeom prst="rect">
             <a:avLst/>
@@ -20567,7 +22437,7 @@
       </p:sp>
       <p:sp>
         <p:nvSpPr>
-          <p:cNvPr id="146" name="PlaceHolder 2"/>
+          <p:cNvPr id="165" name="PlaceHolder 2"/>
           <p:cNvSpPr>
             <a:spLocks noGrp="1"/>
           </p:cNvSpPr>
@@ -20578,7 +22448,7 @@
         <p:spPr>
           <a:xfrm>
             <a:off x="343080" y="498600"/>
-            <a:ext cx="8388360" cy="2820240"/>
+            <a:ext cx="8388000" cy="2819880"/>
           </a:xfrm>
           <a:prstGeom prst="rect">
             <a:avLst/>
@@ -20767,14 +22637,14 @@
       </p:sp>
       <p:cxnSp>
         <p:nvCxnSpPr>
-          <p:cNvPr id="147" name="Google Shape;68;p 13"/>
+          <p:cNvPr id="166" name="Google Shape;68;p 13"/>
           <p:cNvCxnSpPr/>
           <p:nvPr/>
         </p:nvCxnSpPr>
         <p:spPr>
           <a:xfrm>
             <a:off x="204480" y="721440"/>
-            <a:ext cx="8739360" cy="4680"/>
+            <a:ext cx="8739720" cy="5040"/>
           </a:xfrm>
           <a:prstGeom prst="straightConnector1">
             <a:avLst/>
@@ -20789,18 +22659,18 @@
       </p:cxnSp>
       <p:sp>
         <p:nvSpPr>
-          <p:cNvPr id="148" name="PlaceHolder 3"/>
+          <p:cNvPr id="167" name="PlaceHolder 3"/>
           <p:cNvSpPr>
             <a:spLocks noGrp="1"/>
           </p:cNvSpPr>
           <p:nvPr>
-            <p:ph type="sldNum" idx="35"/>
+            <p:ph type="sldNum" idx="39"/>
           </p:nvPr>
         </p:nvSpPr>
         <p:spPr>
           <a:xfrm>
             <a:off x="8472600" y="4633560"/>
-            <a:ext cx="544320" cy="389160"/>
+            <a:ext cx="543960" cy="388800"/>
           </a:xfrm>
           <a:prstGeom prst="rect">
             <a:avLst/>
@@ -20843,7 +22713,7 @@
                 <a:tab algn="l" pos="0"/>
               </a:tabLst>
             </a:pPr>
-            <a:fld id="{BC91E661-7AAB-4861-8D38-9EA72ED45CA6}" type="slidenum">
+            <a:fld id="{3A120A54-7228-4FE4-95AC-0981B505CC26}" type="slidenum">
               <a:rPr b="0" lang="en" sz="1000" strike="noStrike" u="none">
                 <a:solidFill>
                   <a:schemeClr val="dk2"/>
@@ -20866,14 +22736,14 @@
       </p:sp>
       <p:sp>
         <p:nvSpPr>
-          <p:cNvPr id="149" name=""/>
+          <p:cNvPr id="168" name=""/>
           <p:cNvSpPr/>
           <p:nvPr/>
         </p:nvSpPr>
         <p:spPr>
           <a:xfrm>
             <a:off x="3220200" y="3333960"/>
-            <a:ext cx="725040" cy="557280"/>
+            <a:ext cx="724680" cy="556920"/>
           </a:xfrm>
           <a:prstGeom prst="roundRect">
             <a:avLst>
@@ -20927,14 +22797,14 @@
       </p:sp>
       <p:sp>
         <p:nvSpPr>
-          <p:cNvPr id="150" name=""/>
+          <p:cNvPr id="169" name=""/>
           <p:cNvSpPr/>
           <p:nvPr/>
         </p:nvSpPr>
         <p:spPr>
           <a:xfrm>
             <a:off x="3935880" y="3333960"/>
-            <a:ext cx="724680" cy="557280"/>
+            <a:ext cx="724320" cy="556920"/>
           </a:xfrm>
           <a:prstGeom prst="roundRect">
             <a:avLst>
@@ -20988,14 +22858,14 @@
       </p:sp>
       <p:sp>
         <p:nvSpPr>
-          <p:cNvPr id="151" name=""/>
+          <p:cNvPr id="170" name=""/>
           <p:cNvSpPr/>
           <p:nvPr/>
         </p:nvSpPr>
         <p:spPr>
           <a:xfrm>
             <a:off x="4651200" y="3333960"/>
-            <a:ext cx="725040" cy="557280"/>
+            <a:ext cx="724680" cy="556920"/>
           </a:xfrm>
           <a:prstGeom prst="roundRect">
             <a:avLst>
@@ -21049,14 +22919,14 @@
       </p:sp>
       <p:sp>
         <p:nvSpPr>
-          <p:cNvPr id="152" name=""/>
+          <p:cNvPr id="171" name=""/>
           <p:cNvSpPr/>
           <p:nvPr/>
         </p:nvSpPr>
         <p:spPr>
           <a:xfrm>
             <a:off x="5366880" y="3333960"/>
-            <a:ext cx="724680" cy="557280"/>
+            <a:ext cx="724320" cy="556920"/>
           </a:xfrm>
           <a:prstGeom prst="roundRect">
             <a:avLst>
@@ -21110,22 +22980,22 @@
       </p:sp>
       <p:sp>
         <p:nvSpPr>
-          <p:cNvPr id="153" name=""/>
+          <p:cNvPr id="172" name=""/>
           <p:cNvSpPr/>
           <p:nvPr/>
         </p:nvSpPr>
         <p:spPr>
           <a:xfrm>
             <a:off x="3378600" y="3951000"/>
-            <a:ext cx="455040" cy="455040"/>
+            <a:ext cx="454680" cy="454680"/>
           </a:xfrm>
           <a:custGeom>
             <a:avLst/>
             <a:gdLst>
-              <a:gd name="textAreaLeft" fmla="*/ 0 w 455040"/>
-              <a:gd name="textAreaRight" fmla="*/ 457200 w 455040"/>
-              <a:gd name="textAreaTop" fmla="*/ 0 h 455040"/>
-              <a:gd name="textAreaBottom" fmla="*/ 457200 h 455040"/>
+              <a:gd name="textAreaLeft" fmla="*/ 0 w 454680"/>
+              <a:gd name="textAreaRight" fmla="*/ 457200 w 454680"/>
+              <a:gd name="textAreaTop" fmla="*/ 0 h 454680"/>
+              <a:gd name="textAreaBottom" fmla="*/ 457200 h 454680"/>
             </a:gdLst>
             <a:ahLst/>
             <a:rect l="textAreaLeft" t="textAreaTop" r="textAreaRight" b="textAreaBottom"/>
@@ -21203,14 +23073,14 @@
       </p:sp>
       <p:sp>
         <p:nvSpPr>
-          <p:cNvPr id="154" name=""/>
+          <p:cNvPr id="173" name=""/>
           <p:cNvSpPr/>
           <p:nvPr/>
         </p:nvSpPr>
         <p:spPr>
           <a:xfrm>
             <a:off x="3928680" y="3891600"/>
-            <a:ext cx="2192760" cy="683640"/>
+            <a:ext cx="2192400" cy="683280"/>
           </a:xfrm>
           <a:prstGeom prst="roundRect">
             <a:avLst>
@@ -21264,22 +23134,22 @@
       </p:sp>
       <p:sp>
         <p:nvSpPr>
-          <p:cNvPr id="155" name=""/>
+          <p:cNvPr id="174" name=""/>
           <p:cNvSpPr/>
           <p:nvPr/>
         </p:nvSpPr>
         <p:spPr>
           <a:xfrm rot="16189800">
-            <a:off x="4929480" y="3653280"/>
-            <a:ext cx="239400" cy="2074680"/>
+            <a:off x="4929480" y="3653640"/>
+            <a:ext cx="239040" cy="2074320"/>
           </a:xfrm>
           <a:custGeom>
             <a:avLst/>
             <a:gdLst>
-              <a:gd name="textAreaLeft" fmla="*/ 154080 w 239400"/>
-              <a:gd name="textAreaRight" fmla="*/ 241560 w 239400"/>
-              <a:gd name="textAreaTop" fmla="*/ 53640 h 2074680"/>
-              <a:gd name="textAreaBottom" fmla="*/ 2022480 h 2074680"/>
+              <a:gd name="textAreaLeft" fmla="*/ 154080 w 239040"/>
+              <a:gd name="textAreaRight" fmla="*/ 241560 w 239040"/>
+              <a:gd name="textAreaTop" fmla="*/ 53640 h 2074320"/>
+              <a:gd name="textAreaBottom" fmla="*/ 2022480 h 2074320"/>
             </a:gdLst>
             <a:ahLst/>
             <a:rect l="textAreaLeft" t="textAreaTop" r="textAreaRight" b="textAreaBottom"/>
@@ -21353,14 +23223,14 @@
       </p:sp>
       <p:sp>
         <p:nvSpPr>
-          <p:cNvPr id="156" name=""/>
+          <p:cNvPr id="175" name=""/>
           <p:cNvSpPr/>
           <p:nvPr/>
         </p:nvSpPr>
         <p:spPr>
           <a:xfrm>
             <a:off x="4017600" y="4770360"/>
-            <a:ext cx="2055240" cy="683640"/>
+            <a:ext cx="2054880" cy="683280"/>
           </a:xfrm>
           <a:prstGeom prst="rect">
             <a:avLst/>
@@ -21438,7 +23308,7 @@
       </p:grpSpPr>
       <p:sp>
         <p:nvSpPr>
-          <p:cNvPr id="157" name="PlaceHolder 1"/>
+          <p:cNvPr id="176" name="PlaceHolder 1"/>
           <p:cNvSpPr>
             <a:spLocks noGrp="1"/>
           </p:cNvSpPr>
@@ -21449,7 +23319,7 @@
         <p:spPr>
           <a:xfrm>
             <a:off x="1487160" y="171360"/>
-            <a:ext cx="6163200" cy="918720"/>
+            <a:ext cx="6162840" cy="918360"/>
           </a:xfrm>
           <a:prstGeom prst="rect">
             <a:avLst/>
@@ -21496,7 +23366,7 @@
       </p:sp>
       <p:sp>
         <p:nvSpPr>
-          <p:cNvPr id="158" name="PlaceHolder 2"/>
+          <p:cNvPr id="177" name="PlaceHolder 2"/>
           <p:cNvSpPr>
             <a:spLocks noGrp="1"/>
           </p:cNvSpPr>
@@ -21507,7 +23377,7 @@
         <p:spPr>
           <a:xfrm>
             <a:off x="343080" y="606600"/>
-            <a:ext cx="8388360" cy="2822040"/>
+            <a:ext cx="8388000" cy="2821680"/>
           </a:xfrm>
           <a:prstGeom prst="rect">
             <a:avLst/>
@@ -21652,14 +23522,14 @@
       </p:sp>
       <p:cxnSp>
         <p:nvCxnSpPr>
-          <p:cNvPr id="159" name="Google Shape;68;p 2"/>
+          <p:cNvPr id="178" name="Google Shape;68;p 2"/>
           <p:cNvCxnSpPr/>
           <p:nvPr/>
         </p:nvCxnSpPr>
         <p:spPr>
           <a:xfrm>
             <a:off x="204480" y="721440"/>
-            <a:ext cx="8739360" cy="4680"/>
+            <a:ext cx="8739720" cy="5040"/>
           </a:xfrm>
           <a:prstGeom prst="straightConnector1">
             <a:avLst/>
@@ -21674,18 +23544,18 @@
       </p:cxnSp>
       <p:sp>
         <p:nvSpPr>
-          <p:cNvPr id="160" name="PlaceHolder 3"/>
+          <p:cNvPr id="179" name="PlaceHolder 3"/>
           <p:cNvSpPr>
             <a:spLocks noGrp="1"/>
           </p:cNvSpPr>
           <p:nvPr>
-            <p:ph type="sldNum" idx="36"/>
+            <p:ph type="sldNum" idx="40"/>
           </p:nvPr>
         </p:nvSpPr>
         <p:spPr>
           <a:xfrm>
             <a:off x="8472600" y="4633560"/>
-            <a:ext cx="544320" cy="389160"/>
+            <a:ext cx="543960" cy="388800"/>
           </a:xfrm>
           <a:prstGeom prst="rect">
             <a:avLst/>
@@ -21728,7 +23598,7 @@
                 <a:tab algn="l" pos="0"/>
               </a:tabLst>
             </a:pPr>
-            <a:fld id="{076839C9-8DB2-46FA-B70D-DC3542FB1A1D}" type="slidenum">
+            <a:fld id="{CD3E7965-4988-4301-8281-4DB63AEFBA8D}" type="slidenum">
               <a:rPr b="0" lang="en" sz="1000" strike="noStrike" u="none">
                 <a:solidFill>
                   <a:schemeClr val="dk2"/>
@@ -21751,14 +23621,14 @@
       </p:sp>
       <p:sp>
         <p:nvSpPr>
-          <p:cNvPr id="161" name=""/>
+          <p:cNvPr id="180" name=""/>
           <p:cNvSpPr/>
           <p:nvPr/>
         </p:nvSpPr>
         <p:spPr>
           <a:xfrm>
             <a:off x="3220200" y="3334320"/>
-            <a:ext cx="725040" cy="557280"/>
+            <a:ext cx="724680" cy="556920"/>
           </a:xfrm>
           <a:prstGeom prst="roundRect">
             <a:avLst>
@@ -21812,14 +23682,14 @@
       </p:sp>
       <p:sp>
         <p:nvSpPr>
-          <p:cNvPr id="162" name=""/>
+          <p:cNvPr id="181" name=""/>
           <p:cNvSpPr/>
           <p:nvPr/>
         </p:nvSpPr>
         <p:spPr>
           <a:xfrm>
             <a:off x="3935880" y="3334320"/>
-            <a:ext cx="724680" cy="557280"/>
+            <a:ext cx="724320" cy="556920"/>
           </a:xfrm>
           <a:prstGeom prst="roundRect">
             <a:avLst>
@@ -21873,14 +23743,14 @@
       </p:sp>
       <p:sp>
         <p:nvSpPr>
-          <p:cNvPr id="163" name=""/>
+          <p:cNvPr id="182" name=""/>
           <p:cNvSpPr/>
           <p:nvPr/>
         </p:nvSpPr>
         <p:spPr>
           <a:xfrm>
             <a:off x="4651200" y="3334320"/>
-            <a:ext cx="725040" cy="557280"/>
+            <a:ext cx="724680" cy="556920"/>
           </a:xfrm>
           <a:prstGeom prst="roundRect">
             <a:avLst>
@@ -21934,14 +23804,14 @@
       </p:sp>
       <p:sp>
         <p:nvSpPr>
-          <p:cNvPr id="164" name=""/>
+          <p:cNvPr id="183" name=""/>
           <p:cNvSpPr/>
           <p:nvPr/>
         </p:nvSpPr>
         <p:spPr>
           <a:xfrm>
             <a:off x="5366880" y="3334320"/>
-            <a:ext cx="724680" cy="557280"/>
+            <a:ext cx="724320" cy="556920"/>
           </a:xfrm>
           <a:prstGeom prst="roundRect">
             <a:avLst>
@@ -21995,22 +23865,22 @@
       </p:sp>
       <p:sp>
         <p:nvSpPr>
-          <p:cNvPr id="165" name=""/>
+          <p:cNvPr id="184" name=""/>
           <p:cNvSpPr/>
           <p:nvPr/>
         </p:nvSpPr>
         <p:spPr>
           <a:xfrm>
             <a:off x="3378600" y="3951360"/>
-            <a:ext cx="455040" cy="455040"/>
+            <a:ext cx="454680" cy="454680"/>
           </a:xfrm>
           <a:custGeom>
             <a:avLst/>
             <a:gdLst>
-              <a:gd name="textAreaLeft" fmla="*/ 0 w 455040"/>
-              <a:gd name="textAreaRight" fmla="*/ 457200 w 455040"/>
-              <a:gd name="textAreaTop" fmla="*/ 0 h 455040"/>
-              <a:gd name="textAreaBottom" fmla="*/ 457200 h 455040"/>
+              <a:gd name="textAreaLeft" fmla="*/ 0 w 454680"/>
+              <a:gd name="textAreaRight" fmla="*/ 457200 w 454680"/>
+              <a:gd name="textAreaTop" fmla="*/ 0 h 454680"/>
+              <a:gd name="textAreaBottom" fmla="*/ 457200 h 454680"/>
             </a:gdLst>
             <a:ahLst/>
             <a:rect l="textAreaLeft" t="textAreaTop" r="textAreaRight" b="textAreaBottom"/>
@@ -22088,14 +23958,14 @@
       </p:sp>
       <p:sp>
         <p:nvSpPr>
-          <p:cNvPr id="166" name=""/>
+          <p:cNvPr id="185" name=""/>
           <p:cNvSpPr/>
           <p:nvPr/>
         </p:nvSpPr>
         <p:spPr>
           <a:xfrm>
             <a:off x="3928680" y="3891960"/>
-            <a:ext cx="2192760" cy="683640"/>
+            <a:ext cx="2192400" cy="683280"/>
           </a:xfrm>
           <a:prstGeom prst="roundRect">
             <a:avLst>
@@ -22149,14 +24019,14 @@
       </p:sp>
       <p:sp>
         <p:nvSpPr>
-          <p:cNvPr id="167" name=""/>
+          <p:cNvPr id="186" name=""/>
           <p:cNvSpPr/>
           <p:nvPr/>
         </p:nvSpPr>
         <p:spPr>
           <a:xfrm>
             <a:off x="3220200" y="3334320"/>
-            <a:ext cx="725040" cy="557280"/>
+            <a:ext cx="724680" cy="556920"/>
           </a:xfrm>
           <a:prstGeom prst="roundRect">
             <a:avLst>
@@ -22210,14 +24080,14 @@
       </p:sp>
       <p:sp>
         <p:nvSpPr>
-          <p:cNvPr id="168" name=""/>
+          <p:cNvPr id="187" name=""/>
           <p:cNvSpPr/>
           <p:nvPr/>
         </p:nvSpPr>
         <p:spPr>
           <a:xfrm>
             <a:off x="3935880" y="3334320"/>
-            <a:ext cx="724680" cy="557280"/>
+            <a:ext cx="724320" cy="556920"/>
           </a:xfrm>
           <a:prstGeom prst="roundRect">
             <a:avLst>
@@ -22271,14 +24141,14 @@
       </p:sp>
       <p:sp>
         <p:nvSpPr>
-          <p:cNvPr id="169" name=""/>
+          <p:cNvPr id="188" name=""/>
           <p:cNvSpPr/>
           <p:nvPr/>
         </p:nvSpPr>
         <p:spPr>
           <a:xfrm>
             <a:off x="4651200" y="3334320"/>
-            <a:ext cx="725040" cy="557280"/>
+            <a:ext cx="724680" cy="556920"/>
           </a:xfrm>
           <a:prstGeom prst="roundRect">
             <a:avLst>
@@ -22332,14 +24202,14 @@
       </p:sp>
       <p:sp>
         <p:nvSpPr>
-          <p:cNvPr id="170" name=""/>
+          <p:cNvPr id="189" name=""/>
           <p:cNvSpPr/>
           <p:nvPr/>
         </p:nvSpPr>
         <p:spPr>
           <a:xfrm>
             <a:off x="5366880" y="3334320"/>
-            <a:ext cx="724680" cy="557280"/>
+            <a:ext cx="724320" cy="556920"/>
           </a:xfrm>
           <a:prstGeom prst="roundRect">
             <a:avLst>
@@ -22393,22 +24263,22 @@
       </p:sp>
       <p:sp>
         <p:nvSpPr>
-          <p:cNvPr id="171" name=""/>
+          <p:cNvPr id="190" name=""/>
           <p:cNvSpPr/>
           <p:nvPr/>
         </p:nvSpPr>
         <p:spPr>
           <a:xfrm>
             <a:off x="3378600" y="3951360"/>
-            <a:ext cx="455040" cy="455040"/>
+            <a:ext cx="454680" cy="454680"/>
           </a:xfrm>
           <a:custGeom>
             <a:avLst/>
             <a:gdLst>
-              <a:gd name="textAreaLeft" fmla="*/ 0 w 455040"/>
-              <a:gd name="textAreaRight" fmla="*/ 457200 w 455040"/>
-              <a:gd name="textAreaTop" fmla="*/ 0 h 455040"/>
-              <a:gd name="textAreaBottom" fmla="*/ 457200 h 455040"/>
+              <a:gd name="textAreaLeft" fmla="*/ 0 w 454680"/>
+              <a:gd name="textAreaRight" fmla="*/ 457200 w 454680"/>
+              <a:gd name="textAreaTop" fmla="*/ 0 h 454680"/>
+              <a:gd name="textAreaBottom" fmla="*/ 457200 h 454680"/>
             </a:gdLst>
             <a:ahLst/>
             <a:rect l="textAreaLeft" t="textAreaTop" r="textAreaRight" b="textAreaBottom"/>
@@ -22486,14 +24356,14 @@
       </p:sp>
       <p:sp>
         <p:nvSpPr>
-          <p:cNvPr id="172" name=""/>
+          <p:cNvPr id="191" name=""/>
           <p:cNvSpPr/>
           <p:nvPr/>
         </p:nvSpPr>
         <p:spPr>
           <a:xfrm>
             <a:off x="3928680" y="3891960"/>
-            <a:ext cx="2192760" cy="683640"/>
+            <a:ext cx="2192400" cy="683280"/>
           </a:xfrm>
           <a:prstGeom prst="roundRect">
             <a:avLst>
@@ -22547,22 +24417,22 @@
       </p:sp>
       <p:sp>
         <p:nvSpPr>
-          <p:cNvPr id="173" name=""/>
+          <p:cNvPr id="192" name=""/>
           <p:cNvSpPr/>
           <p:nvPr/>
         </p:nvSpPr>
         <p:spPr>
           <a:xfrm rot="16189800">
-            <a:off x="4929480" y="3648240"/>
-            <a:ext cx="239400" cy="2074680"/>
+            <a:off x="4929480" y="3648600"/>
+            <a:ext cx="239040" cy="2074320"/>
           </a:xfrm>
           <a:custGeom>
             <a:avLst/>
             <a:gdLst>
-              <a:gd name="textAreaLeft" fmla="*/ 154080 w 239400"/>
-              <a:gd name="textAreaRight" fmla="*/ 241560 w 239400"/>
-              <a:gd name="textAreaTop" fmla="*/ 53640 h 2074680"/>
-              <a:gd name="textAreaBottom" fmla="*/ 2022480 h 2074680"/>
+              <a:gd name="textAreaLeft" fmla="*/ 154080 w 239040"/>
+              <a:gd name="textAreaRight" fmla="*/ 241560 w 239040"/>
+              <a:gd name="textAreaTop" fmla="*/ 53640 h 2074320"/>
+              <a:gd name="textAreaBottom" fmla="*/ 2022480 h 2074320"/>
             </a:gdLst>
             <a:ahLst/>
             <a:rect l="textAreaLeft" t="textAreaTop" r="textAreaRight" b="textAreaBottom"/>
@@ -22636,14 +24506,14 @@
       </p:sp>
       <p:sp>
         <p:nvSpPr>
-          <p:cNvPr id="174" name=""/>
+          <p:cNvPr id="193" name=""/>
           <p:cNvSpPr/>
           <p:nvPr/>
         </p:nvSpPr>
         <p:spPr>
           <a:xfrm>
             <a:off x="4017600" y="4765320"/>
-            <a:ext cx="2055240" cy="683640"/>
+            <a:ext cx="2054880" cy="683280"/>
           </a:xfrm>
           <a:prstGeom prst="rect">
             <a:avLst/>
@@ -22721,7 +24591,7 @@
       </p:grpSpPr>
       <p:sp>
         <p:nvSpPr>
-          <p:cNvPr id="175" name="PlaceHolder 1"/>
+          <p:cNvPr id="194" name="PlaceHolder 1"/>
           <p:cNvSpPr>
             <a:spLocks noGrp="1"/>
           </p:cNvSpPr>
@@ -22732,7 +24602,7 @@
         <p:spPr>
           <a:xfrm>
             <a:off x="1487160" y="243360"/>
-            <a:ext cx="6163200" cy="918720"/>
+            <a:ext cx="6162840" cy="918360"/>
           </a:xfrm>
           <a:prstGeom prst="rect">
             <a:avLst/>
@@ -22779,7 +24649,7 @@
       </p:sp>
       <p:sp>
         <p:nvSpPr>
-          <p:cNvPr id="176" name="PlaceHolder 2"/>
+          <p:cNvPr id="195" name="PlaceHolder 2"/>
           <p:cNvSpPr>
             <a:spLocks noGrp="1"/>
           </p:cNvSpPr>
@@ -22790,7 +24660,7 @@
         <p:spPr>
           <a:xfrm>
             <a:off x="343080" y="426600"/>
-            <a:ext cx="8388360" cy="3961440"/>
+            <a:ext cx="8388000" cy="3961080"/>
           </a:xfrm>
           <a:prstGeom prst="rect">
             <a:avLst/>
@@ -23026,14 +24896,14 @@
       </p:sp>
       <p:cxnSp>
         <p:nvCxnSpPr>
-          <p:cNvPr id="177" name="Google Shape;68;p 8"/>
+          <p:cNvPr id="196" name="Google Shape;68;p 8"/>
           <p:cNvCxnSpPr/>
           <p:nvPr/>
         </p:nvCxnSpPr>
         <p:spPr>
           <a:xfrm>
             <a:off x="204480" y="721440"/>
-            <a:ext cx="8739360" cy="4680"/>
+            <a:ext cx="8739720" cy="5040"/>
           </a:xfrm>
           <a:prstGeom prst="straightConnector1">
             <a:avLst/>
@@ -23048,18 +24918,18 @@
       </p:cxnSp>
       <p:sp>
         <p:nvSpPr>
-          <p:cNvPr id="178" name="PlaceHolder 3"/>
+          <p:cNvPr id="197" name="PlaceHolder 3"/>
           <p:cNvSpPr>
             <a:spLocks noGrp="1"/>
           </p:cNvSpPr>
           <p:nvPr>
-            <p:ph type="sldNum" idx="37"/>
+            <p:ph type="sldNum" idx="41"/>
           </p:nvPr>
         </p:nvSpPr>
         <p:spPr>
           <a:xfrm>
             <a:off x="8472600" y="4633560"/>
-            <a:ext cx="544320" cy="389160"/>
+            <a:ext cx="543960" cy="388800"/>
           </a:xfrm>
           <a:prstGeom prst="rect">
             <a:avLst/>
@@ -23102,7 +24972,7 @@
                 <a:tab algn="l" pos="0"/>
               </a:tabLst>
             </a:pPr>
-            <a:fld id="{E586D1B4-E43E-4F1B-B0F6-000A5F93351A}" type="slidenum">
+            <a:fld id="{F586E67F-42A0-4641-BEDA-CC79D4F7D54C}" type="slidenum">
               <a:rPr b="0" lang="en" sz="1000" strike="noStrike" u="none">
                 <a:solidFill>
                   <a:schemeClr val="dk2"/>
@@ -23125,14 +24995,14 @@
       </p:sp>
       <p:sp>
         <p:nvSpPr>
-          <p:cNvPr id="179" name="Google Shape;93;p 2"/>
+          <p:cNvPr id="198" name="Google Shape;93;p 2"/>
           <p:cNvSpPr/>
           <p:nvPr/>
         </p:nvSpPr>
         <p:spPr>
           <a:xfrm>
             <a:off x="327960" y="4042800"/>
-            <a:ext cx="8484120" cy="891720"/>
+            <a:ext cx="8483760" cy="891360"/>
           </a:xfrm>
           <a:prstGeom prst="roundRect">
             <a:avLst>
@@ -23239,7 +25109,7 @@
       </p:grpSpPr>
       <p:sp>
         <p:nvSpPr>
-          <p:cNvPr id="180" name="PlaceHolder 1"/>
+          <p:cNvPr id="199" name="PlaceHolder 1"/>
           <p:cNvSpPr>
             <a:spLocks noGrp="1"/>
           </p:cNvSpPr>
@@ -23250,7 +25120,7 @@
         <p:spPr>
           <a:xfrm>
             <a:off x="1487160" y="171360"/>
-            <a:ext cx="6163200" cy="918720"/>
+            <a:ext cx="6162840" cy="918360"/>
           </a:xfrm>
           <a:prstGeom prst="rect">
             <a:avLst/>
@@ -23297,7 +25167,7 @@
       </p:sp>
       <p:sp>
         <p:nvSpPr>
-          <p:cNvPr id="181" name="PlaceHolder 2"/>
+          <p:cNvPr id="200" name="PlaceHolder 2"/>
           <p:cNvSpPr>
             <a:spLocks noGrp="1"/>
           </p:cNvSpPr>
@@ -23308,7 +25178,7 @@
         <p:spPr>
           <a:xfrm>
             <a:off x="343080" y="606600"/>
-            <a:ext cx="8388360" cy="3961440"/>
+            <a:ext cx="8388000" cy="3961080"/>
           </a:xfrm>
           <a:prstGeom prst="rect">
             <a:avLst/>
@@ -23484,18 +25354,55 @@
               <a:latin typeface="Arial"/>
             </a:endParaRPr>
           </a:p>
+          <a:p>
+            <a:pPr lvl="1" marL="864000" indent="-324000">
+              <a:lnSpc>
+                <a:spcPct val="90000"/>
+              </a:lnSpc>
+              <a:spcBef>
+                <a:spcPts val="1134"/>
+              </a:spcBef>
+              <a:buClr>
+                <a:srgbClr val="000000"/>
+              </a:buClr>
+              <a:buSzPct val="75000"/>
+              <a:buFont typeface="Symbol" charset="2"/>
+              <a:buChar char=""/>
+              <a:tabLst>
+                <a:tab algn="l" pos="0"/>
+              </a:tabLst>
+            </a:pPr>
+            <a:r>
+              <a:rPr b="0" lang="en" sz="2200" strike="noStrike" u="none">
+                <a:solidFill>
+                  <a:schemeClr val="dk1"/>
+                </a:solidFill>
+                <a:uFillTx/>
+                <a:latin typeface="Times New Roman"/>
+                <a:ea typeface="Times New Roman"/>
+              </a:rPr>
+              <a:t>Randomly assigns address positions of important data</a:t>
+            </a:r>
+            <a:endParaRPr b="0" lang="en-US" sz="2200" strike="noStrike" u="none">
+              <a:solidFill>
+                <a:srgbClr val="000000"/>
+              </a:solidFill>
+              <a:uFillTx/>
+              <a:latin typeface="Arial"/>
+            </a:endParaRPr>
+          </a:p>
         </p:txBody>
       </p:sp>
       <p:cxnSp>
         <p:nvCxnSpPr>
-          <p:cNvPr id="182" name="Google Shape;68;p 3"/>
+          <p:cNvPr id="201" name="Google Shape;68;p 3"/>
           <p:cNvCxnSpPr/>
           <p:nvPr/>
         </p:nvCxnSpPr>
         <p:spPr>
           <a:xfrm>
             <a:off x="204480" y="721440"/>
-            <a:ext cx="8739360" cy="4680"/>
+            <a:ext cx="8739720" cy="5040"/>
           </a:xfrm>
           <a:prstGeom prst="straightConnector1">
             <a:avLst/>
@@ -23510,18 +25417,18 @@
       </p:cxnSp>
       <p:sp>
         <p:nvSpPr>
-          <p:cNvPr id="183" name="PlaceHolder 3"/>
+          <p:cNvPr id="202" name="PlaceHolder 3"/>
           <p:cNvSpPr>
             <a:spLocks noGrp="1"/>
           </p:cNvSpPr>
           <p:nvPr>
-            <p:ph type="sldNum" idx="38"/>
+            <p:ph type="sldNum" idx="42"/>
           </p:nvPr>
         </p:nvSpPr>
         <p:spPr>
           <a:xfrm>
             <a:off x="8472600" y="4633560"/>
-            <a:ext cx="544320" cy="389160"/>
+            <a:ext cx="543960" cy="388800"/>
           </a:xfrm>
           <a:prstGeom prst="rect">
             <a:avLst/>
@@ -23564,7 +25471,7 @@
                 <a:tab algn="l" pos="0"/>
               </a:tabLst>
             </a:pPr>
-            <a:fld id="{007CE3CC-A97C-4473-AB19-879E67000250}" type="slidenum">
+            <a:fld id="{1509FC53-1CE5-4FAE-9D40-64B7F1BD0BCE}" type="slidenum">
               <a:rPr b="0" lang="en" sz="1000" strike="noStrike" u="none">
                 <a:solidFill>
                   <a:schemeClr val="dk2"/>
@@ -23617,7 +25524,7 @@
       </p:grpSpPr>
       <p:sp>
         <p:nvSpPr>
-          <p:cNvPr id="184" name="PlaceHolder 1"/>
+          <p:cNvPr id="203" name="PlaceHolder 1"/>
           <p:cNvSpPr>
             <a:spLocks noGrp="1"/>
           </p:cNvSpPr>
@@ -23628,7 +25535,7 @@
         <p:spPr>
           <a:xfrm>
             <a:off x="1487160" y="171360"/>
-            <a:ext cx="6163200" cy="918720"/>
+            <a:ext cx="6162840" cy="918360"/>
           </a:xfrm>
           <a:prstGeom prst="rect">
             <a:avLst/>
@@ -23675,7 +25582,7 @@
       </p:sp>
       <p:sp>
         <p:nvSpPr>
-          <p:cNvPr id="185" name="PlaceHolder 2"/>
+          <p:cNvPr id="204" name="PlaceHolder 2"/>
           <p:cNvSpPr>
             <a:spLocks noGrp="1"/>
           </p:cNvSpPr>
@@ -23686,7 +25593,7 @@
         <p:spPr>
           <a:xfrm>
             <a:off x="343080" y="534600"/>
-            <a:ext cx="8388360" cy="3349800"/>
+            <a:ext cx="8388000" cy="3349440"/>
           </a:xfrm>
           <a:prstGeom prst="rect">
             <a:avLst/>
@@ -23781,7 +25688,7 @@
                 <a:latin typeface="Times New Roman"/>
                 <a:ea typeface="Times New Roman"/>
               </a:rPr>
-              <a:t>Not effective for distinguishing IF from BPU-assisted I-cache prefetching</a:t>
+              <a:t>Not effective for distinguishing instruction fetch from I-cache prefetching</a:t>
             </a:r>
             <a:endParaRPr b="0" lang="en-US" sz="1500" strike="noStrike" u="none">
               <a:solidFill>
@@ -23927,7 +25834,7 @@
                 <a:latin typeface="Times New Roman"/>
                 <a:ea typeface="Times New Roman"/>
               </a:rPr>
-              <a:t>Due to shorter speculation, resteer is issued before memory operations can be performed</a:t>
+              <a:t>Due to shorter speculation windows, resteer is issued before memory operations can be executed</a:t>
             </a:r>
             <a:endParaRPr b="0" lang="en-US" sz="1500" strike="noStrike" u="none">
               <a:solidFill>
@@ -23941,14 +25848,14 @@
       </p:sp>
       <p:cxnSp>
         <p:nvCxnSpPr>
-          <p:cNvPr id="186" name="Google Shape;68;p 6"/>
+          <p:cNvPr id="205" name="Google Shape;68;p 6"/>
           <p:cNvCxnSpPr/>
           <p:nvPr/>
         </p:nvCxnSpPr>
         <p:spPr>
           <a:xfrm>
             <a:off x="204480" y="721440"/>
-            <a:ext cx="8739360" cy="4680"/>
+            <a:ext cx="8739720" cy="5040"/>
           </a:xfrm>
           <a:prstGeom prst="straightConnector1">
             <a:avLst/>
@@ -23963,18 +25870,18 @@
       </p:cxnSp>
       <p:sp>
         <p:nvSpPr>
-          <p:cNvPr id="187" name="PlaceHolder 3"/>
+          <p:cNvPr id="206" name="PlaceHolder 3"/>
           <p:cNvSpPr>
             <a:spLocks noGrp="1"/>
           </p:cNvSpPr>
           <p:nvPr>
-            <p:ph type="sldNum" idx="39"/>
+            <p:ph type="sldNum" idx="43"/>
           </p:nvPr>
         </p:nvSpPr>
         <p:spPr>
           <a:xfrm>
             <a:off x="8472600" y="4633560"/>
-            <a:ext cx="544320" cy="389160"/>
+            <a:ext cx="543960" cy="388800"/>
           </a:xfrm>
           <a:prstGeom prst="rect">
             <a:avLst/>
@@ -24017,7 +25924,7 @@
                 <a:tab algn="l" pos="0"/>
               </a:tabLst>
             </a:pPr>
-            <a:fld id="{717D752D-3346-468F-8D91-093B8C50C172}" type="slidenum">
+            <a:fld id="{EAE36CAC-9262-4311-9667-A22BB86C28B5}" type="slidenum">
               <a:rPr b="0" lang="en" sz="1000" strike="noStrike" u="none">
                 <a:solidFill>
                   <a:schemeClr val="dk2"/>
@@ -24040,7 +25947,7 @@
       </p:sp>
       <p:pic>
         <p:nvPicPr>
-          <p:cNvPr id="188" name="" descr=""/>
+          <p:cNvPr id="207" name="" descr=""/>
           <p:cNvPicPr/>
           <p:nvPr/>
         </p:nvPicPr>
@@ -24051,7 +25958,7 @@
         <p:spPr>
           <a:xfrm>
             <a:off x="1999800" y="3072240"/>
-            <a:ext cx="4570200" cy="1961640"/>
+            <a:ext cx="4569840" cy="1961280"/>
           </a:xfrm>
           <a:prstGeom prst="rect">
             <a:avLst/>
@@ -24063,14 +25970,14 @@
       </p:pic>
       <p:sp>
         <p:nvSpPr>
-          <p:cNvPr id="189" name=""/>
+          <p:cNvPr id="208" name=""/>
           <p:cNvSpPr/>
           <p:nvPr/>
         </p:nvSpPr>
         <p:spPr>
           <a:xfrm>
             <a:off x="2748960" y="4907160"/>
-            <a:ext cx="3427200" cy="684000"/>
+            <a:ext cx="3426840" cy="683640"/>
           </a:xfrm>
           <a:prstGeom prst="rect">
             <a:avLst/>
@@ -24148,7 +26055,7 @@
       </p:grpSpPr>
       <p:sp>
         <p:nvSpPr>
-          <p:cNvPr id="190" name="PlaceHolder 1"/>
+          <p:cNvPr id="209" name="PlaceHolder 1"/>
           <p:cNvSpPr>
             <a:spLocks noGrp="1"/>
           </p:cNvSpPr>
@@ -24159,7 +26066,7 @@
         <p:spPr>
           <a:xfrm>
             <a:off x="1487160" y="171360"/>
-            <a:ext cx="6163200" cy="918720"/>
+            <a:ext cx="6162840" cy="918360"/>
           </a:xfrm>
           <a:prstGeom prst="rect">
             <a:avLst/>
@@ -24206,7 +26113,7 @@
       </p:sp>
       <p:sp>
         <p:nvSpPr>
-          <p:cNvPr id="191" name="PlaceHolder 2"/>
+          <p:cNvPr id="210" name="PlaceHolder 2"/>
           <p:cNvSpPr>
             <a:spLocks noGrp="1"/>
           </p:cNvSpPr>
@@ -24217,7 +26124,7 @@
         <p:spPr>
           <a:xfrm>
             <a:off x="199080" y="642600"/>
-            <a:ext cx="3687120" cy="3961440"/>
+            <a:ext cx="3686760" cy="3961080"/>
           </a:xfrm>
           <a:prstGeom prst="rect">
             <a:avLst/>
@@ -24456,14 +26363,14 @@
       </p:sp>
       <p:cxnSp>
         <p:nvCxnSpPr>
-          <p:cNvPr id="192" name="Google Shape;68;p 7"/>
+          <p:cNvPr id="211" name="Google Shape;68;p 7"/>
           <p:cNvCxnSpPr/>
           <p:nvPr/>
         </p:nvCxnSpPr>
         <p:spPr>
           <a:xfrm>
             <a:off x="204480" y="721440"/>
-            <a:ext cx="8739360" cy="4680"/>
+            <a:ext cx="8739720" cy="5040"/>
           </a:xfrm>
           <a:prstGeom prst="straightConnector1">
             <a:avLst/>
@@ -24478,18 +26385,18 @@
       </p:cxnSp>
       <p:sp>
         <p:nvSpPr>
-          <p:cNvPr id="193" name="PlaceHolder 3"/>
+          <p:cNvPr id="212" name="PlaceHolder 3"/>
           <p:cNvSpPr>
             <a:spLocks noGrp="1"/>
           </p:cNvSpPr>
           <p:nvPr>
-            <p:ph type="sldNum" idx="40"/>
+            <p:ph type="sldNum" idx="44"/>
           </p:nvPr>
         </p:nvSpPr>
         <p:spPr>
           <a:xfrm>
             <a:off x="8472600" y="4633560"/>
-            <a:ext cx="544320" cy="389160"/>
+            <a:ext cx="543960" cy="388800"/>
           </a:xfrm>
           <a:prstGeom prst="rect">
             <a:avLst/>
@@ -24532,7 +26439,7 @@
                 <a:tab algn="l" pos="0"/>
               </a:tabLst>
             </a:pPr>
-            <a:fld id="{5DA46584-5453-40A2-8D59-39FE49D38427}" type="slidenum">
+            <a:fld id="{EEFA47C5-F771-4C66-974A-61F1CD178AC9}" type="slidenum">
               <a:rPr b="0" lang="en" sz="1000" strike="noStrike" u="none">
                 <a:solidFill>
                   <a:schemeClr val="dk2"/>
@@ -24555,7 +26462,7 @@
       </p:sp>
       <p:pic>
         <p:nvPicPr>
-          <p:cNvPr id="194" name="" descr=""/>
+          <p:cNvPr id="213" name="" descr=""/>
           <p:cNvPicPr/>
           <p:nvPr/>
         </p:nvPicPr>
@@ -24566,7 +26473,7 @@
         <p:spPr>
           <a:xfrm>
             <a:off x="4006800" y="1051200"/>
-            <a:ext cx="4997520" cy="2953800"/>
+            <a:ext cx="4997160" cy="2953440"/>
           </a:xfrm>
           <a:prstGeom prst="rect">
             <a:avLst/>
@@ -24578,14 +26485,14 @@
       </p:pic>
       <p:sp>
         <p:nvSpPr>
-          <p:cNvPr id="195" name=""/>
+          <p:cNvPr id="214" name=""/>
           <p:cNvSpPr/>
           <p:nvPr/>
         </p:nvSpPr>
         <p:spPr>
           <a:xfrm>
             <a:off x="4800600" y="4114800"/>
-            <a:ext cx="3427200" cy="684000"/>
+            <a:ext cx="3426840" cy="683640"/>
           </a:xfrm>
           <a:prstGeom prst="rect">
             <a:avLst/>
@@ -24663,7 +26570,7 @@
       </p:grpSpPr>
       <p:sp>
         <p:nvSpPr>
-          <p:cNvPr id="196" name="PlaceHolder 1"/>
+          <p:cNvPr id="215" name="PlaceHolder 1"/>
           <p:cNvSpPr>
             <a:spLocks noGrp="1"/>
           </p:cNvSpPr>
@@ -24674,7 +26581,7 @@
         <p:spPr>
           <a:xfrm>
             <a:off x="1487160" y="171360"/>
-            <a:ext cx="6163200" cy="918720"/>
+            <a:ext cx="6162840" cy="918360"/>
           </a:xfrm>
           <a:prstGeom prst="rect">
             <a:avLst/>
@@ -24721,7 +26628,7 @@
       </p:sp>
       <p:sp>
         <p:nvSpPr>
-          <p:cNvPr id="197" name="PlaceHolder 2"/>
+          <p:cNvPr id="216" name="PlaceHolder 2"/>
           <p:cNvSpPr>
             <a:spLocks noGrp="1"/>
           </p:cNvSpPr>
@@ -24732,7 +26639,7 @@
         <p:spPr>
           <a:xfrm>
             <a:off x="343080" y="462600"/>
-            <a:ext cx="8388360" cy="3961440"/>
+            <a:ext cx="8388000" cy="3961080"/>
           </a:xfrm>
           <a:prstGeom prst="rect">
             <a:avLst/>
@@ -24819,7 +26726,7 @@
                 <a:latin typeface="Times New Roman"/>
                 <a:ea typeface="Times New Roman"/>
               </a:rPr>
-              <a:t>Train the BTB to a target </a:t>
+              <a:t>Train the Branch Table Buffer (BTB) to a target </a:t>
             </a:r>
             <a:endParaRPr b="0" lang="en-US" sz="1400" strike="noStrike" u="none">
               <a:solidFill>
@@ -24956,24 +26863,30 @@
             </a:endParaRPr>
           </a:p>
           <a:p>
-            <a:pPr lvl="1" marL="432000" indent="-216000">
+            <a:pPr marL="216000" indent="0">
               <a:lnSpc>
                 <a:spcPct val="90000"/>
               </a:lnSpc>
               <a:spcBef>
-                <a:spcPts val="1134"/>
+                <a:spcPts val="1417"/>
               </a:spcBef>
-              <a:buClr>
-                <a:srgbClr val="000000"/>
-              </a:buClr>
-              <a:buSzPct val="45000"/>
-              <a:buFont typeface="Wingdings" charset="2"/>
-              <a:buChar char=""/>
+              <a:buNone/>
               <a:tabLst>
                 <a:tab algn="l" pos="0"/>
               </a:tabLst>
             </a:pPr>
             <a:r>
+              <a:rPr b="0" lang="en" sz="1600" strike="noStrike" u="none">
+                <a:solidFill>
+                  <a:schemeClr val="dk1"/>
+                </a:solidFill>
+                <a:uFillTx/>
+                <a:latin typeface="Times New Roman"/>
+                <a:ea typeface="Times New Roman"/>
+              </a:rPr>
+              <a:t>- </a:t>
+            </a:r>
+            <a:r>
               <a:rPr b="0" lang="en" sz="1500" strike="noStrike" u="none">
                 <a:solidFill>
                   <a:schemeClr val="dk1"/>
@@ -24996,14 +26909,14 @@
       </p:sp>
       <p:cxnSp>
         <p:nvCxnSpPr>
-          <p:cNvPr id="198" name="Google Shape;68;p 4"/>
+          <p:cNvPr id="217" name="Google Shape;68;p 4"/>
           <p:cNvCxnSpPr/>
           <p:nvPr/>
         </p:nvCxnSpPr>
         <p:spPr>
           <a:xfrm>
             <a:off x="204480" y="721440"/>
-            <a:ext cx="8739360" cy="4680"/>
+            <a:ext cx="8739720" cy="5040"/>
           </a:xfrm>
           <a:prstGeom prst="straightConnector1">
             <a:avLst/>
@@ -25018,18 +26931,18 @@
       </p:cxnSp>
       <p:sp>
         <p:nvSpPr>
-          <p:cNvPr id="199" name="PlaceHolder 3"/>
+          <p:cNvPr id="218" name="PlaceHolder 3"/>
           <p:cNvSpPr>
             <a:spLocks noGrp="1"/>
           </p:cNvSpPr>
           <p:nvPr>
-            <p:ph type="sldNum" idx="41"/>
+            <p:ph type="sldNum" idx="45"/>
           </p:nvPr>
         </p:nvSpPr>
         <p:spPr>
           <a:xfrm>
             <a:off x="8472600" y="4633560"/>
-            <a:ext cx="544320" cy="389160"/>
+            <a:ext cx="543960" cy="388800"/>
           </a:xfrm>
           <a:prstGeom prst="rect">
             <a:avLst/>
@@ -25072,7 +26985,7 @@
                 <a:tab algn="l" pos="0"/>
               </a:tabLst>
             </a:pPr>
-            <a:fld id="{F8D344A9-90D8-4E3F-A45B-19AB68A1224D}" type="slidenum">
+            <a:fld id="{CF0768D9-331C-4187-99A4-8FF8BF1AF659}" type="slidenum">
               <a:rPr b="0" lang="en" sz="1000" strike="noStrike" u="none">
                 <a:solidFill>
                   <a:schemeClr val="dk2"/>
@@ -25095,7 +27008,7 @@
       </p:sp>
       <p:pic>
         <p:nvPicPr>
-          <p:cNvPr id="200" name="" descr=""/>
+          <p:cNvPr id="219" name="" descr=""/>
           <p:cNvPicPr/>
           <p:nvPr/>
         </p:nvPicPr>
@@ -25106,7 +27019,7 @@
         <p:spPr>
           <a:xfrm>
             <a:off x="3882600" y="2884320"/>
-            <a:ext cx="4936320" cy="1871640"/>
+            <a:ext cx="4935960" cy="1871280"/>
           </a:xfrm>
           <a:prstGeom prst="rect">
             <a:avLst/>
@@ -25118,14 +27031,14 @@
       </p:pic>
       <p:sp>
         <p:nvSpPr>
-          <p:cNvPr id="201" name=""/>
+          <p:cNvPr id="220" name=""/>
           <p:cNvSpPr/>
           <p:nvPr/>
         </p:nvSpPr>
         <p:spPr>
           <a:xfrm>
             <a:off x="4579200" y="4757760"/>
-            <a:ext cx="3427200" cy="269640"/>
+            <a:ext cx="3426840" cy="269280"/>
           </a:xfrm>
           <a:prstGeom prst="rect">
             <a:avLst/>
@@ -25173,7 +27086,7 @@
       </p:sp>
       <p:pic>
         <p:nvPicPr>
-          <p:cNvPr id="202" name="" descr=""/>
+          <p:cNvPr id="221" name="" descr=""/>
           <p:cNvPicPr/>
           <p:nvPr/>
         </p:nvPicPr>
@@ -25184,7 +27097,7 @@
         <p:spPr>
           <a:xfrm>
             <a:off x="568440" y="3020400"/>
-            <a:ext cx="3362760" cy="1349280"/>
+            <a:ext cx="3362400" cy="1348920"/>
           </a:xfrm>
           <a:prstGeom prst="rect">
             <a:avLst/>
@@ -25196,14 +27109,14 @@
       </p:pic>
       <p:sp>
         <p:nvSpPr>
-          <p:cNvPr id="203" name=""/>
+          <p:cNvPr id="222" name=""/>
           <p:cNvSpPr/>
           <p:nvPr/>
         </p:nvSpPr>
         <p:spPr>
           <a:xfrm>
             <a:off x="475560" y="4758120"/>
-            <a:ext cx="3427200" cy="383760"/>
+            <a:ext cx="3426840" cy="383400"/>
           </a:xfrm>
           <a:prstGeom prst="rect">
             <a:avLst/>
@@ -29219,6 +31132,694 @@
 </file>
 
 <file path=ppt/theme/theme30.xml><?xml version="1.0" encoding="utf-8"?>
+<a:theme xmlns:a="http://schemas.openxmlformats.org/drawingml/2006/main" xmlns:r="http://schemas.openxmlformats.org/officeDocument/2006/relationships" name="Simple Light">
+  <a:themeElements>
+    <a:clrScheme name="Simple Light">
+      <a:dk1>
+        <a:srgbClr val="000000"/>
+      </a:dk1>
+      <a:lt1>
+        <a:srgbClr val="ffffff"/>
+      </a:lt1>
+      <a:dk2>
+        <a:srgbClr val="595959"/>
+      </a:dk2>
+      <a:lt2>
+        <a:srgbClr val="eeeeee"/>
+      </a:lt2>
+      <a:accent1>
+        <a:srgbClr val="4285f4"/>
+      </a:accent1>
+      <a:accent2>
+        <a:srgbClr val="212121"/>
+      </a:accent2>
+      <a:accent3>
+        <a:srgbClr val="78909c"/>
+      </a:accent3>
+      <a:accent4>
+        <a:srgbClr val="ffab40"/>
+      </a:accent4>
+      <a:accent5>
+        <a:srgbClr val="0097a7"/>
+      </a:accent5>
+      <a:accent6>
+        <a:srgbClr val="eeff41"/>
+      </a:accent6>
+      <a:hlink>
+        <a:srgbClr val="0097a7"/>
+      </a:hlink>
+      <a:folHlink>
+        <a:srgbClr val="0097a7"/>
+      </a:folHlink>
+    </a:clrScheme>
+    <a:fontScheme name="Office">
+      <a:majorFont>
+        <a:latin typeface="Arial" pitchFamily="0" charset="1"/>
+        <a:ea typeface=""/>
+        <a:cs typeface=""/>
+      </a:majorFont>
+      <a:minorFont>
+        <a:latin typeface="Arial" pitchFamily="0" charset="1"/>
+        <a:ea typeface=""/>
+        <a:cs typeface=""/>
+      </a:minorFont>
+    </a:fontScheme>
+    <a:fmtScheme>
+      <a:fillStyleLst>
+        <a:solidFill>
+          <a:schemeClr val="phClr"/>
+        </a:solidFill>
+        <a:gradFill>
+          <a:gsLst>
+            <a:gs pos="0">
+              <a:schemeClr val="phClr">
+                <a:tint val="50000"/>
+              </a:schemeClr>
+            </a:gs>
+            <a:gs pos="35000">
+              <a:schemeClr val="phClr">
+                <a:tint val="37000"/>
+              </a:schemeClr>
+            </a:gs>
+            <a:gs pos="100000">
+              <a:schemeClr val="phClr">
+                <a:tint val="15000"/>
+              </a:schemeClr>
+            </a:gs>
+          </a:gsLst>
+          <a:lin ang="16200000" scaled="1"/>
+          <a:tileRect l="0" t="0" r="0" b="0"/>
+        </a:gradFill>
+        <a:gradFill>
+          <a:gsLst>
+            <a:gs pos="0">
+              <a:schemeClr val="phClr">
+                <a:tint val="100000"/>
+                <a:shade val="100000"/>
+              </a:schemeClr>
+            </a:gs>
+            <a:gs pos="100000">
+              <a:schemeClr val="phClr">
+                <a:tint val="50000"/>
+                <a:shade val="100000"/>
+              </a:schemeClr>
+            </a:gs>
+          </a:gsLst>
+          <a:lin ang="16200000" scaled="0"/>
+          <a:tileRect l="0" t="0" r="0" b="0"/>
+        </a:gradFill>
+      </a:fillStyleLst>
+      <a:lnStyleLst>
+        <a:ln w="9525" cap="flat" cmpd="sng" algn="ctr">
+          <a:prstDash val="solid"/>
+        </a:ln>
+        <a:ln w="25400" cap="flat" cmpd="sng" algn="ctr">
+          <a:prstDash val="solid"/>
+        </a:ln>
+        <a:ln w="38100" cap="flat" cmpd="sng" algn="ctr">
+          <a:prstDash val="solid"/>
+        </a:ln>
+      </a:lnStyleLst>
+      <a:effectStyleLst>
+        <a:effectStyle>
+          <a:effectLst/>
+        </a:effectStyle>
+        <a:effectStyle>
+          <a:effectLst/>
+        </a:effectStyle>
+        <a:effectStyle>
+          <a:effectLst/>
+        </a:effectStyle>
+      </a:effectStyleLst>
+      <a:bgFillStyleLst>
+        <a:solidFill>
+          <a:schemeClr val="phClr"/>
+        </a:solidFill>
+        <a:gradFill>
+          <a:gsLst>
+            <a:gs pos="0">
+              <a:schemeClr val="phClr">
+                <a:tint val="40000"/>
+              </a:schemeClr>
+            </a:gs>
+            <a:gs pos="40000">
+              <a:schemeClr val="phClr">
+                <a:tint val="45000"/>
+                <a:shade val="99000"/>
+              </a:schemeClr>
+            </a:gs>
+            <a:gs pos="100000">
+              <a:schemeClr val="phClr">
+                <a:shade val="20000"/>
+              </a:schemeClr>
+            </a:gs>
+          </a:gsLst>
+          <a:path path="circle">
+            <a:fillToRect l="50000" t="-80000" r="50000" b="180000"/>
+          </a:path>
+          <a:tileRect l="0" t="0" r="0" b="0"/>
+        </a:gradFill>
+        <a:gradFill>
+          <a:gsLst>
+            <a:gs pos="0">
+              <a:schemeClr val="phClr">
+                <a:tint val="80000"/>
+              </a:schemeClr>
+            </a:gs>
+            <a:gs pos="100000">
+              <a:schemeClr val="phClr">
+                <a:shade val="30000"/>
+              </a:schemeClr>
+            </a:gs>
+          </a:gsLst>
+          <a:path path="circle">
+            <a:fillToRect l="50000" t="50000" r="50000" b="50000"/>
+          </a:path>
+          <a:tileRect l="0" t="0" r="0" b="0"/>
+        </a:gradFill>
+      </a:bgFillStyleLst>
+    </a:fmtScheme>
+  </a:themeElements>
+</a:theme>
+</file>
+
+<file path=ppt/theme/theme31.xml><?xml version="1.0" encoding="utf-8"?>
+<a:theme xmlns:a="http://schemas.openxmlformats.org/drawingml/2006/main" xmlns:r="http://schemas.openxmlformats.org/officeDocument/2006/relationships" name="Simple Light">
+  <a:themeElements>
+    <a:clrScheme name="Simple Light">
+      <a:dk1>
+        <a:srgbClr val="000000"/>
+      </a:dk1>
+      <a:lt1>
+        <a:srgbClr val="ffffff"/>
+      </a:lt1>
+      <a:dk2>
+        <a:srgbClr val="595959"/>
+      </a:dk2>
+      <a:lt2>
+        <a:srgbClr val="eeeeee"/>
+      </a:lt2>
+      <a:accent1>
+        <a:srgbClr val="4285f4"/>
+      </a:accent1>
+      <a:accent2>
+        <a:srgbClr val="212121"/>
+      </a:accent2>
+      <a:accent3>
+        <a:srgbClr val="78909c"/>
+      </a:accent3>
+      <a:accent4>
+        <a:srgbClr val="ffab40"/>
+      </a:accent4>
+      <a:accent5>
+        <a:srgbClr val="0097a7"/>
+      </a:accent5>
+      <a:accent6>
+        <a:srgbClr val="eeff41"/>
+      </a:accent6>
+      <a:hlink>
+        <a:srgbClr val="0097a7"/>
+      </a:hlink>
+      <a:folHlink>
+        <a:srgbClr val="0097a7"/>
+      </a:folHlink>
+    </a:clrScheme>
+    <a:fontScheme name="Office">
+      <a:majorFont>
+        <a:latin typeface="Arial" pitchFamily="0" charset="1"/>
+        <a:ea typeface=""/>
+        <a:cs typeface=""/>
+      </a:majorFont>
+      <a:minorFont>
+        <a:latin typeface="Arial" pitchFamily="0" charset="1"/>
+        <a:ea typeface=""/>
+        <a:cs typeface=""/>
+      </a:minorFont>
+    </a:fontScheme>
+    <a:fmtScheme>
+      <a:fillStyleLst>
+        <a:solidFill>
+          <a:schemeClr val="phClr"/>
+        </a:solidFill>
+        <a:gradFill>
+          <a:gsLst>
+            <a:gs pos="0">
+              <a:schemeClr val="phClr">
+                <a:tint val="50000"/>
+              </a:schemeClr>
+            </a:gs>
+            <a:gs pos="35000">
+              <a:schemeClr val="phClr">
+                <a:tint val="37000"/>
+              </a:schemeClr>
+            </a:gs>
+            <a:gs pos="100000">
+              <a:schemeClr val="phClr">
+                <a:tint val="15000"/>
+              </a:schemeClr>
+            </a:gs>
+          </a:gsLst>
+          <a:lin ang="16200000" scaled="1"/>
+          <a:tileRect l="0" t="0" r="0" b="0"/>
+        </a:gradFill>
+        <a:gradFill>
+          <a:gsLst>
+            <a:gs pos="0">
+              <a:schemeClr val="phClr">
+                <a:tint val="100000"/>
+                <a:shade val="100000"/>
+              </a:schemeClr>
+            </a:gs>
+            <a:gs pos="100000">
+              <a:schemeClr val="phClr">
+                <a:tint val="50000"/>
+                <a:shade val="100000"/>
+              </a:schemeClr>
+            </a:gs>
+          </a:gsLst>
+          <a:lin ang="16200000" scaled="0"/>
+          <a:tileRect l="0" t="0" r="0" b="0"/>
+        </a:gradFill>
+      </a:fillStyleLst>
+      <a:lnStyleLst>
+        <a:ln w="9525" cap="flat" cmpd="sng" algn="ctr">
+          <a:prstDash val="solid"/>
+        </a:ln>
+        <a:ln w="25400" cap="flat" cmpd="sng" algn="ctr">
+          <a:prstDash val="solid"/>
+        </a:ln>
+        <a:ln w="38100" cap="flat" cmpd="sng" algn="ctr">
+          <a:prstDash val="solid"/>
+        </a:ln>
+      </a:lnStyleLst>
+      <a:effectStyleLst>
+        <a:effectStyle>
+          <a:effectLst/>
+        </a:effectStyle>
+        <a:effectStyle>
+          <a:effectLst/>
+        </a:effectStyle>
+        <a:effectStyle>
+          <a:effectLst/>
+        </a:effectStyle>
+      </a:effectStyleLst>
+      <a:bgFillStyleLst>
+        <a:solidFill>
+          <a:schemeClr val="phClr"/>
+        </a:solidFill>
+        <a:gradFill>
+          <a:gsLst>
+            <a:gs pos="0">
+              <a:schemeClr val="phClr">
+                <a:tint val="40000"/>
+              </a:schemeClr>
+            </a:gs>
+            <a:gs pos="40000">
+              <a:schemeClr val="phClr">
+                <a:tint val="45000"/>
+                <a:shade val="99000"/>
+              </a:schemeClr>
+            </a:gs>
+            <a:gs pos="100000">
+              <a:schemeClr val="phClr">
+                <a:shade val="20000"/>
+              </a:schemeClr>
+            </a:gs>
+          </a:gsLst>
+          <a:path path="circle">
+            <a:fillToRect l="50000" t="-80000" r="50000" b="180000"/>
+          </a:path>
+          <a:tileRect l="0" t="0" r="0" b="0"/>
+        </a:gradFill>
+        <a:gradFill>
+          <a:gsLst>
+            <a:gs pos="0">
+              <a:schemeClr val="phClr">
+                <a:tint val="80000"/>
+              </a:schemeClr>
+            </a:gs>
+            <a:gs pos="100000">
+              <a:schemeClr val="phClr">
+                <a:shade val="30000"/>
+              </a:schemeClr>
+            </a:gs>
+          </a:gsLst>
+          <a:path path="circle">
+            <a:fillToRect l="50000" t="50000" r="50000" b="50000"/>
+          </a:path>
+          <a:tileRect l="0" t="0" r="0" b="0"/>
+        </a:gradFill>
+      </a:bgFillStyleLst>
+    </a:fmtScheme>
+  </a:themeElements>
+</a:theme>
+</file>
+
+<file path=ppt/theme/theme32.xml><?xml version="1.0" encoding="utf-8"?>
+<a:theme xmlns:a="http://schemas.openxmlformats.org/drawingml/2006/main" xmlns:r="http://schemas.openxmlformats.org/officeDocument/2006/relationships" name="Simple Light">
+  <a:themeElements>
+    <a:clrScheme name="Simple Light">
+      <a:dk1>
+        <a:srgbClr val="000000"/>
+      </a:dk1>
+      <a:lt1>
+        <a:srgbClr val="ffffff"/>
+      </a:lt1>
+      <a:dk2>
+        <a:srgbClr val="595959"/>
+      </a:dk2>
+      <a:lt2>
+        <a:srgbClr val="eeeeee"/>
+      </a:lt2>
+      <a:accent1>
+        <a:srgbClr val="4285f4"/>
+      </a:accent1>
+      <a:accent2>
+        <a:srgbClr val="212121"/>
+      </a:accent2>
+      <a:accent3>
+        <a:srgbClr val="78909c"/>
+      </a:accent3>
+      <a:accent4>
+        <a:srgbClr val="ffab40"/>
+      </a:accent4>
+      <a:accent5>
+        <a:srgbClr val="0097a7"/>
+      </a:accent5>
+      <a:accent6>
+        <a:srgbClr val="eeff41"/>
+      </a:accent6>
+      <a:hlink>
+        <a:srgbClr val="0097a7"/>
+      </a:hlink>
+      <a:folHlink>
+        <a:srgbClr val="0097a7"/>
+      </a:folHlink>
+    </a:clrScheme>
+    <a:fontScheme name="Office">
+      <a:majorFont>
+        <a:latin typeface="Arial" pitchFamily="0" charset="1"/>
+        <a:ea typeface=""/>
+        <a:cs typeface=""/>
+      </a:majorFont>
+      <a:minorFont>
+        <a:latin typeface="Arial" pitchFamily="0" charset="1"/>
+        <a:ea typeface=""/>
+        <a:cs typeface=""/>
+      </a:minorFont>
+    </a:fontScheme>
+    <a:fmtScheme>
+      <a:fillStyleLst>
+        <a:solidFill>
+          <a:schemeClr val="phClr"/>
+        </a:solidFill>
+        <a:gradFill>
+          <a:gsLst>
+            <a:gs pos="0">
+              <a:schemeClr val="phClr">
+                <a:tint val="50000"/>
+              </a:schemeClr>
+            </a:gs>
+            <a:gs pos="35000">
+              <a:schemeClr val="phClr">
+                <a:tint val="37000"/>
+              </a:schemeClr>
+            </a:gs>
+            <a:gs pos="100000">
+              <a:schemeClr val="phClr">
+                <a:tint val="15000"/>
+              </a:schemeClr>
+            </a:gs>
+          </a:gsLst>
+          <a:lin ang="16200000" scaled="1"/>
+          <a:tileRect l="0" t="0" r="0" b="0"/>
+        </a:gradFill>
+        <a:gradFill>
+          <a:gsLst>
+            <a:gs pos="0">
+              <a:schemeClr val="phClr">
+                <a:tint val="100000"/>
+                <a:shade val="100000"/>
+              </a:schemeClr>
+            </a:gs>
+            <a:gs pos="100000">
+              <a:schemeClr val="phClr">
+                <a:tint val="50000"/>
+                <a:shade val="100000"/>
+              </a:schemeClr>
+            </a:gs>
+          </a:gsLst>
+          <a:lin ang="16200000" scaled="0"/>
+          <a:tileRect l="0" t="0" r="0" b="0"/>
+        </a:gradFill>
+      </a:fillStyleLst>
+      <a:lnStyleLst>
+        <a:ln w="9525" cap="flat" cmpd="sng" algn="ctr">
+          <a:prstDash val="solid"/>
+        </a:ln>
+        <a:ln w="25400" cap="flat" cmpd="sng" algn="ctr">
+          <a:prstDash val="solid"/>
+        </a:ln>
+        <a:ln w="38100" cap="flat" cmpd="sng" algn="ctr">
+          <a:prstDash val="solid"/>
+        </a:ln>
+      </a:lnStyleLst>
+      <a:effectStyleLst>
+        <a:effectStyle>
+          <a:effectLst/>
+        </a:effectStyle>
+        <a:effectStyle>
+          <a:effectLst/>
+        </a:effectStyle>
+        <a:effectStyle>
+          <a:effectLst/>
+        </a:effectStyle>
+      </a:effectStyleLst>
+      <a:bgFillStyleLst>
+        <a:solidFill>
+          <a:schemeClr val="phClr"/>
+        </a:solidFill>
+        <a:gradFill>
+          <a:gsLst>
+            <a:gs pos="0">
+              <a:schemeClr val="phClr">
+                <a:tint val="40000"/>
+              </a:schemeClr>
+            </a:gs>
+            <a:gs pos="40000">
+              <a:schemeClr val="phClr">
+                <a:tint val="45000"/>
+                <a:shade val="99000"/>
+              </a:schemeClr>
+            </a:gs>
+            <a:gs pos="100000">
+              <a:schemeClr val="phClr">
+                <a:shade val="20000"/>
+              </a:schemeClr>
+            </a:gs>
+          </a:gsLst>
+          <a:path path="circle">
+            <a:fillToRect l="50000" t="-80000" r="50000" b="180000"/>
+          </a:path>
+          <a:tileRect l="0" t="0" r="0" b="0"/>
+        </a:gradFill>
+        <a:gradFill>
+          <a:gsLst>
+            <a:gs pos="0">
+              <a:schemeClr val="phClr">
+                <a:tint val="80000"/>
+              </a:schemeClr>
+            </a:gs>
+            <a:gs pos="100000">
+              <a:schemeClr val="phClr">
+                <a:shade val="30000"/>
+              </a:schemeClr>
+            </a:gs>
+          </a:gsLst>
+          <a:path path="circle">
+            <a:fillToRect l="50000" t="50000" r="50000" b="50000"/>
+          </a:path>
+          <a:tileRect l="0" t="0" r="0" b="0"/>
+        </a:gradFill>
+      </a:bgFillStyleLst>
+    </a:fmtScheme>
+  </a:themeElements>
+</a:theme>
+</file>
+
+<file path=ppt/theme/theme33.xml><?xml version="1.0" encoding="utf-8"?>
+<a:theme xmlns:a="http://schemas.openxmlformats.org/drawingml/2006/main" xmlns:r="http://schemas.openxmlformats.org/officeDocument/2006/relationships" name="Simple Light">
+  <a:themeElements>
+    <a:clrScheme name="Simple Light">
+      <a:dk1>
+        <a:srgbClr val="000000"/>
+      </a:dk1>
+      <a:lt1>
+        <a:srgbClr val="ffffff"/>
+      </a:lt1>
+      <a:dk2>
+        <a:srgbClr val="595959"/>
+      </a:dk2>
+      <a:lt2>
+        <a:srgbClr val="eeeeee"/>
+      </a:lt2>
+      <a:accent1>
+        <a:srgbClr val="4285f4"/>
+      </a:accent1>
+      <a:accent2>
+        <a:srgbClr val="212121"/>
+      </a:accent2>
+      <a:accent3>
+        <a:srgbClr val="78909c"/>
+      </a:accent3>
+      <a:accent4>
+        <a:srgbClr val="ffab40"/>
+      </a:accent4>
+      <a:accent5>
+        <a:srgbClr val="0097a7"/>
+      </a:accent5>
+      <a:accent6>
+        <a:srgbClr val="eeff41"/>
+      </a:accent6>
+      <a:hlink>
+        <a:srgbClr val="0097a7"/>
+      </a:hlink>
+      <a:folHlink>
+        <a:srgbClr val="0097a7"/>
+      </a:folHlink>
+    </a:clrScheme>
+    <a:fontScheme name="Office">
+      <a:majorFont>
+        <a:latin typeface="Arial" pitchFamily="0" charset="1"/>
+        <a:ea typeface=""/>
+        <a:cs typeface=""/>
+      </a:majorFont>
+      <a:minorFont>
+        <a:latin typeface="Arial" pitchFamily="0" charset="1"/>
+        <a:ea typeface=""/>
+        <a:cs typeface=""/>
+      </a:minorFont>
+    </a:fontScheme>
+    <a:fmtScheme>
+      <a:fillStyleLst>
+        <a:solidFill>
+          <a:schemeClr val="phClr"/>
+        </a:solidFill>
+        <a:gradFill>
+          <a:gsLst>
+            <a:gs pos="0">
+              <a:schemeClr val="phClr">
+                <a:tint val="50000"/>
+              </a:schemeClr>
+            </a:gs>
+            <a:gs pos="35000">
+              <a:schemeClr val="phClr">
+                <a:tint val="37000"/>
+              </a:schemeClr>
+            </a:gs>
+            <a:gs pos="100000">
+              <a:schemeClr val="phClr">
+                <a:tint val="15000"/>
+              </a:schemeClr>
+            </a:gs>
+          </a:gsLst>
+          <a:lin ang="16200000" scaled="1"/>
+          <a:tileRect l="0" t="0" r="0" b="0"/>
+        </a:gradFill>
+        <a:gradFill>
+          <a:gsLst>
+            <a:gs pos="0">
+              <a:schemeClr val="phClr">
+                <a:tint val="100000"/>
+                <a:shade val="100000"/>
+              </a:schemeClr>
+            </a:gs>
+            <a:gs pos="100000">
+              <a:schemeClr val="phClr">
+                <a:tint val="50000"/>
+                <a:shade val="100000"/>
+              </a:schemeClr>
+            </a:gs>
+          </a:gsLst>
+          <a:lin ang="16200000" scaled="0"/>
+          <a:tileRect l="0" t="0" r="0" b="0"/>
+        </a:gradFill>
+      </a:fillStyleLst>
+      <a:lnStyleLst>
+        <a:ln w="9525" cap="flat" cmpd="sng" algn="ctr">
+          <a:prstDash val="solid"/>
+        </a:ln>
+        <a:ln w="25400" cap="flat" cmpd="sng" algn="ctr">
+          <a:prstDash val="solid"/>
+        </a:ln>
+        <a:ln w="38100" cap="flat" cmpd="sng" algn="ctr">
+          <a:prstDash val="solid"/>
+        </a:ln>
+      </a:lnStyleLst>
+      <a:effectStyleLst>
+        <a:effectStyle>
+          <a:effectLst/>
+        </a:effectStyle>
+        <a:effectStyle>
+          <a:effectLst/>
+        </a:effectStyle>
+        <a:effectStyle>
+          <a:effectLst/>
+        </a:effectStyle>
+      </a:effectStyleLst>
+      <a:bgFillStyleLst>
+        <a:solidFill>
+          <a:schemeClr val="phClr"/>
+        </a:solidFill>
+        <a:gradFill>
+          <a:gsLst>
+            <a:gs pos="0">
+              <a:schemeClr val="phClr">
+                <a:tint val="40000"/>
+              </a:schemeClr>
+            </a:gs>
+            <a:gs pos="40000">
+              <a:schemeClr val="phClr">
+                <a:tint val="45000"/>
+                <a:shade val="99000"/>
+              </a:schemeClr>
+            </a:gs>
+            <a:gs pos="100000">
+              <a:schemeClr val="phClr">
+                <a:shade val="20000"/>
+              </a:schemeClr>
+            </a:gs>
+          </a:gsLst>
+          <a:path path="circle">
+            <a:fillToRect l="50000" t="-80000" r="50000" b="180000"/>
+          </a:path>
+          <a:tileRect l="0" t="0" r="0" b="0"/>
+        </a:gradFill>
+        <a:gradFill>
+          <a:gsLst>
+            <a:gs pos="0">
+              <a:schemeClr val="phClr">
+                <a:tint val="80000"/>
+              </a:schemeClr>
+            </a:gs>
+            <a:gs pos="100000">
+              <a:schemeClr val="phClr">
+                <a:shade val="30000"/>
+              </a:schemeClr>
+            </a:gs>
+          </a:gsLst>
+          <a:path path="circle">
+            <a:fillToRect l="50000" t="50000" r="50000" b="50000"/>
+          </a:path>
+          <a:tileRect l="0" t="0" r="0" b="0"/>
+        </a:gradFill>
+      </a:bgFillStyleLst>
+    </a:fmtScheme>
+  </a:themeElements>
+</a:theme>
+</file>
+
+<file path=ppt/theme/theme34.xml><?xml version="1.0" encoding="utf-8"?>
 <a:theme xmlns:a="http://schemas.openxmlformats.org/drawingml/2006/main" xmlns:r="http://schemas.openxmlformats.org/officeDocument/2006/relationships" name="Office Theme">
   <a:themeElements>
     <a:clrScheme name="LibreOffice">
